--- a/SOFTWARE PROJECT LAB -1.pptx
+++ b/SOFTWARE PROJECT LAB -1.pptx
@@ -4,6 +4,9 @@
   <p:sldMasterIdLst>
     <p:sldMasterId id="2147483648" r:id="rId1"/>
   </p:sldMasterIdLst>
+  <p:notesMasterIdLst>
+    <p:notesMasterId r:id="rId13"/>
+  </p:notesMasterIdLst>
   <p:sldIdLst>
     <p:sldId id="256" r:id="rId2"/>
     <p:sldId id="257" r:id="rId3"/>
@@ -114,7 +117,446 @@
       </a:defRPr>
     </a:lvl9pPr>
   </p:defaultTextStyle>
+  <p:extLst>
+    <p:ext uri="{EFAFB233-063F-42B5-8137-9DF3F51BA10A}">
+      <p15:sldGuideLst xmlns:p15="http://schemas.microsoft.com/office/powerpoint/2012/main"/>
+    </p:ext>
+  </p:extLst>
 </p:presentation>
+</file>
+
+<file path=ppt/notesMasters/notesMaster1.xml><?xml version="1.0" encoding="utf-8"?>
+<p:notesMaster xmlns:a="http://schemas.openxmlformats.org/drawingml/2006/main" xmlns:r="http://schemas.openxmlformats.org/officeDocument/2006/relationships" xmlns:p="http://schemas.openxmlformats.org/presentationml/2006/main">
+  <p:cSld>
+    <p:bg>
+      <p:bgRef idx="1001">
+        <a:schemeClr val="bg1"/>
+      </p:bgRef>
+    </p:bg>
+    <p:spTree>
+      <p:nvGrpSpPr>
+        <p:cNvPr id="1" name=""/>
+        <p:cNvGrpSpPr/>
+        <p:nvPr/>
+      </p:nvGrpSpPr>
+      <p:grpSpPr>
+        <a:xfrm>
+          <a:off x="0" y="0"/>
+          <a:ext cx="0" cy="0"/>
+          <a:chOff x="0" y="0"/>
+          <a:chExt cx="0" cy="0"/>
+        </a:xfrm>
+      </p:grpSpPr>
+      <p:sp>
+        <p:nvSpPr>
+          <p:cNvPr id="2" name="Header Placeholder 1"/>
+          <p:cNvSpPr>
+            <a:spLocks noGrp="1"/>
+          </p:cNvSpPr>
+          <p:nvPr>
+            <p:ph type="hdr" sz="quarter"/>
+          </p:nvPr>
+        </p:nvSpPr>
+        <p:spPr>
+          <a:xfrm>
+            <a:off x="0" y="0"/>
+            <a:ext cx="2971800" cy="458788"/>
+          </a:xfrm>
+          <a:prstGeom prst="rect">
+            <a:avLst/>
+          </a:prstGeom>
+        </p:spPr>
+        <p:txBody>
+          <a:bodyPr vert="horz" lIns="91440" tIns="45720" rIns="91440" bIns="45720" rtlCol="0"/>
+          <a:lstStyle>
+            <a:lvl1pPr algn="l">
+              <a:defRPr sz="1200"/>
+            </a:lvl1pPr>
+          </a:lstStyle>
+          <a:p>
+            <a:endParaRPr lang="en-US"/>
+          </a:p>
+        </p:txBody>
+      </p:sp>
+      <p:sp>
+        <p:nvSpPr>
+          <p:cNvPr id="3" name="Date Placeholder 2"/>
+          <p:cNvSpPr>
+            <a:spLocks noGrp="1"/>
+          </p:cNvSpPr>
+          <p:nvPr>
+            <p:ph type="dt" idx="1"/>
+          </p:nvPr>
+        </p:nvSpPr>
+        <p:spPr>
+          <a:xfrm>
+            <a:off x="3884613" y="0"/>
+            <a:ext cx="2971800" cy="458788"/>
+          </a:xfrm>
+          <a:prstGeom prst="rect">
+            <a:avLst/>
+          </a:prstGeom>
+        </p:spPr>
+        <p:txBody>
+          <a:bodyPr vert="horz" lIns="91440" tIns="45720" rIns="91440" bIns="45720" rtlCol="0"/>
+          <a:lstStyle>
+            <a:lvl1pPr algn="r">
+              <a:defRPr sz="1200"/>
+            </a:lvl1pPr>
+          </a:lstStyle>
+          <a:p>
+            <a:fld id="{97B222AC-AE83-4F10-813D-423883E1D47B}" type="datetimeFigureOut">
+              <a:rPr lang="en-US" smtClean="0"/>
+              <a:t>3/11/2020</a:t>
+            </a:fld>
+            <a:endParaRPr lang="en-US"/>
+          </a:p>
+        </p:txBody>
+      </p:sp>
+      <p:sp>
+        <p:nvSpPr>
+          <p:cNvPr id="4" name="Slide Image Placeholder 3"/>
+          <p:cNvSpPr>
+            <a:spLocks noGrp="1" noRot="1" noChangeAspect="1"/>
+          </p:cNvSpPr>
+          <p:nvPr>
+            <p:ph type="sldImg" idx="2"/>
+          </p:nvPr>
+        </p:nvSpPr>
+        <p:spPr>
+          <a:xfrm>
+            <a:off x="685800" y="1143000"/>
+            <a:ext cx="5486400" cy="3086100"/>
+          </a:xfrm>
+          <a:prstGeom prst="rect">
+            <a:avLst/>
+          </a:prstGeom>
+          <a:noFill/>
+          <a:ln w="12700">
+            <a:solidFill>
+              <a:prstClr val="black"/>
+            </a:solidFill>
+          </a:ln>
+        </p:spPr>
+        <p:txBody>
+          <a:bodyPr vert="horz" lIns="91440" tIns="45720" rIns="91440" bIns="45720" rtlCol="0" anchor="ctr"/>
+          <a:lstStyle/>
+          <a:p>
+            <a:endParaRPr lang="en-US"/>
+          </a:p>
+        </p:txBody>
+      </p:sp>
+      <p:sp>
+        <p:nvSpPr>
+          <p:cNvPr id="5" name="Notes Placeholder 4"/>
+          <p:cNvSpPr>
+            <a:spLocks noGrp="1"/>
+          </p:cNvSpPr>
+          <p:nvPr>
+            <p:ph type="body" sz="quarter" idx="3"/>
+          </p:nvPr>
+        </p:nvSpPr>
+        <p:spPr>
+          <a:xfrm>
+            <a:off x="685800" y="4400550"/>
+            <a:ext cx="5486400" cy="3600450"/>
+          </a:xfrm>
+          <a:prstGeom prst="rect">
+            <a:avLst/>
+          </a:prstGeom>
+        </p:spPr>
+        <p:txBody>
+          <a:bodyPr vert="horz" lIns="91440" tIns="45720" rIns="91440" bIns="45720" rtlCol="0"/>
+          <a:lstStyle/>
+          <a:p>
+            <a:pPr lvl="0"/>
+            <a:r>
+              <a:rPr lang="en-US" smtClean="0"/>
+              <a:t>Click to edit Master text styles</a:t>
+            </a:r>
+          </a:p>
+          <a:p>
+            <a:pPr lvl="1"/>
+            <a:r>
+              <a:rPr lang="en-US" smtClean="0"/>
+              <a:t>Second level</a:t>
+            </a:r>
+          </a:p>
+          <a:p>
+            <a:pPr lvl="2"/>
+            <a:r>
+              <a:rPr lang="en-US" smtClean="0"/>
+              <a:t>Third level</a:t>
+            </a:r>
+          </a:p>
+          <a:p>
+            <a:pPr lvl="3"/>
+            <a:r>
+              <a:rPr lang="en-US" smtClean="0"/>
+              <a:t>Fourth level</a:t>
+            </a:r>
+          </a:p>
+          <a:p>
+            <a:pPr lvl="4"/>
+            <a:r>
+              <a:rPr lang="en-US" smtClean="0"/>
+              <a:t>Fifth level</a:t>
+            </a:r>
+            <a:endParaRPr lang="en-US"/>
+          </a:p>
+        </p:txBody>
+      </p:sp>
+      <p:sp>
+        <p:nvSpPr>
+          <p:cNvPr id="6" name="Footer Placeholder 5"/>
+          <p:cNvSpPr>
+            <a:spLocks noGrp="1"/>
+          </p:cNvSpPr>
+          <p:nvPr>
+            <p:ph type="ftr" sz="quarter" idx="4"/>
+          </p:nvPr>
+        </p:nvSpPr>
+        <p:spPr>
+          <a:xfrm>
+            <a:off x="0" y="8685213"/>
+            <a:ext cx="2971800" cy="458787"/>
+          </a:xfrm>
+          <a:prstGeom prst="rect">
+            <a:avLst/>
+          </a:prstGeom>
+        </p:spPr>
+        <p:txBody>
+          <a:bodyPr vert="horz" lIns="91440" tIns="45720" rIns="91440" bIns="45720" rtlCol="0" anchor="b"/>
+          <a:lstStyle>
+            <a:lvl1pPr algn="l">
+              <a:defRPr sz="1200"/>
+            </a:lvl1pPr>
+          </a:lstStyle>
+          <a:p>
+            <a:endParaRPr lang="en-US"/>
+          </a:p>
+        </p:txBody>
+      </p:sp>
+      <p:sp>
+        <p:nvSpPr>
+          <p:cNvPr id="7" name="Slide Number Placeholder 6"/>
+          <p:cNvSpPr>
+            <a:spLocks noGrp="1"/>
+          </p:cNvSpPr>
+          <p:nvPr>
+            <p:ph type="sldNum" sz="quarter" idx="5"/>
+          </p:nvPr>
+        </p:nvSpPr>
+        <p:spPr>
+          <a:xfrm>
+            <a:off x="3884613" y="8685213"/>
+            <a:ext cx="2971800" cy="458787"/>
+          </a:xfrm>
+          <a:prstGeom prst="rect">
+            <a:avLst/>
+          </a:prstGeom>
+        </p:spPr>
+        <p:txBody>
+          <a:bodyPr vert="horz" lIns="91440" tIns="45720" rIns="91440" bIns="45720" rtlCol="0" anchor="b"/>
+          <a:lstStyle>
+            <a:lvl1pPr algn="r">
+              <a:defRPr sz="1200"/>
+            </a:lvl1pPr>
+          </a:lstStyle>
+          <a:p>
+            <a:fld id="{27C70D89-6960-4E96-A7E6-46DC12549F2E}" type="slidenum">
+              <a:rPr lang="en-US" smtClean="0"/>
+              <a:t>‹#›</a:t>
+            </a:fld>
+            <a:endParaRPr lang="en-US"/>
+          </a:p>
+        </p:txBody>
+      </p:sp>
+    </p:spTree>
+    <p:extLst>
+      <p:ext uri="{BB962C8B-B14F-4D97-AF65-F5344CB8AC3E}">
+        <p14:creationId xmlns:p14="http://schemas.microsoft.com/office/powerpoint/2010/main" val="1913564970"/>
+      </p:ext>
+    </p:extLst>
+  </p:cSld>
+  <p:clrMap bg1="lt1" tx1="dk1" bg2="lt2" tx2="dk2" accent1="accent1" accent2="accent2" accent3="accent3" accent4="accent4" accent5="accent5" accent6="accent6" hlink="hlink" folHlink="folHlink"/>
+  <p:notesStyle>
+    <a:lvl1pPr marL="0" algn="l" defTabSz="914400" rtl="0" eaLnBrk="1" latinLnBrk="0" hangingPunct="1">
+      <a:defRPr sz="1200" kern="1200">
+        <a:solidFill>
+          <a:schemeClr val="tx1"/>
+        </a:solidFill>
+        <a:latin typeface="+mn-lt"/>
+        <a:ea typeface="+mn-ea"/>
+        <a:cs typeface="+mn-cs"/>
+      </a:defRPr>
+    </a:lvl1pPr>
+    <a:lvl2pPr marL="457200" algn="l" defTabSz="914400" rtl="0" eaLnBrk="1" latinLnBrk="0" hangingPunct="1">
+      <a:defRPr sz="1200" kern="1200">
+        <a:solidFill>
+          <a:schemeClr val="tx1"/>
+        </a:solidFill>
+        <a:latin typeface="+mn-lt"/>
+        <a:ea typeface="+mn-ea"/>
+        <a:cs typeface="+mn-cs"/>
+      </a:defRPr>
+    </a:lvl2pPr>
+    <a:lvl3pPr marL="914400" algn="l" defTabSz="914400" rtl="0" eaLnBrk="1" latinLnBrk="0" hangingPunct="1">
+      <a:defRPr sz="1200" kern="1200">
+        <a:solidFill>
+          <a:schemeClr val="tx1"/>
+        </a:solidFill>
+        <a:latin typeface="+mn-lt"/>
+        <a:ea typeface="+mn-ea"/>
+        <a:cs typeface="+mn-cs"/>
+      </a:defRPr>
+    </a:lvl3pPr>
+    <a:lvl4pPr marL="1371600" algn="l" defTabSz="914400" rtl="0" eaLnBrk="1" latinLnBrk="0" hangingPunct="1">
+      <a:defRPr sz="1200" kern="1200">
+        <a:solidFill>
+          <a:schemeClr val="tx1"/>
+        </a:solidFill>
+        <a:latin typeface="+mn-lt"/>
+        <a:ea typeface="+mn-ea"/>
+        <a:cs typeface="+mn-cs"/>
+      </a:defRPr>
+    </a:lvl4pPr>
+    <a:lvl5pPr marL="1828800" algn="l" defTabSz="914400" rtl="0" eaLnBrk="1" latinLnBrk="0" hangingPunct="1">
+      <a:defRPr sz="1200" kern="1200">
+        <a:solidFill>
+          <a:schemeClr val="tx1"/>
+        </a:solidFill>
+        <a:latin typeface="+mn-lt"/>
+        <a:ea typeface="+mn-ea"/>
+        <a:cs typeface="+mn-cs"/>
+      </a:defRPr>
+    </a:lvl5pPr>
+    <a:lvl6pPr marL="2286000" algn="l" defTabSz="914400" rtl="0" eaLnBrk="1" latinLnBrk="0" hangingPunct="1">
+      <a:defRPr sz="1200" kern="1200">
+        <a:solidFill>
+          <a:schemeClr val="tx1"/>
+        </a:solidFill>
+        <a:latin typeface="+mn-lt"/>
+        <a:ea typeface="+mn-ea"/>
+        <a:cs typeface="+mn-cs"/>
+      </a:defRPr>
+    </a:lvl6pPr>
+    <a:lvl7pPr marL="2743200" algn="l" defTabSz="914400" rtl="0" eaLnBrk="1" latinLnBrk="0" hangingPunct="1">
+      <a:defRPr sz="1200" kern="1200">
+        <a:solidFill>
+          <a:schemeClr val="tx1"/>
+        </a:solidFill>
+        <a:latin typeface="+mn-lt"/>
+        <a:ea typeface="+mn-ea"/>
+        <a:cs typeface="+mn-cs"/>
+      </a:defRPr>
+    </a:lvl7pPr>
+    <a:lvl8pPr marL="3200400" algn="l" defTabSz="914400" rtl="0" eaLnBrk="1" latinLnBrk="0" hangingPunct="1">
+      <a:defRPr sz="1200" kern="1200">
+        <a:solidFill>
+          <a:schemeClr val="tx1"/>
+        </a:solidFill>
+        <a:latin typeface="+mn-lt"/>
+        <a:ea typeface="+mn-ea"/>
+        <a:cs typeface="+mn-cs"/>
+      </a:defRPr>
+    </a:lvl8pPr>
+    <a:lvl9pPr marL="3657600" algn="l" defTabSz="914400" rtl="0" eaLnBrk="1" latinLnBrk="0" hangingPunct="1">
+      <a:defRPr sz="1200" kern="1200">
+        <a:solidFill>
+          <a:schemeClr val="tx1"/>
+        </a:solidFill>
+        <a:latin typeface="+mn-lt"/>
+        <a:ea typeface="+mn-ea"/>
+        <a:cs typeface="+mn-cs"/>
+      </a:defRPr>
+    </a:lvl9pPr>
+  </p:notesStyle>
+</p:notesMaster>
+</file>
+
+<file path=ppt/notesSlides/notesSlide1.xml><?xml version="1.0" encoding="utf-8"?>
+<p:notes xmlns:a="http://schemas.openxmlformats.org/drawingml/2006/main" xmlns:r="http://schemas.openxmlformats.org/officeDocument/2006/relationships" xmlns:p="http://schemas.openxmlformats.org/presentationml/2006/main">
+  <p:cSld>
+    <p:spTree>
+      <p:nvGrpSpPr>
+        <p:cNvPr id="1" name=""/>
+        <p:cNvGrpSpPr/>
+        <p:nvPr/>
+      </p:nvGrpSpPr>
+      <p:grpSpPr>
+        <a:xfrm>
+          <a:off x="0" y="0"/>
+          <a:ext cx="0" cy="0"/>
+          <a:chOff x="0" y="0"/>
+          <a:chExt cx="0" cy="0"/>
+        </a:xfrm>
+      </p:grpSpPr>
+      <p:sp>
+        <p:nvSpPr>
+          <p:cNvPr id="2" name="Slide Image Placeholder 1"/>
+          <p:cNvSpPr>
+            <a:spLocks noGrp="1" noRot="1" noChangeAspect="1"/>
+          </p:cNvSpPr>
+          <p:nvPr>
+            <p:ph type="sldImg"/>
+          </p:nvPr>
+        </p:nvSpPr>
+        <p:spPr/>
+      </p:sp>
+      <p:sp>
+        <p:nvSpPr>
+          <p:cNvPr id="3" name="Notes Placeholder 2"/>
+          <p:cNvSpPr>
+            <a:spLocks noGrp="1"/>
+          </p:cNvSpPr>
+          <p:nvPr>
+            <p:ph type="body" idx="1"/>
+          </p:nvPr>
+        </p:nvSpPr>
+        <p:spPr/>
+        <p:txBody>
+          <a:bodyPr/>
+          <a:lstStyle/>
+          <a:p>
+            <a:endParaRPr lang="en-US"/>
+          </a:p>
+        </p:txBody>
+      </p:sp>
+      <p:sp>
+        <p:nvSpPr>
+          <p:cNvPr id="4" name="Slide Number Placeholder 3"/>
+          <p:cNvSpPr>
+            <a:spLocks noGrp="1"/>
+          </p:cNvSpPr>
+          <p:nvPr>
+            <p:ph type="sldNum" sz="quarter" idx="10"/>
+          </p:nvPr>
+        </p:nvSpPr>
+        <p:spPr/>
+        <p:txBody>
+          <a:bodyPr/>
+          <a:lstStyle/>
+          <a:p>
+            <a:fld id="{27C70D89-6960-4E96-A7E6-46DC12549F2E}" type="slidenum">
+              <a:rPr lang="en-US" smtClean="0"/>
+              <a:t>1</a:t>
+            </a:fld>
+            <a:endParaRPr lang="en-US"/>
+          </a:p>
+        </p:txBody>
+      </p:sp>
+    </p:spTree>
+    <p:extLst>
+      <p:ext uri="{BB962C8B-B14F-4D97-AF65-F5344CB8AC3E}">
+        <p14:creationId xmlns:p14="http://schemas.microsoft.com/office/powerpoint/2010/main" val="1487764909"/>
+      </p:ext>
+    </p:extLst>
+  </p:cSld>
+  <p:clrMapOvr>
+    <a:masterClrMapping/>
+  </p:clrMapOvr>
+</p:notes>
 </file>
 
 <file path=ppt/slideLayouts/slideLayout1.xml><?xml version="1.0" encoding="utf-8"?>
@@ -339,9 +781,8 @@
           <a:bodyPr/>
           <a:lstStyle/>
           <a:p>
-            <a:fld id="{B61BEF0D-F0BB-DE4B-95CE-6DB70DBA9567}" type="datetimeFigureOut">
-              <a:rPr lang="en-US" dirty="0"/>
-              <a:pPr/>
+            <a:fld id="{40238DFA-E111-47B7-B40A-1D54CC4DC4CD}" type="datetime1">
+              <a:rPr lang="en-US" smtClean="0"/>
               <a:t>3/11/2020</a:t>
             </a:fld>
             <a:endParaRPr lang="en-US" dirty="0"/>
@@ -668,9 +1109,8 @@
           <a:bodyPr/>
           <a:lstStyle/>
           <a:p>
-            <a:fld id="{B61BEF0D-F0BB-DE4B-95CE-6DB70DBA9567}" type="datetimeFigureOut">
-              <a:rPr lang="en-US" dirty="0"/>
-              <a:pPr/>
+            <a:fld id="{F063C0CC-977C-4252-B044-60CFE518587B}" type="datetime1">
+              <a:rPr lang="en-US" smtClean="0"/>
               <a:t>3/11/2020</a:t>
             </a:fld>
             <a:endParaRPr lang="en-US" dirty="0"/>
@@ -913,9 +1353,8 @@
           <a:bodyPr/>
           <a:lstStyle/>
           <a:p>
-            <a:fld id="{B61BEF0D-F0BB-DE4B-95CE-6DB70DBA9567}" type="datetimeFigureOut">
-              <a:rPr lang="en-US" dirty="0"/>
-              <a:pPr/>
+            <a:fld id="{B1422DC1-AD17-4944-9003-EFD007690D0A}" type="datetime1">
+              <a:rPr lang="en-US" smtClean="0"/>
               <a:t>3/11/2020</a:t>
             </a:fld>
             <a:endParaRPr lang="en-US" dirty="0"/>
@@ -1256,9 +1695,8 @@
           <a:bodyPr/>
           <a:lstStyle/>
           <a:p>
-            <a:fld id="{B61BEF0D-F0BB-DE4B-95CE-6DB70DBA9567}" type="datetimeFigureOut">
-              <a:rPr lang="en-US" dirty="0"/>
-              <a:pPr/>
+            <a:fld id="{E18545D2-3E0D-4938-AA25-0382A569739B}" type="datetime1">
+              <a:rPr lang="en-US" smtClean="0"/>
               <a:t>3/11/2020</a:t>
             </a:fld>
             <a:endParaRPr lang="en-US" dirty="0"/>
@@ -1607,9 +2045,8 @@
           <a:bodyPr/>
           <a:lstStyle/>
           <a:p>
-            <a:fld id="{B61BEF0D-F0BB-DE4B-95CE-6DB70DBA9567}" type="datetimeFigureOut">
-              <a:rPr lang="en-US" dirty="0"/>
-              <a:pPr/>
+            <a:fld id="{1FB9E15F-D804-4FB8-B324-2D74DCB23BA3}" type="datetime1">
+              <a:rPr lang="en-US" smtClean="0"/>
               <a:t>3/11/2020</a:t>
             </a:fld>
             <a:endParaRPr lang="en-US" dirty="0"/>
@@ -1978,9 +2415,8 @@
           <a:bodyPr/>
           <a:lstStyle/>
           <a:p>
-            <a:fld id="{B61BEF0D-F0BB-DE4B-95CE-6DB70DBA9567}" type="datetimeFigureOut">
-              <a:rPr lang="en-US" dirty="0"/>
-              <a:pPr/>
+            <a:fld id="{5F10FD20-68BE-4437-9DE6-545CAB9E2591}" type="datetime1">
+              <a:rPr lang="en-US" smtClean="0"/>
               <a:t>3/11/2020</a:t>
             </a:fld>
             <a:endParaRPr lang="en-US" dirty="0"/>
@@ -2452,9 +2888,8 @@
           <a:bodyPr/>
           <a:lstStyle/>
           <a:p>
-            <a:fld id="{B61BEF0D-F0BB-DE4B-95CE-6DB70DBA9567}" type="datetimeFigureOut">
-              <a:rPr lang="en-US" dirty="0"/>
-              <a:pPr/>
+            <a:fld id="{79D50F07-4B4D-45B0-BD32-BBF4F8B3EDD4}" type="datetime1">
+              <a:rPr lang="en-US" smtClean="0"/>
               <a:t>3/11/2020</a:t>
             </a:fld>
             <a:endParaRPr lang="en-US" dirty="0"/>
@@ -2661,9 +3096,8 @@
           <a:bodyPr/>
           <a:lstStyle/>
           <a:p>
-            <a:fld id="{B61BEF0D-F0BB-DE4B-95CE-6DB70DBA9567}" type="datetimeFigureOut">
-              <a:rPr lang="en-US" dirty="0"/>
-              <a:pPr/>
+            <a:fld id="{3F5383E6-B98A-48BB-85BA-767815715D74}" type="datetime1">
+              <a:rPr lang="en-US" smtClean="0"/>
               <a:t>3/11/2020</a:t>
             </a:fld>
             <a:endParaRPr lang="en-US" dirty="0"/>
@@ -2876,9 +3310,8 @@
           <a:bodyPr/>
           <a:lstStyle/>
           <a:p>
-            <a:fld id="{B61BEF0D-F0BB-DE4B-95CE-6DB70DBA9567}" type="datetimeFigureOut">
-              <a:rPr lang="en-US" dirty="0"/>
-              <a:pPr/>
+            <a:fld id="{4B67787A-1745-418B-8BC7-65C417D0289F}" type="datetime1">
+              <a:rPr lang="en-US" smtClean="0"/>
               <a:t>3/11/2020</a:t>
             </a:fld>
             <a:endParaRPr lang="en-US" dirty="0"/>
@@ -3119,8 +3552,8 @@
           <a:bodyPr/>
           <a:lstStyle/>
           <a:p>
-            <a:fld id="{05BFA754-D5C3-4E66-96A6-867B257F58DC}" type="datetimeFigureOut">
-              <a:rPr lang="en-US" dirty="0"/>
+            <a:fld id="{4D895880-9CB1-4058-A583-50D547147BEC}" type="datetime1">
+              <a:rPr lang="en-US" smtClean="0"/>
               <a:t>3/11/2020</a:t>
             </a:fld>
             <a:endParaRPr lang="en-US" dirty="0"/>
@@ -3362,9 +3795,8 @@
           <a:bodyPr/>
           <a:lstStyle/>
           <a:p>
-            <a:fld id="{B61BEF0D-F0BB-DE4B-95CE-6DB70DBA9567}" type="datetimeFigureOut">
-              <a:rPr lang="en-US" dirty="0"/>
-              <a:pPr/>
+            <a:fld id="{1DCD2490-AFFC-4EAF-B91C-7D19AA4182CF}" type="datetime1">
+              <a:rPr lang="en-US" smtClean="0"/>
               <a:t>3/11/2020</a:t>
             </a:fld>
             <a:endParaRPr lang="en-US" dirty="0"/>
@@ -3671,8 +4103,8 @@
           <a:bodyPr/>
           <a:lstStyle/>
           <a:p>
-            <a:fld id="{05BFA754-D5C3-4E66-96A6-867B257F58DC}" type="datetimeFigureOut">
-              <a:rPr lang="en-US" dirty="0"/>
+            <a:fld id="{97A30C9E-52EF-448B-A767-82499E5273EA}" type="datetime1">
+              <a:rPr lang="en-US" smtClean="0"/>
               <a:t>3/11/2020</a:t>
             </a:fld>
             <a:endParaRPr lang="en-US" dirty="0"/>
@@ -4048,9 +4480,8 @@
           <a:bodyPr/>
           <a:lstStyle/>
           <a:p>
-            <a:fld id="{B61BEF0D-F0BB-DE4B-95CE-6DB70DBA9567}" type="datetimeFigureOut">
-              <a:rPr lang="en-US" dirty="0"/>
-              <a:pPr/>
+            <a:fld id="{DFEF93BC-D80F-4E5C-BD78-8A6C7B88EC09}" type="datetime1">
+              <a:rPr lang="en-US" smtClean="0"/>
               <a:t>3/11/2020</a:t>
             </a:fld>
             <a:endParaRPr lang="en-US" dirty="0"/>
@@ -4201,9 +4632,8 @@
           <a:bodyPr/>
           <a:lstStyle/>
           <a:p>
-            <a:fld id="{B61BEF0D-F0BB-DE4B-95CE-6DB70DBA9567}" type="datetimeFigureOut">
-              <a:rPr lang="en-US" dirty="0"/>
-              <a:pPr/>
+            <a:fld id="{02D6F11F-1986-40F9-8898-84FF6442DE8A}" type="datetime1">
+              <a:rPr lang="en-US" smtClean="0"/>
               <a:t>3/11/2020</a:t>
             </a:fld>
             <a:endParaRPr lang="en-US" dirty="0"/>
@@ -4331,9 +4761,8 @@
           <a:bodyPr/>
           <a:lstStyle/>
           <a:p>
-            <a:fld id="{B61BEF0D-F0BB-DE4B-95CE-6DB70DBA9567}" type="datetimeFigureOut">
-              <a:rPr lang="en-US" dirty="0"/>
-              <a:pPr/>
+            <a:fld id="{0C016015-D643-4180-8179-A9931FC0E77A}" type="datetime1">
+              <a:rPr lang="en-US" smtClean="0"/>
               <a:t>3/11/2020</a:t>
             </a:fld>
             <a:endParaRPr lang="en-US" dirty="0"/>
@@ -4583,9 +5012,8 @@
           <a:bodyPr/>
           <a:lstStyle/>
           <a:p>
-            <a:fld id="{B61BEF0D-F0BB-DE4B-95CE-6DB70DBA9567}" type="datetimeFigureOut">
-              <a:rPr lang="en-US" dirty="0"/>
-              <a:pPr/>
+            <a:fld id="{BF9370D3-E676-495A-9F1A-514AE823D41D}" type="datetime1">
+              <a:rPr lang="en-US" smtClean="0"/>
               <a:t>3/11/2020</a:t>
             </a:fld>
             <a:endParaRPr lang="en-US" dirty="0"/>
@@ -4902,9 +5330,8 @@
           <a:bodyPr/>
           <a:lstStyle/>
           <a:p>
-            <a:fld id="{B61BEF0D-F0BB-DE4B-95CE-6DB70DBA9567}" type="datetimeFigureOut">
-              <a:rPr lang="en-US" dirty="0"/>
-              <a:pPr/>
+            <a:fld id="{A2D3F368-EDD8-4AE7-A219-0737EC7AA614}" type="datetime1">
+              <a:rPr lang="en-US" smtClean="0"/>
               <a:t>3/11/2020</a:t>
             </a:fld>
             <a:endParaRPr lang="en-US" dirty="0"/>
@@ -5143,9 +5570,8 @@
             </a:lvl1pPr>
           </a:lstStyle>
           <a:p>
-            <a:fld id="{B61BEF0D-F0BB-DE4B-95CE-6DB70DBA9567}" type="datetimeFigureOut">
-              <a:rPr lang="en-US" dirty="0"/>
-              <a:pPr/>
+            <a:fld id="{9DB1FD19-3ED8-4EC3-A313-6E4ED055186E}" type="datetime1">
+              <a:rPr lang="en-US" smtClean="0"/>
               <a:t>3/11/2020</a:t>
             </a:fld>
             <a:endParaRPr lang="en-US" dirty="0"/>
@@ -5253,6 +5679,7 @@
     <p:sldLayoutId id="2147483658" r:id="rId16"/>
     <p:sldLayoutId id="2147483659" r:id="rId17"/>
   </p:sldLayoutIdLst>
+  <p:hf hdr="0" ftr="0" dt="0"/>
   <p:txStyles>
     <p:titleStyle>
       <a:lvl1pPr algn="ctr" defTabSz="457200" rtl="0" eaLnBrk="1" latinLnBrk="0" hangingPunct="1">
@@ -5750,6 +6177,35 @@
           </a:p>
         </p:txBody>
       </p:sp>
+      <p:sp>
+        <p:nvSpPr>
+          <p:cNvPr id="4" name="Slide Number Placeholder 3"/>
+          <p:cNvSpPr>
+            <a:spLocks noGrp="1"/>
+          </p:cNvSpPr>
+          <p:nvPr>
+            <p:ph type="sldNum" sz="quarter" idx="12"/>
+          </p:nvPr>
+        </p:nvSpPr>
+        <p:spPr>
+          <a:xfrm>
+            <a:off x="9079606" y="4978399"/>
+            <a:ext cx="428461" cy="338664"/>
+          </a:xfrm>
+        </p:spPr>
+        <p:txBody>
+          <a:bodyPr/>
+          <a:lstStyle/>
+          <a:p>
+            <a:fld id="{D57F1E4F-1CFF-5643-939E-217C01CDF565}" type="slidenum">
+              <a:rPr lang="en-US" sz="2800" smtClean="0"/>
+              <a:pPr/>
+              <a:t>1</a:t>
+            </a:fld>
+            <a:endParaRPr lang="en-US" dirty="0"/>
+          </a:p>
+        </p:txBody>
+      </p:sp>
     </p:spTree>
     <p:extLst>
       <p:ext uri="{BB962C8B-B14F-4D97-AF65-F5344CB8AC3E}">
@@ -5792,14 +6248,16 @@
         </p:nvSpPr>
         <p:spPr/>
         <p:txBody>
-          <a:bodyPr/>
-          <a:lstStyle/>
-          <a:p>
-            <a:r>
-              <a:rPr lang="en-US" dirty="0" smtClean="0"/>
+          <a:bodyPr>
+            <a:normAutofit fontScale="90000"/>
+          </a:bodyPr>
+          <a:lstStyle/>
+          <a:p>
+            <a:r>
+              <a:rPr lang="en-US" b="1" dirty="0" smtClean="0"/>
               <a:t>FUTURE IMPLEMENTATION PLANS</a:t>
             </a:r>
-            <a:endParaRPr lang="en-US" dirty="0"/>
+            <a:endParaRPr lang="en-US" b="1" dirty="0"/>
           </a:p>
         </p:txBody>
       </p:sp>
@@ -5815,7 +6273,9 @@
         </p:nvSpPr>
         <p:spPr/>
         <p:txBody>
-          <a:bodyPr/>
+          <a:bodyPr>
+            <a:normAutofit/>
+          </a:bodyPr>
           <a:lstStyle/>
           <a:p>
             <a:pPr>
@@ -5824,8 +6284,8 @@
               <a:buChar char="v"/>
             </a:pPr>
             <a:r>
-              <a:rPr lang="en-US" dirty="0" smtClean="0"/>
-              <a:t> ADDING FURTHER FEATURES FOR IMAGE PROCESSING INCLUDING EDGE DETECTION, GRAY-SCALING AND SMOOTHING</a:t>
+              <a:rPr lang="en-US" sz="3200" dirty="0" smtClean="0"/>
+              <a:t> Adding further features for image processing including edge detection, gray-scaling and smoothing</a:t>
             </a:r>
           </a:p>
           <a:p>
@@ -5835,9 +6295,33 @@
               <a:buChar char="v"/>
             </a:pPr>
             <a:r>
-              <a:rPr lang="en-US" dirty="0" smtClean="0"/>
-              <a:t>ADDING USER MENU TO THE PROGRAM</a:t>
-            </a:r>
+              <a:rPr lang="en-US" sz="3200" dirty="0" smtClean="0"/>
+              <a:t>Adding user menu to the program</a:t>
+            </a:r>
+            <a:endParaRPr lang="en-US" sz="3200" dirty="0" smtClean="0"/>
+          </a:p>
+        </p:txBody>
+      </p:sp>
+      <p:sp>
+        <p:nvSpPr>
+          <p:cNvPr id="4" name="Slide Number Placeholder 3"/>
+          <p:cNvSpPr>
+            <a:spLocks noGrp="1"/>
+          </p:cNvSpPr>
+          <p:nvPr>
+            <p:ph type="sldNum" sz="quarter" idx="12"/>
+          </p:nvPr>
+        </p:nvSpPr>
+        <p:spPr/>
+        <p:txBody>
+          <a:bodyPr/>
+          <a:lstStyle/>
+          <a:p>
+            <a:fld id="{5D84065D-F351-4B03-BD91-D8A6B8D4B362}" type="slidenum">
+              <a:rPr lang="en-US" sz="2400" smtClean="0"/>
+              <a:t>10</a:t>
+            </a:fld>
+            <a:endParaRPr lang="en-US" dirty="0"/>
           </a:p>
         </p:txBody>
       </p:sp>
@@ -5894,10 +6378,10 @@
           <a:lstStyle/>
           <a:p>
             <a:r>
-              <a:rPr lang="en-US" dirty="0" smtClean="0"/>
+              <a:rPr lang="en-US" b="1" dirty="0" smtClean="0"/>
               <a:t>REFERENCE LINKS</a:t>
             </a:r>
-            <a:endParaRPr lang="en-US" dirty="0"/>
+            <a:endParaRPr lang="en-US" b="1" dirty="0"/>
           </a:p>
         </p:txBody>
       </p:sp>
@@ -5919,51 +6403,56 @@
           <a:lstStyle/>
           <a:p>
             <a:r>
-              <a:rPr lang="en-US" dirty="0">
-                <a:hlinkClick r:id="rId2"/>
-              </a:rPr>
-              <a:t>https://www.google.com/url?sa=i&amp;url=https%3A%2F%2Fwww.justinmind.com%2Fblog%2F10-inspiring-progress-bars-that-delight-users%2F&amp;psig=AOvVaw3lVbNc_-</a:t>
-            </a:r>
-            <a:r>
               <a:rPr lang="en-US" dirty="0" smtClean="0">
                 <a:hlinkClick r:id="rId2"/>
               </a:rPr>
-              <a:t>Pl0g2vKqQlKWJa&amp;ust=1584001485547000&amp;source=images&amp;cd=vfe&amp;ved=0CAMQjB</a:t>
+              <a:t>https://www.google.com/url?sa=i&amp;url=https%3A%2F%2Fwww.justinmind.com%2Fblog%2F10-inspiring-progress-bars-that-delight-users%2F&amp;psig=AOvVaw3lVbNc_-Pl0g2vKqQlKWJa&amp;ust=1584001485547000&amp;source=images&amp;cd=vfe&amp;ved=0CAMQjB</a:t>
             </a:r>
             <a:endParaRPr lang="en-US" dirty="0" smtClean="0"/>
           </a:p>
           <a:p>
-            <a:r>
-              <a:rPr lang="en-US" dirty="0">
-                <a:hlinkClick r:id="rId3"/>
-              </a:rPr>
-              <a:t>https://</a:t>
-            </a:r>
             <a:r>
               <a:rPr lang="en-US" dirty="0" smtClean="0">
                 <a:hlinkClick r:id="rId3"/>
               </a:rPr>
-              <a:t>en.wikipedia.org/wiki/BMP_file_format</a:t>
+              <a:t>https://en.wikipedia.org/wiki/BMP_file_format</a:t>
             </a:r>
             <a:endParaRPr lang="en-US" dirty="0" smtClean="0"/>
           </a:p>
           <a:p>
-            <a:r>
-              <a:rPr lang="en-US" dirty="0">
-                <a:hlinkClick r:id="rId4"/>
-              </a:rPr>
-              <a:t>http://</a:t>
-            </a:r>
             <a:r>
               <a:rPr lang="en-US" dirty="0" smtClean="0">
                 <a:hlinkClick r:id="rId4"/>
               </a:rPr>
-              <a:t>homepages.inf.ed.ac.uk/rbf/BOOKS/PHILLIPS/cips2ed.pdf</a:t>
+              <a:t>http://homepages.inf.ed.ac.uk/rbf/BOOKS/PHILLIPS/cips2ed.pdf</a:t>
             </a:r>
             <a:endParaRPr lang="en-US" dirty="0" smtClean="0"/>
           </a:p>
           <a:p>
             <a:endParaRPr lang="en-US" dirty="0" smtClean="0"/>
+          </a:p>
+        </p:txBody>
+      </p:sp>
+      <p:sp>
+        <p:nvSpPr>
+          <p:cNvPr id="4" name="Slide Number Placeholder 3"/>
+          <p:cNvSpPr>
+            <a:spLocks noGrp="1"/>
+          </p:cNvSpPr>
+          <p:nvPr>
+            <p:ph type="sldNum" sz="quarter" idx="12"/>
+          </p:nvPr>
+        </p:nvSpPr>
+        <p:spPr/>
+        <p:txBody>
+          <a:bodyPr/>
+          <a:lstStyle/>
+          <a:p>
+            <a:fld id="{5D84065D-F351-4B03-BD91-D8A6B8D4B362}" type="slidenum">
+              <a:rPr lang="en-US" sz="2400" smtClean="0"/>
+              <a:t>11</a:t>
+            </a:fld>
+            <a:endParaRPr lang="en-US" dirty="0"/>
           </a:p>
         </p:txBody>
       </p:sp>
@@ -6016,8 +6505,8 @@
         </p:nvSpPr>
         <p:spPr>
           <a:xfrm>
-            <a:off x="1140856" y="570007"/>
-            <a:ext cx="9601196" cy="4426995"/>
+            <a:off x="1115098" y="299551"/>
+            <a:ext cx="9601196" cy="4916393"/>
           </a:xfrm>
         </p:spPr>
         <p:txBody>
@@ -6063,6 +6552,29 @@
               <a:t>C, C++</a:t>
             </a:r>
             <a:endParaRPr lang="en-US" b="1" dirty="0"/>
+          </a:p>
+        </p:txBody>
+      </p:sp>
+      <p:sp>
+        <p:nvSpPr>
+          <p:cNvPr id="3" name="Slide Number Placeholder 2"/>
+          <p:cNvSpPr>
+            <a:spLocks noGrp="1"/>
+          </p:cNvSpPr>
+          <p:nvPr>
+            <p:ph type="sldNum" sz="quarter" idx="12"/>
+          </p:nvPr>
+        </p:nvSpPr>
+        <p:spPr/>
+        <p:txBody>
+          <a:bodyPr/>
+          <a:lstStyle/>
+          <a:p>
+            <a:fld id="{5D84065D-F351-4B03-BD91-D8A6B8D4B362}" type="slidenum">
+              <a:rPr lang="en-US" sz="2800" smtClean="0"/>
+              <a:t>2</a:t>
+            </a:fld>
+            <a:endParaRPr lang="en-US" sz="2800" dirty="0"/>
           </a:p>
         </p:txBody>
       </p:sp>
@@ -6129,7 +6641,12 @@
             <p:ph idx="1"/>
           </p:nvPr>
         </p:nvSpPr>
-        <p:spPr/>
+        <p:spPr>
+          <a:xfrm>
+            <a:off x="1295402" y="2468031"/>
+            <a:ext cx="9601196" cy="3318936"/>
+          </a:xfrm>
+        </p:spPr>
         <p:txBody>
           <a:bodyPr/>
           <a:lstStyle/>
@@ -6144,10 +6661,22 @@
               <a:t> </a:t>
             </a:r>
             <a:r>
-              <a:rPr lang="en-US" sz="2800" dirty="0" smtClean="0">
-                <a:latin typeface="Bahnschrift SemiCondensed" panose="020B0502040204020203" pitchFamily="34" charset="0"/>
+              <a:rPr lang="en-US" sz="3200" dirty="0" smtClean="0">
+                <a:latin typeface="Arial Narrow" panose="020B0606020202030204" pitchFamily="34" charset="0"/>
               </a:rPr>
-              <a:t>WANTED TO EXPLORE THE IMAGE MANUPULATION SIDE OF THE TECHNOLOGY FIELD</a:t>
+              <a:t>Wanted to explore the image </a:t>
+            </a:r>
+            <a:r>
+              <a:rPr lang="en-US" sz="3200" dirty="0" err="1" smtClean="0">
+                <a:latin typeface="Arial Narrow" panose="020B0606020202030204" pitchFamily="34" charset="0"/>
+              </a:rPr>
+              <a:t>manupulation</a:t>
+            </a:r>
+            <a:r>
+              <a:rPr lang="en-US" sz="3200" dirty="0" smtClean="0">
+                <a:latin typeface="Arial Narrow" panose="020B0606020202030204" pitchFamily="34" charset="0"/>
+              </a:rPr>
+              <a:t> side of the technology field</a:t>
             </a:r>
           </a:p>
           <a:p>
@@ -6155,8 +6684,8 @@
               <a:buClrTx/>
               <a:buNone/>
             </a:pPr>
-            <a:endParaRPr lang="en-US" sz="2800" dirty="0" smtClean="0">
-              <a:latin typeface="Bahnschrift SemiCondensed" panose="020B0502040204020203" pitchFamily="34" charset="0"/>
+            <a:endParaRPr lang="en-US" sz="3200" dirty="0" smtClean="0">
+              <a:latin typeface="Arial Narrow" panose="020B0606020202030204" pitchFamily="34" charset="0"/>
             </a:endParaRPr>
           </a:p>
           <a:p>
@@ -6166,20 +6695,43 @@
               <a:buChar char="q"/>
             </a:pPr>
             <a:r>
-              <a:rPr lang="en-US" sz="2800" dirty="0">
-                <a:latin typeface="Bahnschrift SemiCondensed" panose="020B0502040204020203" pitchFamily="34" charset="0"/>
+              <a:rPr lang="en-US" sz="3200" dirty="0" smtClean="0">
+                <a:latin typeface="Arial Narrow" panose="020B0606020202030204" pitchFamily="34" charset="0"/>
               </a:rPr>
-              <a:t> </a:t>
-            </a:r>
-            <a:r>
-              <a:rPr lang="en-US" sz="2800" dirty="0" smtClean="0">
-                <a:latin typeface="Bahnschrift SemiCondensed" panose="020B0502040204020203" pitchFamily="34" charset="0"/>
+              <a:t> Want to work on a bigger project which will require rigorous work on image </a:t>
+            </a:r>
+            <a:r>
+              <a:rPr lang="en-US" sz="3200" dirty="0" err="1" smtClean="0">
+                <a:latin typeface="Arial Narrow" panose="020B0606020202030204" pitchFamily="34" charset="0"/>
               </a:rPr>
-              <a:t>WANT TO WORK ON A BIGGER PROJECT WHICH WILL REQUIRE RIGOROUS WORK ON IMAGE MANUPULATION</a:t>
-            </a:r>
-            <a:endParaRPr lang="en-US" sz="2800" dirty="0">
-              <a:latin typeface="Bahnschrift SemiCondensed" panose="020B0502040204020203" pitchFamily="34" charset="0"/>
+              <a:t>manupulation</a:t>
+            </a:r>
+            <a:endParaRPr lang="en-US" sz="3200" dirty="0">
+              <a:latin typeface="Arial Narrow" panose="020B0606020202030204" pitchFamily="34" charset="0"/>
             </a:endParaRPr>
+          </a:p>
+        </p:txBody>
+      </p:sp>
+      <p:sp>
+        <p:nvSpPr>
+          <p:cNvPr id="4" name="Slide Number Placeholder 3"/>
+          <p:cNvSpPr>
+            <a:spLocks noGrp="1"/>
+          </p:cNvSpPr>
+          <p:nvPr>
+            <p:ph type="sldNum" sz="quarter" idx="12"/>
+          </p:nvPr>
+        </p:nvSpPr>
+        <p:spPr/>
+        <p:txBody>
+          <a:bodyPr/>
+          <a:lstStyle/>
+          <a:p>
+            <a:fld id="{5D84065D-F351-4B03-BD91-D8A6B8D4B362}" type="slidenum">
+              <a:rPr lang="en-US" sz="2800" smtClean="0"/>
+              <a:t>3</a:t>
+            </a:fld>
+            <a:endParaRPr lang="en-US" dirty="0"/>
           </a:p>
         </p:txBody>
       </p:sp>
@@ -6279,7 +6831,14 @@
               <a:rPr lang="en-US" dirty="0" smtClean="0">
                 <a:latin typeface="Berlin Sans FB" panose="020E0602020502020306" pitchFamily="34" charset="0"/>
               </a:rPr>
-              <a:t> Take Image as Input</a:t>
+              <a:t> </a:t>
+            </a:r>
+            <a:r>
+              <a:rPr lang="en-US" dirty="0" smtClean="0">
+                <a:latin typeface="Calibri" panose="020F0502020204030204" pitchFamily="34" charset="0"/>
+                <a:cs typeface="Calibri" panose="020F0502020204030204" pitchFamily="34" charset="0"/>
+              </a:rPr>
+              <a:t>Take Image as Input</a:t>
             </a:r>
           </a:p>
           <a:p>
@@ -6290,9 +6849,17 @@
             </a:pPr>
             <a:r>
               <a:rPr lang="en-US" dirty="0" smtClean="0">
-                <a:latin typeface="Berlin Sans FB" panose="020E0602020502020306" pitchFamily="34" charset="0"/>
+                <a:latin typeface="Calibri" panose="020F0502020204030204" pitchFamily="34" charset="0"/>
+                <a:cs typeface="Calibri" panose="020F0502020204030204" pitchFamily="34" charset="0"/>
               </a:rPr>
-              <a:t>It will consist of a menu containing a number of Image Processing Tools</a:t>
+              <a:t>Menu </a:t>
+            </a:r>
+            <a:r>
+              <a:rPr lang="en-US" dirty="0" smtClean="0">
+                <a:latin typeface="Calibri" panose="020F0502020204030204" pitchFamily="34" charset="0"/>
+                <a:cs typeface="Calibri" panose="020F0502020204030204" pitchFamily="34" charset="0"/>
+              </a:rPr>
+              <a:t>containing a number of image processing tools</a:t>
             </a:r>
           </a:p>
           <a:p>
@@ -6303,9 +6870,17 @@
             </a:pPr>
             <a:r>
               <a:rPr lang="en-US" dirty="0" smtClean="0">
-                <a:latin typeface="Berlin Sans FB" panose="020E0602020502020306" pitchFamily="34" charset="0"/>
+                <a:latin typeface="Calibri" panose="020F0502020204030204" pitchFamily="34" charset="0"/>
+                <a:cs typeface="Calibri" panose="020F0502020204030204" pitchFamily="34" charset="0"/>
               </a:rPr>
-              <a:t>Increment or decrement options will be given for each image modification tool</a:t>
+              <a:t>Increment </a:t>
+            </a:r>
+            <a:r>
+              <a:rPr lang="en-US" dirty="0" smtClean="0">
+                <a:latin typeface="Calibri" panose="020F0502020204030204" pitchFamily="34" charset="0"/>
+                <a:cs typeface="Calibri" panose="020F0502020204030204" pitchFamily="34" charset="0"/>
+              </a:rPr>
+              <a:t>or decrement options will be given for each image modification tool</a:t>
             </a:r>
           </a:p>
           <a:p>
@@ -6316,7 +6891,8 @@
             </a:pPr>
             <a:r>
               <a:rPr lang="en-US" dirty="0" smtClean="0">
-                <a:latin typeface="Berlin Sans FB" panose="020E0602020502020306" pitchFamily="34" charset="0"/>
+                <a:latin typeface="Calibri" panose="020F0502020204030204" pitchFamily="34" charset="0"/>
+                <a:cs typeface="Calibri" panose="020F0502020204030204" pitchFamily="34" charset="0"/>
               </a:rPr>
               <a:t>Output Image will be saved as a new file</a:t>
             </a:r>
@@ -6329,7 +6905,8 @@
             </a:pPr>
             <a:r>
               <a:rPr lang="en-US" dirty="0" smtClean="0">
-                <a:latin typeface="Berlin Sans FB" panose="020E0602020502020306" pitchFamily="34" charset="0"/>
+                <a:latin typeface="Calibri" panose="020F0502020204030204" pitchFamily="34" charset="0"/>
+                <a:cs typeface="Calibri" panose="020F0502020204030204" pitchFamily="34" charset="0"/>
               </a:rPr>
               <a:t>Primarily, the project will focus on the following image processing tools</a:t>
             </a:r>
@@ -6341,16 +6918,41 @@
             </a:pPr>
             <a:r>
               <a:rPr lang="en-US" dirty="0">
-                <a:latin typeface="Berlin Sans FB" panose="020E0602020502020306" pitchFamily="34" charset="0"/>
+                <a:latin typeface="Calibri" panose="020F0502020204030204" pitchFamily="34" charset="0"/>
+                <a:cs typeface="Calibri" panose="020F0502020204030204" pitchFamily="34" charset="0"/>
               </a:rPr>
               <a:t> </a:t>
             </a:r>
             <a:r>
               <a:rPr lang="en-US" dirty="0" smtClean="0">
-                <a:latin typeface="Berlin Sans FB" panose="020E0602020502020306" pitchFamily="34" charset="0"/>
+                <a:latin typeface="Calibri" panose="020F0502020204030204" pitchFamily="34" charset="0"/>
+                <a:cs typeface="Calibri" panose="020F0502020204030204" pitchFamily="34" charset="0"/>
               </a:rPr>
-              <a:t>    Smoothing, brightness control, Sharpening, Gray-Scaling , Edge Detection etc.</a:t>
-            </a:r>
+              <a:t>    Smoothing, brightness control, Sharpening, Gray-Scaling , Edge Detection </a:t>
+            </a:r>
+          </a:p>
+        </p:txBody>
+      </p:sp>
+      <p:sp>
+        <p:nvSpPr>
+          <p:cNvPr id="4" name="Slide Number Placeholder 3"/>
+          <p:cNvSpPr>
+            <a:spLocks noGrp="1"/>
+          </p:cNvSpPr>
+          <p:nvPr>
+            <p:ph type="sldNum" sz="quarter" idx="12"/>
+          </p:nvPr>
+        </p:nvSpPr>
+        <p:spPr/>
+        <p:txBody>
+          <a:bodyPr/>
+          <a:lstStyle/>
+          <a:p>
+            <a:fld id="{5D84065D-F351-4B03-BD91-D8A6B8D4B362}" type="slidenum">
+              <a:rPr lang="en-US" sz="2400" smtClean="0"/>
+              <a:t>4</a:t>
+            </a:fld>
+            <a:endParaRPr lang="en-US" dirty="0"/>
           </a:p>
         </p:txBody>
       </p:sp>
@@ -6451,8 +7053,8 @@
         </p:nvSpPr>
         <p:spPr>
           <a:xfrm>
-            <a:off x="695458" y="2588653"/>
-            <a:ext cx="5769735" cy="3785652"/>
+            <a:off x="746974" y="2427668"/>
+            <a:ext cx="5769735" cy="2123658"/>
           </a:xfrm>
           <a:prstGeom prst="rect">
             <a:avLst/>
@@ -6470,15 +7072,14 @@
               <a:buChar char="Ø"/>
             </a:pPr>
             <a:r>
-              <a:rPr lang="en-US" sz="2000" dirty="0" smtClean="0"/>
-              <a:t> </a:t>
-            </a:r>
-            <a:r>
-              <a:rPr lang="en-US" sz="2000" dirty="0" smtClean="0">
-                <a:latin typeface="Copperplate Gothic Bold" panose="020E0705020206020404" pitchFamily="34" charset="0"/>
+              <a:rPr lang="en-US" sz="2800" dirty="0" smtClean="0">
+                <a:latin typeface="Imprint MT Shadow" panose="04020605060303030202" pitchFamily="82" charset="0"/>
               </a:rPr>
-              <a:t>TAKE PATH OF .BMP FORMAT IMAGE AS INPUT</a:t>
-            </a:r>
+              <a:t>Reading the image data</a:t>
+            </a:r>
+            <a:endParaRPr lang="en-US" sz="2800" dirty="0" smtClean="0">
+              <a:latin typeface="Imprint MT Shadow" panose="04020605060303030202" pitchFamily="82" charset="0"/>
+            </a:endParaRPr>
           </a:p>
           <a:p>
             <a:pPr marL="342900" indent="-342900">
@@ -6486,10 +7087,10 @@
               <a:buChar char="Ø"/>
             </a:pPr>
             <a:r>
-              <a:rPr lang="en-US" sz="2000" dirty="0" smtClean="0">
-                <a:latin typeface="Copperplate Gothic Bold" panose="020E0705020206020404" pitchFamily="34" charset="0"/>
+              <a:rPr lang="en-US" sz="2800" dirty="0" smtClean="0">
+                <a:latin typeface="Imprint MT Shadow" panose="04020605060303030202" pitchFamily="82" charset="0"/>
               </a:rPr>
-              <a:t>READ THE HEADER AND PIXEL DATA OF THE IMAGE</a:t>
+              <a:t>Write the header in the output file</a:t>
             </a:r>
           </a:p>
           <a:p>
@@ -6498,52 +7099,10 @@
               <a:buChar char="Ø"/>
             </a:pPr>
             <a:r>
-              <a:rPr lang="en-US" sz="2000" dirty="0" smtClean="0">
-                <a:latin typeface="Copperplate Gothic Bold" panose="020E0705020206020404" pitchFamily="34" charset="0"/>
+              <a:rPr lang="en-US" sz="2800" dirty="0" smtClean="0">
+                <a:latin typeface="Imprint MT Shadow" panose="04020605060303030202" pitchFamily="82" charset="0"/>
               </a:rPr>
-              <a:t>STORE THE DATA IN VARIABLES AND ARRAYS</a:t>
-            </a:r>
-          </a:p>
-          <a:p>
-            <a:pPr marL="342900" indent="-342900">
-              <a:buFont typeface="Wingdings" panose="05000000000000000000" pitchFamily="2" charset="2"/>
-              <a:buChar char="Ø"/>
-            </a:pPr>
-            <a:r>
-              <a:rPr lang="en-US" sz="2000" dirty="0">
-                <a:latin typeface="Copperplate Gothic Bold" panose="020E0705020206020404" pitchFamily="34" charset="0"/>
-              </a:rPr>
-              <a:t> </a:t>
-            </a:r>
-            <a:r>
-              <a:rPr lang="en-US" sz="2000" dirty="0" smtClean="0">
-                <a:latin typeface="Copperplate Gothic Bold" panose="020E0705020206020404" pitchFamily="34" charset="0"/>
-              </a:rPr>
-              <a:t>reducing brightness of image</a:t>
-            </a:r>
-          </a:p>
-          <a:p>
-            <a:pPr marL="342900" indent="-342900">
-              <a:buFont typeface="Wingdings" panose="05000000000000000000" pitchFamily="2" charset="2"/>
-              <a:buChar char="Ø"/>
-            </a:pPr>
-            <a:r>
-              <a:rPr lang="en-US" sz="2000" dirty="0" smtClean="0">
-                <a:latin typeface="Copperplate Gothic Bold" panose="020E0705020206020404" pitchFamily="34" charset="0"/>
-              </a:rPr>
-              <a:t>WRITE THE HEADER IN THE OUTPUT FILE</a:t>
-            </a:r>
-          </a:p>
-          <a:p>
-            <a:pPr marL="342900" indent="-342900">
-              <a:buFont typeface="Wingdings" panose="05000000000000000000" pitchFamily="2" charset="2"/>
-              <a:buChar char="Ø"/>
-            </a:pPr>
-            <a:r>
-              <a:rPr lang="en-US" sz="2000" dirty="0" smtClean="0">
-                <a:latin typeface="Copperplate Gothic Bold" panose="020E0705020206020404" pitchFamily="34" charset="0"/>
-              </a:rPr>
-              <a:t>WRITE THE PROCESSED IMAGE PIXELS IN THE OUTPUT FILE</a:t>
+              <a:t>Write the processed image pixels in the output file</a:t>
             </a:r>
           </a:p>
           <a:p>
@@ -6552,6 +7111,29 @@
               <a:buChar char="Ø"/>
             </a:pPr>
             <a:endParaRPr lang="en-US" sz="2000" dirty="0"/>
+          </a:p>
+        </p:txBody>
+      </p:sp>
+      <p:sp>
+        <p:nvSpPr>
+          <p:cNvPr id="3" name="Slide Number Placeholder 2"/>
+          <p:cNvSpPr>
+            <a:spLocks noGrp="1"/>
+          </p:cNvSpPr>
+          <p:nvPr>
+            <p:ph type="sldNum" sz="quarter" idx="12"/>
+          </p:nvPr>
+        </p:nvSpPr>
+        <p:spPr/>
+        <p:txBody>
+          <a:bodyPr/>
+          <a:lstStyle/>
+          <a:p>
+            <a:fld id="{5D84065D-F351-4B03-BD91-D8A6B8D4B362}" type="slidenum">
+              <a:rPr lang="en-US" sz="2400" smtClean="0"/>
+              <a:t>5</a:t>
+            </a:fld>
+            <a:endParaRPr lang="en-US" dirty="0"/>
           </a:p>
         </p:txBody>
       </p:sp>
@@ -6749,35 +7331,6 @@
       </p:sp>
       <p:pic>
         <p:nvPicPr>
-          <p:cNvPr id="6" name="Content Placeholder 5"/>
-          <p:cNvPicPr>
-            <a:picLocks noGrp="1" noChangeAspect="1"/>
-          </p:cNvPicPr>
-          <p:nvPr>
-            <p:ph idx="1"/>
-          </p:nvPr>
-        </p:nvPicPr>
-        <p:blipFill>
-          <a:blip r:embed="rId2">
-            <a:extLst>
-              <a:ext uri="{28A0092B-C50C-407E-A947-70E740481C1C}">
-                <a14:useLocalDpi xmlns:a14="http://schemas.microsoft.com/office/drawing/2010/main" val="0"/>
-              </a:ext>
-            </a:extLst>
-          </a:blip>
-          <a:stretch>
-            <a:fillRect/>
-          </a:stretch>
-        </p:blipFill>
-        <p:spPr>
-          <a:xfrm>
-            <a:off x="1295402" y="2534403"/>
-            <a:ext cx="4238221" cy="2896004"/>
-          </a:xfrm>
-        </p:spPr>
-      </p:pic>
-      <p:pic>
-        <p:nvPicPr>
           <p:cNvPr id="7" name="Picture 6"/>
           <p:cNvPicPr>
             <a:picLocks noChangeAspect="1"/>
@@ -6785,7 +7338,7 @@
           <p:nvPr/>
         </p:nvPicPr>
         <p:blipFill rotWithShape="1">
-          <a:blip r:embed="rId3">
+          <a:blip r:embed="rId2">
             <a:extLst>
               <a:ext uri="{28A0092B-C50C-407E-A947-70E740481C1C}">
                 <a14:useLocalDpi xmlns:a14="http://schemas.microsoft.com/office/drawing/2010/main" val="0"/>
@@ -6805,6 +7358,48 @@
           </a:prstGeom>
         </p:spPr>
       </p:pic>
+      <p:sp>
+        <p:nvSpPr>
+          <p:cNvPr id="3" name="Slide Number Placeholder 2"/>
+          <p:cNvSpPr>
+            <a:spLocks noGrp="1"/>
+          </p:cNvSpPr>
+          <p:nvPr>
+            <p:ph type="sldNum" sz="quarter" idx="12"/>
+          </p:nvPr>
+        </p:nvSpPr>
+        <p:spPr/>
+        <p:txBody>
+          <a:bodyPr/>
+          <a:lstStyle/>
+          <a:p>
+            <a:fld id="{5D84065D-F351-4B03-BD91-D8A6B8D4B362}" type="slidenum">
+              <a:rPr lang="en-US" sz="2400" smtClean="0"/>
+              <a:t>6</a:t>
+            </a:fld>
+            <a:endParaRPr lang="en-US" sz="2400" dirty="0"/>
+          </a:p>
+        </p:txBody>
+      </p:sp>
+      <p:sp>
+        <p:nvSpPr>
+          <p:cNvPr id="4" name="Content Placeholder 3"/>
+          <p:cNvSpPr>
+            <a:spLocks noGrp="1"/>
+          </p:cNvSpPr>
+          <p:nvPr>
+            <p:ph idx="1"/>
+          </p:nvPr>
+        </p:nvSpPr>
+        <p:spPr/>
+        <p:txBody>
+          <a:bodyPr/>
+          <a:lstStyle/>
+          <a:p>
+            <a:endParaRPr lang="en-US"/>
+          </a:p>
+        </p:txBody>
+      </p:sp>
     </p:spTree>
     <p:extLst>
       <p:ext uri="{BB962C8B-B14F-4D97-AF65-F5344CB8AC3E}">
@@ -6836,7 +7431,7 @@
                             </p:stCondLst>
                             <p:childTnLst>
                               <p:par>
-                                <p:cTn id="5" presetID="10" presetClass="entr" presetSubtype="0" fill="hold" nodeType="clickEffect">
+                                <p:cTn id="5" presetID="16" presetClass="entr" presetSubtype="21" fill="hold" nodeType="clickEffect">
                                   <p:stCondLst>
                                     <p:cond delay="0"/>
                                   </p:stCondLst>
@@ -6844,59 +7439,6 @@
                                     <p:set>
                                       <p:cBhvr>
                                         <p:cTn id="6" dur="1" fill="hold">
-                                          <p:stCondLst>
-                                            <p:cond delay="0"/>
-                                          </p:stCondLst>
-                                        </p:cTn>
-                                        <p:tgtEl>
-                                          <p:spTgt spid="6"/>
-                                        </p:tgtEl>
-                                        <p:attrNameLst>
-                                          <p:attrName>style.visibility</p:attrName>
-                                        </p:attrNameLst>
-                                      </p:cBhvr>
-                                      <p:to>
-                                        <p:strVal val="visible"/>
-                                      </p:to>
-                                    </p:set>
-                                    <p:animEffect transition="in" filter="fade">
-                                      <p:cBhvr>
-                                        <p:cTn id="7" dur="500"/>
-                                        <p:tgtEl>
-                                          <p:spTgt spid="6"/>
-                                        </p:tgtEl>
-                                      </p:cBhvr>
-                                    </p:animEffect>
-                                  </p:childTnLst>
-                                </p:cTn>
-                              </p:par>
-                            </p:childTnLst>
-                          </p:cTn>
-                        </p:par>
-                      </p:childTnLst>
-                    </p:cTn>
-                  </p:par>
-                  <p:par>
-                    <p:cTn id="8" fill="hold">
-                      <p:stCondLst>
-                        <p:cond delay="indefinite"/>
-                      </p:stCondLst>
-                      <p:childTnLst>
-                        <p:par>
-                          <p:cTn id="9" fill="hold">
-                            <p:stCondLst>
-                              <p:cond delay="0"/>
-                            </p:stCondLst>
-                            <p:childTnLst>
-                              <p:par>
-                                <p:cTn id="10" presetID="16" presetClass="entr" presetSubtype="21" fill="hold" nodeType="clickEffect">
-                                  <p:stCondLst>
-                                    <p:cond delay="0"/>
-                                  </p:stCondLst>
-                                  <p:childTnLst>
-                                    <p:set>
-                                      <p:cBhvr>
-                                        <p:cTn id="11" dur="1" fill="hold">
                                           <p:stCondLst>
                                             <p:cond delay="0"/>
                                           </p:stCondLst>
@@ -6914,7 +7456,7 @@
                                     </p:set>
                                     <p:animEffect transition="in" filter="barn(inVertical)">
                                       <p:cBhvr>
-                                        <p:cTn id="12" dur="500"/>
+                                        <p:cTn id="7" dur="500"/>
                                         <p:tgtEl>
                                           <p:spTgt spid="7"/>
                                         </p:tgtEl>
@@ -6996,13 +7538,11 @@
       </p:sp>
       <p:pic>
         <p:nvPicPr>
-          <p:cNvPr id="4" name="Content Placeholder 3"/>
+          <p:cNvPr id="3" name="Picture 2"/>
           <p:cNvPicPr>
-            <a:picLocks noGrp="1" noChangeAspect="1"/>
+            <a:picLocks noChangeAspect="1"/>
           </p:cNvPicPr>
-          <p:nvPr>
-            <p:ph idx="1"/>
-          </p:nvPr>
+          <p:nvPr/>
         </p:nvPicPr>
         <p:blipFill>
           <a:blip r:embed="rId2">
@@ -7018,41 +7558,61 @@
         </p:blipFill>
         <p:spPr>
           <a:xfrm>
-            <a:off x="1295402" y="2449961"/>
-            <a:ext cx="4654637" cy="3172268"/>
-          </a:xfrm>
-        </p:spPr>
-      </p:pic>
-      <p:pic>
-        <p:nvPicPr>
-          <p:cNvPr id="5" name="Picture 4"/>
-          <p:cNvPicPr>
-            <a:picLocks noChangeAspect="1"/>
-          </p:cNvPicPr>
-          <p:nvPr/>
-        </p:nvPicPr>
-        <p:blipFill>
-          <a:blip r:embed="rId3">
-            <a:extLst>
-              <a:ext uri="{28A0092B-C50C-407E-A947-70E740481C1C}">
-                <a14:useLocalDpi xmlns:a14="http://schemas.microsoft.com/office/drawing/2010/main" val="0"/>
-              </a:ext>
-            </a:extLst>
-          </a:blip>
-          <a:stretch>
-            <a:fillRect/>
-          </a:stretch>
-        </p:blipFill>
-        <p:spPr>
-          <a:xfrm>
-            <a:off x="6096000" y="2506721"/>
-            <a:ext cx="5048980" cy="3115508"/>
+            <a:off x="6857194" y="2449961"/>
+            <a:ext cx="3703481" cy="3555341"/>
           </a:xfrm>
           <a:prstGeom prst="rect">
             <a:avLst/>
           </a:prstGeom>
         </p:spPr>
       </p:pic>
+      <p:sp>
+        <p:nvSpPr>
+          <p:cNvPr id="6" name="Slide Number Placeholder 5"/>
+          <p:cNvSpPr>
+            <a:spLocks noGrp="1"/>
+          </p:cNvSpPr>
+          <p:nvPr>
+            <p:ph type="sldNum" sz="quarter" idx="12"/>
+          </p:nvPr>
+        </p:nvSpPr>
+        <p:spPr>
+          <a:xfrm>
+            <a:off x="10469811" y="5889864"/>
+            <a:ext cx="542697" cy="279400"/>
+          </a:xfrm>
+        </p:spPr>
+        <p:txBody>
+          <a:bodyPr/>
+          <a:lstStyle/>
+          <a:p>
+            <a:fld id="{5D84065D-F351-4B03-BD91-D8A6B8D4B362}" type="slidenum">
+              <a:rPr lang="en-US" sz="2400" smtClean="0"/>
+              <a:t>7</a:t>
+            </a:fld>
+            <a:endParaRPr lang="en-US" sz="2400" dirty="0"/>
+          </a:p>
+        </p:txBody>
+      </p:sp>
+      <p:sp>
+        <p:nvSpPr>
+          <p:cNvPr id="7" name="Content Placeholder 6"/>
+          <p:cNvSpPr>
+            <a:spLocks noGrp="1"/>
+          </p:cNvSpPr>
+          <p:nvPr>
+            <p:ph idx="1"/>
+          </p:nvPr>
+        </p:nvSpPr>
+        <p:spPr/>
+        <p:txBody>
+          <a:bodyPr/>
+          <a:lstStyle/>
+          <a:p>
+            <a:endParaRPr lang="en-US"/>
+          </a:p>
+        </p:txBody>
+      </p:sp>
     </p:spTree>
     <p:extLst>
       <p:ext uri="{BB962C8B-B14F-4D97-AF65-F5344CB8AC3E}">
@@ -7066,182 +7626,7 @@
   <p:timing>
     <p:tnLst>
       <p:par>
-        <p:cTn id="1" dur="indefinite" restart="never" nodeType="tmRoot">
-          <p:childTnLst>
-            <p:seq concurrent="1" nextAc="seek">
-              <p:cTn id="2" dur="indefinite" nodeType="mainSeq">
-                <p:childTnLst>
-                  <p:par>
-                    <p:cTn id="3" fill="hold">
-                      <p:stCondLst>
-                        <p:cond delay="indefinite"/>
-                      </p:stCondLst>
-                      <p:childTnLst>
-                        <p:par>
-                          <p:cTn id="4" fill="hold">
-                            <p:stCondLst>
-                              <p:cond delay="0"/>
-                            </p:stCondLst>
-                            <p:childTnLst>
-                              <p:par>
-                                <p:cTn id="5" presetID="42" presetClass="entr" presetSubtype="0" fill="hold" nodeType="clickEffect">
-                                  <p:stCondLst>
-                                    <p:cond delay="0"/>
-                                  </p:stCondLst>
-                                  <p:childTnLst>
-                                    <p:set>
-                                      <p:cBhvr>
-                                        <p:cTn id="6" dur="1" fill="hold">
-                                          <p:stCondLst>
-                                            <p:cond delay="0"/>
-                                          </p:stCondLst>
-                                        </p:cTn>
-                                        <p:tgtEl>
-                                          <p:spTgt spid="4"/>
-                                        </p:tgtEl>
-                                        <p:attrNameLst>
-                                          <p:attrName>style.visibility</p:attrName>
-                                        </p:attrNameLst>
-                                      </p:cBhvr>
-                                      <p:to>
-                                        <p:strVal val="visible"/>
-                                      </p:to>
-                                    </p:set>
-                                    <p:animEffect transition="in" filter="fade">
-                                      <p:cBhvr>
-                                        <p:cTn id="7" dur="1000"/>
-                                        <p:tgtEl>
-                                          <p:spTgt spid="4"/>
-                                        </p:tgtEl>
-                                      </p:cBhvr>
-                                    </p:animEffect>
-                                    <p:anim calcmode="lin" valueType="num">
-                                      <p:cBhvr>
-                                        <p:cTn id="8" dur="1000" fill="hold"/>
-                                        <p:tgtEl>
-                                          <p:spTgt spid="4"/>
-                                        </p:tgtEl>
-                                        <p:attrNameLst>
-                                          <p:attrName>ppt_x</p:attrName>
-                                        </p:attrNameLst>
-                                      </p:cBhvr>
-                                      <p:tavLst>
-                                        <p:tav tm="0">
-                                          <p:val>
-                                            <p:strVal val="#ppt_x"/>
-                                          </p:val>
-                                        </p:tav>
-                                        <p:tav tm="100000">
-                                          <p:val>
-                                            <p:strVal val="#ppt_x"/>
-                                          </p:val>
-                                        </p:tav>
-                                      </p:tavLst>
-                                    </p:anim>
-                                    <p:anim calcmode="lin" valueType="num">
-                                      <p:cBhvr>
-                                        <p:cTn id="9" dur="1000" fill="hold"/>
-                                        <p:tgtEl>
-                                          <p:spTgt spid="4"/>
-                                        </p:tgtEl>
-                                        <p:attrNameLst>
-                                          <p:attrName>ppt_y</p:attrName>
-                                        </p:attrNameLst>
-                                      </p:cBhvr>
-                                      <p:tavLst>
-                                        <p:tav tm="0">
-                                          <p:val>
-                                            <p:strVal val="#ppt_y+.1"/>
-                                          </p:val>
-                                        </p:tav>
-                                        <p:tav tm="100000">
-                                          <p:val>
-                                            <p:strVal val="#ppt_y"/>
-                                          </p:val>
-                                        </p:tav>
-                                      </p:tavLst>
-                                    </p:anim>
-                                  </p:childTnLst>
-                                </p:cTn>
-                              </p:par>
-                            </p:childTnLst>
-                          </p:cTn>
-                        </p:par>
-                      </p:childTnLst>
-                    </p:cTn>
-                  </p:par>
-                  <p:par>
-                    <p:cTn id="10" fill="hold">
-                      <p:stCondLst>
-                        <p:cond delay="indefinite"/>
-                      </p:stCondLst>
-                      <p:childTnLst>
-                        <p:par>
-                          <p:cTn id="11" fill="hold">
-                            <p:stCondLst>
-                              <p:cond delay="0"/>
-                            </p:stCondLst>
-                            <p:childTnLst>
-                              <p:par>
-                                <p:cTn id="12" presetID="16" presetClass="entr" presetSubtype="21" fill="hold" nodeType="clickEffect">
-                                  <p:stCondLst>
-                                    <p:cond delay="0"/>
-                                  </p:stCondLst>
-                                  <p:childTnLst>
-                                    <p:set>
-                                      <p:cBhvr>
-                                        <p:cTn id="13" dur="1" fill="hold">
-                                          <p:stCondLst>
-                                            <p:cond delay="0"/>
-                                          </p:stCondLst>
-                                        </p:cTn>
-                                        <p:tgtEl>
-                                          <p:spTgt spid="5"/>
-                                        </p:tgtEl>
-                                        <p:attrNameLst>
-                                          <p:attrName>style.visibility</p:attrName>
-                                        </p:attrNameLst>
-                                      </p:cBhvr>
-                                      <p:to>
-                                        <p:strVal val="visible"/>
-                                      </p:to>
-                                    </p:set>
-                                    <p:animEffect transition="in" filter="barn(inVertical)">
-                                      <p:cBhvr>
-                                        <p:cTn id="14" dur="500"/>
-                                        <p:tgtEl>
-                                          <p:spTgt spid="5"/>
-                                        </p:tgtEl>
-                                      </p:cBhvr>
-                                    </p:animEffect>
-                                  </p:childTnLst>
-                                </p:cTn>
-                              </p:par>
-                            </p:childTnLst>
-                          </p:cTn>
-                        </p:par>
-                      </p:childTnLst>
-                    </p:cTn>
-                  </p:par>
-                </p:childTnLst>
-              </p:cTn>
-              <p:prevCondLst>
-                <p:cond evt="onPrev" delay="0">
-                  <p:tgtEl>
-                    <p:sldTgt/>
-                  </p:tgtEl>
-                </p:cond>
-              </p:prevCondLst>
-              <p:nextCondLst>
-                <p:cond evt="onNext" delay="0">
-                  <p:tgtEl>
-                    <p:sldTgt/>
-                  </p:tgtEl>
-                </p:cond>
-              </p:nextCondLst>
-            </p:seq>
-          </p:childTnLst>
-        </p:cTn>
+        <p:cTn id="1" dur="indefinite" restart="never" nodeType="tmRoot"/>
       </p:par>
     </p:tnLst>
   </p:timing>
@@ -7277,26 +7662,26 @@
         </p:nvSpPr>
         <p:spPr/>
         <p:txBody>
-          <a:bodyPr/>
-          <a:lstStyle/>
-          <a:p>
-            <a:r>
-              <a:rPr lang="en-US" dirty="0" smtClean="0"/>
+          <a:bodyPr>
+            <a:normAutofit fontScale="90000"/>
+          </a:bodyPr>
+          <a:lstStyle/>
+          <a:p>
+            <a:r>
+              <a:rPr lang="en-US" b="1" dirty="0" smtClean="0"/>
               <a:t>WRITING THE PROCESSED IMAGE</a:t>
             </a:r>
-            <a:endParaRPr lang="en-US" dirty="0"/>
+            <a:endParaRPr lang="en-US" b="1" dirty="0"/>
           </a:p>
         </p:txBody>
       </p:sp>
       <p:pic>
         <p:nvPicPr>
-          <p:cNvPr id="4" name="Content Placeholder 3"/>
+          <p:cNvPr id="3" name="Picture 2"/>
           <p:cNvPicPr>
-            <a:picLocks noGrp="1" noChangeAspect="1"/>
+            <a:picLocks noChangeAspect="1"/>
           </p:cNvPicPr>
-          <p:nvPr>
-            <p:ph idx="1"/>
-          </p:nvPr>
+          <p:nvPr/>
         </p:nvPicPr>
         <p:blipFill>
           <a:blip r:embed="rId2">
@@ -7312,41 +7697,68 @@
         </p:blipFill>
         <p:spPr>
           <a:xfrm>
-            <a:off x="831346" y="2398978"/>
-            <a:ext cx="5298998" cy="3248478"/>
-          </a:xfrm>
-        </p:spPr>
-      </p:pic>
-      <p:pic>
-        <p:nvPicPr>
-          <p:cNvPr id="6" name="Picture 5"/>
-          <p:cNvPicPr>
-            <a:picLocks noChangeAspect="1"/>
-          </p:cNvPicPr>
-          <p:nvPr/>
-        </p:nvPicPr>
-        <p:blipFill>
-          <a:blip r:embed="rId3">
-            <a:extLst>
-              <a:ext uri="{28A0092B-C50C-407E-A947-70E740481C1C}">
-                <a14:useLocalDpi xmlns:a14="http://schemas.microsoft.com/office/drawing/2010/main" val="0"/>
-              </a:ext>
-            </a:extLst>
-          </a:blip>
-          <a:stretch>
-            <a:fillRect/>
-          </a:stretch>
-        </p:blipFill>
-        <p:spPr>
-          <a:xfrm>
-            <a:off x="6130344" y="2546499"/>
-            <a:ext cx="4786329" cy="2953436"/>
+            <a:off x="7046889" y="2398978"/>
+            <a:ext cx="3578182" cy="3435055"/>
           </a:xfrm>
           <a:prstGeom prst="rect">
             <a:avLst/>
           </a:prstGeom>
         </p:spPr>
       </p:pic>
+      <p:sp>
+        <p:nvSpPr>
+          <p:cNvPr id="5" name="Content Placeholder 4"/>
+          <p:cNvSpPr>
+            <a:spLocks noGrp="1"/>
+          </p:cNvSpPr>
+          <p:nvPr>
+            <p:ph idx="1"/>
+          </p:nvPr>
+        </p:nvSpPr>
+        <p:spPr/>
+        <p:txBody>
+          <a:bodyPr/>
+          <a:lstStyle/>
+          <a:p>
+            <a:r>
+              <a:rPr lang="en-US" dirty="0" smtClean="0"/>
+              <a:t>Algorithm :</a:t>
+            </a:r>
+          </a:p>
+          <a:p>
+            <a:pPr marL="0" indent="0">
+              <a:buNone/>
+            </a:pPr>
+            <a:r>
+              <a:rPr lang="en-US" dirty="0"/>
+              <a:t>	</a:t>
+            </a:r>
+          </a:p>
+        </p:txBody>
+      </p:sp>
+      <p:sp>
+        <p:nvSpPr>
+          <p:cNvPr id="7" name="Slide Number Placeholder 6"/>
+          <p:cNvSpPr>
+            <a:spLocks noGrp="1"/>
+          </p:cNvSpPr>
+          <p:nvPr>
+            <p:ph type="sldNum" sz="quarter" idx="12"/>
+          </p:nvPr>
+        </p:nvSpPr>
+        <p:spPr/>
+        <p:txBody>
+          <a:bodyPr/>
+          <a:lstStyle/>
+          <a:p>
+            <a:fld id="{5D84065D-F351-4B03-BD91-D8A6B8D4B362}" type="slidenum">
+              <a:rPr lang="en-US" sz="2400" smtClean="0"/>
+              <a:t>8</a:t>
+            </a:fld>
+            <a:endParaRPr lang="en-US" sz="2400" dirty="0"/>
+          </a:p>
+        </p:txBody>
+      </p:sp>
     </p:spTree>
     <p:extLst>
       <p:ext uri="{BB962C8B-B14F-4D97-AF65-F5344CB8AC3E}">
@@ -7360,136 +7772,7 @@
   <p:timing>
     <p:tnLst>
       <p:par>
-        <p:cTn id="1" dur="indefinite" restart="never" nodeType="tmRoot">
-          <p:childTnLst>
-            <p:seq concurrent="1" nextAc="seek">
-              <p:cTn id="2" dur="indefinite" nodeType="mainSeq">
-                <p:childTnLst>
-                  <p:par>
-                    <p:cTn id="3" fill="hold">
-                      <p:stCondLst>
-                        <p:cond delay="indefinite"/>
-                      </p:stCondLst>
-                      <p:childTnLst>
-                        <p:par>
-                          <p:cTn id="4" fill="hold">
-                            <p:stCondLst>
-                              <p:cond delay="0"/>
-                            </p:stCondLst>
-                            <p:childTnLst>
-                              <p:par>
-                                <p:cTn id="5" presetID="22" presetClass="entr" presetSubtype="4" fill="hold" nodeType="clickEffect">
-                                  <p:stCondLst>
-                                    <p:cond delay="0"/>
-                                  </p:stCondLst>
-                                  <p:childTnLst>
-                                    <p:set>
-                                      <p:cBhvr>
-                                        <p:cTn id="6" dur="1" fill="hold">
-                                          <p:stCondLst>
-                                            <p:cond delay="0"/>
-                                          </p:stCondLst>
-                                        </p:cTn>
-                                        <p:tgtEl>
-                                          <p:spTgt spid="4"/>
-                                        </p:tgtEl>
-                                        <p:attrNameLst>
-                                          <p:attrName>style.visibility</p:attrName>
-                                        </p:attrNameLst>
-                                      </p:cBhvr>
-                                      <p:to>
-                                        <p:strVal val="visible"/>
-                                      </p:to>
-                                    </p:set>
-                                    <p:animEffect transition="in" filter="wipe(down)">
-                                      <p:cBhvr>
-                                        <p:cTn id="7" dur="500"/>
-                                        <p:tgtEl>
-                                          <p:spTgt spid="4"/>
-                                        </p:tgtEl>
-                                      </p:cBhvr>
-                                    </p:animEffect>
-                                  </p:childTnLst>
-                                </p:cTn>
-                              </p:par>
-                            </p:childTnLst>
-                          </p:cTn>
-                        </p:par>
-                      </p:childTnLst>
-                    </p:cTn>
-                  </p:par>
-                  <p:par>
-                    <p:cTn id="8" fill="hold">
-                      <p:stCondLst>
-                        <p:cond delay="indefinite"/>
-                      </p:stCondLst>
-                      <p:childTnLst>
-                        <p:par>
-                          <p:cTn id="9" fill="hold">
-                            <p:stCondLst>
-                              <p:cond delay="0"/>
-                            </p:stCondLst>
-                            <p:childTnLst>
-                              <p:par>
-                                <p:cTn id="10" presetID="16" presetClass="entr" presetSubtype="21" fill="hold" nodeType="clickEffect">
-                                  <p:stCondLst>
-                                    <p:cond delay="0"/>
-                                  </p:stCondLst>
-                                  <p:childTnLst>
-                                    <p:set>
-                                      <p:cBhvr>
-                                        <p:cTn id="11" dur="1" fill="hold">
-                                          <p:stCondLst>
-                                            <p:cond delay="0"/>
-                                          </p:stCondLst>
-                                        </p:cTn>
-                                        <p:tgtEl>
-                                          <p:spTgt spid="6"/>
-                                        </p:tgtEl>
-                                        <p:attrNameLst>
-                                          <p:attrName>style.visibility</p:attrName>
-                                        </p:attrNameLst>
-                                      </p:cBhvr>
-                                      <p:to>
-                                        <p:strVal val="visible"/>
-                                      </p:to>
-                                    </p:set>
-                                    <p:animEffect transition="in" filter="barn(inVertical)">
-                                      <p:cBhvr>
-                                        <p:cTn id="12" dur="500"/>
-                                        <p:tgtEl>
-                                          <p:spTgt spid="6"/>
-                                        </p:tgtEl>
-                                      </p:cBhvr>
-                                    </p:animEffect>
-                                  </p:childTnLst>
-                                </p:cTn>
-                              </p:par>
-                            </p:childTnLst>
-                          </p:cTn>
-                        </p:par>
-                      </p:childTnLst>
-                    </p:cTn>
-                  </p:par>
-                </p:childTnLst>
-              </p:cTn>
-              <p:prevCondLst>
-                <p:cond evt="onPrev" delay="0">
-                  <p:tgtEl>
-                    <p:sldTgt/>
-                  </p:tgtEl>
-                </p:cond>
-              </p:prevCondLst>
-              <p:nextCondLst>
-                <p:cond evt="onNext" delay="0">
-                  <p:tgtEl>
-                    <p:sldTgt/>
-                  </p:tgtEl>
-                </p:cond>
-              </p:nextCondLst>
-            </p:seq>
-          </p:childTnLst>
-        </p:cTn>
+        <p:cTn id="1" dur="indefinite" restart="never" nodeType="tmRoot"/>
       </p:par>
     </p:tnLst>
   </p:timing>
@@ -7529,10 +7812,10 @@
           <a:lstStyle/>
           <a:p>
             <a:r>
-              <a:rPr lang="en-US" dirty="0" smtClean="0"/>
+              <a:rPr lang="en-US" b="1" dirty="0" smtClean="0"/>
               <a:t>STUDIED SO FAR </a:t>
             </a:r>
-            <a:endParaRPr lang="en-US" dirty="0"/>
+            <a:endParaRPr lang="en-US" b="1" dirty="0"/>
           </a:p>
         </p:txBody>
       </p:sp>
@@ -7556,12 +7839,8 @@
               <a:buChar char="Ø"/>
             </a:pPr>
             <a:r>
-              <a:rPr lang="en-US" dirty="0" smtClean="0"/>
-              <a:t>READING </a:t>
-            </a:r>
-            <a:r>
-              <a:rPr lang="en-US" smtClean="0"/>
-              <a:t>AND WRITING AN IMAGE FILE</a:t>
+              <a:rPr lang="en-US" sz="3200" dirty="0" smtClean="0"/>
+              <a:t>Reading and writing an image file</a:t>
             </a:r>
           </a:p>
           <a:p>
@@ -7570,8 +7849,8 @@
               <a:buChar char="Ø"/>
             </a:pPr>
             <a:r>
-              <a:rPr lang="en-US" smtClean="0"/>
-              <a:t> STRUCTURE OF A .BMP FORMAT IMAGE FILE</a:t>
+              <a:rPr lang="en-US" sz="3200" dirty="0" smtClean="0"/>
+              <a:t> Structure of a .bmp format image file</a:t>
             </a:r>
           </a:p>
           <a:p>
@@ -7580,12 +7859,8 @@
               <a:buChar char="Ø"/>
             </a:pPr>
             <a:r>
-              <a:rPr lang="en-US" smtClean="0"/>
-              <a:t> </a:t>
-            </a:r>
-            <a:r>
-              <a:rPr lang="en-US" dirty="0" smtClean="0"/>
-              <a:t>WAYS TO READ THE HEADER INFO FOR .BMP IMAGE FILE</a:t>
+              <a:rPr lang="en-US" sz="3200" dirty="0" smtClean="0"/>
+              <a:t> Ways to read the header info for .Bmp image file</a:t>
             </a:r>
           </a:p>
           <a:p>
@@ -7594,8 +7869,8 @@
               <a:buChar char="Ø"/>
             </a:pPr>
             <a:r>
-              <a:rPr lang="en-US" dirty="0" smtClean="0"/>
-              <a:t>WRITING THE HEADERS IN OUTPUT FILE</a:t>
+              <a:rPr lang="en-US" sz="3200" dirty="0" smtClean="0"/>
+              <a:t>Writing the headers in output file</a:t>
             </a:r>
           </a:p>
           <a:p>
@@ -7604,16 +7879,38 @@
               <a:buChar char="Ø"/>
             </a:pPr>
             <a:r>
-              <a:rPr lang="en-US" dirty="0" smtClean="0"/>
-              <a:t>MODIFYING THE PIXEL DATA</a:t>
-            </a:r>
-            <a:endParaRPr lang="en-US" dirty="0"/>
+              <a:rPr lang="en-US" sz="3200" dirty="0" smtClean="0"/>
+              <a:t>Modifying the pixel data</a:t>
+            </a:r>
           </a:p>
           <a:p>
             <a:pPr>
               <a:buFont typeface="Wingdings" panose="05000000000000000000" pitchFamily="2" charset="2"/>
               <a:buChar char="Ø"/>
             </a:pPr>
+            <a:endParaRPr lang="en-US" dirty="0"/>
+          </a:p>
+        </p:txBody>
+      </p:sp>
+      <p:sp>
+        <p:nvSpPr>
+          <p:cNvPr id="4" name="Slide Number Placeholder 3"/>
+          <p:cNvSpPr>
+            <a:spLocks noGrp="1"/>
+          </p:cNvSpPr>
+          <p:nvPr>
+            <p:ph type="sldNum" sz="quarter" idx="12"/>
+          </p:nvPr>
+        </p:nvSpPr>
+        <p:spPr/>
+        <p:txBody>
+          <a:bodyPr/>
+          <a:lstStyle/>
+          <a:p>
+            <a:fld id="{5D84065D-F351-4B03-BD91-D8A6B8D4B362}" type="slidenum">
+              <a:rPr lang="en-US" sz="2400" smtClean="0"/>
+              <a:t>9</a:t>
+            </a:fld>
             <a:endParaRPr lang="en-US" dirty="0"/>
           </a:p>
         </p:txBody>
@@ -7869,4 +8166,265 @@
     </a:ext>
   </a:extLst>
 </a:theme>
+</file>
+
+<file path=ppt/theme/theme2.xml><?xml version="1.0" encoding="utf-8"?>
+<a:theme xmlns:a="http://schemas.openxmlformats.org/drawingml/2006/main" name="Office Theme">
+  <a:themeElements>
+    <a:clrScheme name="Office">
+      <a:dk1>
+        <a:sysClr val="windowText" lastClr="000000"/>
+      </a:dk1>
+      <a:lt1>
+        <a:sysClr val="window" lastClr="FFFFFF"/>
+      </a:lt1>
+      <a:dk2>
+        <a:srgbClr val="44546A"/>
+      </a:dk2>
+      <a:lt2>
+        <a:srgbClr val="E7E6E6"/>
+      </a:lt2>
+      <a:accent1>
+        <a:srgbClr val="5B9BD5"/>
+      </a:accent1>
+      <a:accent2>
+        <a:srgbClr val="ED7D31"/>
+      </a:accent2>
+      <a:accent3>
+        <a:srgbClr val="A5A5A5"/>
+      </a:accent3>
+      <a:accent4>
+        <a:srgbClr val="FFC000"/>
+      </a:accent4>
+      <a:accent5>
+        <a:srgbClr val="4472C4"/>
+      </a:accent5>
+      <a:accent6>
+        <a:srgbClr val="70AD47"/>
+      </a:accent6>
+      <a:hlink>
+        <a:srgbClr val="0563C1"/>
+      </a:hlink>
+      <a:folHlink>
+        <a:srgbClr val="954F72"/>
+      </a:folHlink>
+    </a:clrScheme>
+    <a:fontScheme name="Office">
+      <a:majorFont>
+        <a:latin typeface="Calibri Light" panose="020F0302020204030204"/>
+        <a:ea typeface=""/>
+        <a:cs typeface=""/>
+        <a:font script="Jpan" typeface="ＭＳ Ｐゴシック"/>
+        <a:font script="Hang" typeface="맑은 고딕"/>
+        <a:font script="Hans" typeface="宋体"/>
+        <a:font script="Hant" typeface="新細明體"/>
+        <a:font script="Arab" typeface="Times New Roman"/>
+        <a:font script="Hebr" typeface="Times New Roman"/>
+        <a:font script="Thai" typeface="Angsana New"/>
+        <a:font script="Ethi" typeface="Nyala"/>
+        <a:font script="Beng" typeface="Vrinda"/>
+        <a:font script="Gujr" typeface="Shruti"/>
+        <a:font script="Khmr" typeface="MoolBoran"/>
+        <a:font script="Knda" typeface="Tunga"/>
+        <a:font script="Guru" typeface="Raavi"/>
+        <a:font script="Cans" typeface="Euphemia"/>
+        <a:font script="Cher" typeface="Plantagenet Cherokee"/>
+        <a:font script="Yiii" typeface="Microsoft Yi Baiti"/>
+        <a:font script="Tibt" typeface="Microsoft Himalaya"/>
+        <a:font script="Thaa" typeface="MV Boli"/>
+        <a:font script="Deva" typeface="Mangal"/>
+        <a:font script="Telu" typeface="Gautami"/>
+        <a:font script="Taml" typeface="Latha"/>
+        <a:font script="Syrc" typeface="Estrangelo Edessa"/>
+        <a:font script="Orya" typeface="Kalinga"/>
+        <a:font script="Mlym" typeface="Kartika"/>
+        <a:font script="Laoo" typeface="DokChampa"/>
+        <a:font script="Sinh" typeface="Iskoola Pota"/>
+        <a:font script="Mong" typeface="Mongolian Baiti"/>
+        <a:font script="Viet" typeface="Times New Roman"/>
+        <a:font script="Uigh" typeface="Microsoft Uighur"/>
+        <a:font script="Geor" typeface="Sylfaen"/>
+      </a:majorFont>
+      <a:minorFont>
+        <a:latin typeface="Calibri" panose="020F0502020204030204"/>
+        <a:ea typeface=""/>
+        <a:cs typeface=""/>
+        <a:font script="Jpan" typeface="ＭＳ Ｐゴシック"/>
+        <a:font script="Hang" typeface="맑은 고딕"/>
+        <a:font script="Hans" typeface="宋体"/>
+        <a:font script="Hant" typeface="新細明體"/>
+        <a:font script="Arab" typeface="Arial"/>
+        <a:font script="Hebr" typeface="Arial"/>
+        <a:font script="Thai" typeface="Cordia New"/>
+        <a:font script="Ethi" typeface="Nyala"/>
+        <a:font script="Beng" typeface="Vrinda"/>
+        <a:font script="Gujr" typeface="Shruti"/>
+        <a:font script="Khmr" typeface="DaunPenh"/>
+        <a:font script="Knda" typeface="Tunga"/>
+        <a:font script="Guru" typeface="Raavi"/>
+        <a:font script="Cans" typeface="Euphemia"/>
+        <a:font script="Cher" typeface="Plantagenet Cherokee"/>
+        <a:font script="Yiii" typeface="Microsoft Yi Baiti"/>
+        <a:font script="Tibt" typeface="Microsoft Himalaya"/>
+        <a:font script="Thaa" typeface="MV Boli"/>
+        <a:font script="Deva" typeface="Mangal"/>
+        <a:font script="Telu" typeface="Gautami"/>
+        <a:font script="Taml" typeface="Latha"/>
+        <a:font script="Syrc" typeface="Estrangelo Edessa"/>
+        <a:font script="Orya" typeface="Kalinga"/>
+        <a:font script="Mlym" typeface="Kartika"/>
+        <a:font script="Laoo" typeface="DokChampa"/>
+        <a:font script="Sinh" typeface="Iskoola Pota"/>
+        <a:font script="Mong" typeface="Mongolian Baiti"/>
+        <a:font script="Viet" typeface="Arial"/>
+        <a:font script="Uigh" typeface="Microsoft Uighur"/>
+        <a:font script="Geor" typeface="Sylfaen"/>
+      </a:minorFont>
+    </a:fontScheme>
+    <a:fmtScheme name="Office">
+      <a:fillStyleLst>
+        <a:solidFill>
+          <a:schemeClr val="phClr"/>
+        </a:solidFill>
+        <a:gradFill rotWithShape="1">
+          <a:gsLst>
+            <a:gs pos="0">
+              <a:schemeClr val="phClr">
+                <a:lumMod val="110000"/>
+                <a:satMod val="105000"/>
+                <a:tint val="67000"/>
+              </a:schemeClr>
+            </a:gs>
+            <a:gs pos="50000">
+              <a:schemeClr val="phClr">
+                <a:lumMod val="105000"/>
+                <a:satMod val="103000"/>
+                <a:tint val="73000"/>
+              </a:schemeClr>
+            </a:gs>
+            <a:gs pos="100000">
+              <a:schemeClr val="phClr">
+                <a:lumMod val="105000"/>
+                <a:satMod val="109000"/>
+                <a:tint val="81000"/>
+              </a:schemeClr>
+            </a:gs>
+          </a:gsLst>
+          <a:lin ang="5400000" scaled="0"/>
+        </a:gradFill>
+        <a:gradFill rotWithShape="1">
+          <a:gsLst>
+            <a:gs pos="0">
+              <a:schemeClr val="phClr">
+                <a:satMod val="103000"/>
+                <a:lumMod val="102000"/>
+                <a:tint val="94000"/>
+              </a:schemeClr>
+            </a:gs>
+            <a:gs pos="50000">
+              <a:schemeClr val="phClr">
+                <a:satMod val="110000"/>
+                <a:lumMod val="100000"/>
+                <a:shade val="100000"/>
+              </a:schemeClr>
+            </a:gs>
+            <a:gs pos="100000">
+              <a:schemeClr val="phClr">
+                <a:lumMod val="99000"/>
+                <a:satMod val="120000"/>
+                <a:shade val="78000"/>
+              </a:schemeClr>
+            </a:gs>
+          </a:gsLst>
+          <a:lin ang="5400000" scaled="0"/>
+        </a:gradFill>
+      </a:fillStyleLst>
+      <a:lnStyleLst>
+        <a:ln w="6350" cap="flat" cmpd="sng" algn="ctr">
+          <a:solidFill>
+            <a:schemeClr val="phClr"/>
+          </a:solidFill>
+          <a:prstDash val="solid"/>
+          <a:miter lim="800000"/>
+        </a:ln>
+        <a:ln w="12700" cap="flat" cmpd="sng" algn="ctr">
+          <a:solidFill>
+            <a:schemeClr val="phClr"/>
+          </a:solidFill>
+          <a:prstDash val="solid"/>
+          <a:miter lim="800000"/>
+        </a:ln>
+        <a:ln w="19050" cap="flat" cmpd="sng" algn="ctr">
+          <a:solidFill>
+            <a:schemeClr val="phClr"/>
+          </a:solidFill>
+          <a:prstDash val="solid"/>
+          <a:miter lim="800000"/>
+        </a:ln>
+      </a:lnStyleLst>
+      <a:effectStyleLst>
+        <a:effectStyle>
+          <a:effectLst/>
+        </a:effectStyle>
+        <a:effectStyle>
+          <a:effectLst/>
+        </a:effectStyle>
+        <a:effectStyle>
+          <a:effectLst>
+            <a:outerShdw blurRad="57150" dist="19050" dir="5400000" algn="ctr" rotWithShape="0">
+              <a:srgbClr val="000000">
+                <a:alpha val="63000"/>
+              </a:srgbClr>
+            </a:outerShdw>
+          </a:effectLst>
+        </a:effectStyle>
+      </a:effectStyleLst>
+      <a:bgFillStyleLst>
+        <a:solidFill>
+          <a:schemeClr val="phClr"/>
+        </a:solidFill>
+        <a:solidFill>
+          <a:schemeClr val="phClr">
+            <a:tint val="95000"/>
+            <a:satMod val="170000"/>
+          </a:schemeClr>
+        </a:solidFill>
+        <a:gradFill rotWithShape="1">
+          <a:gsLst>
+            <a:gs pos="0">
+              <a:schemeClr val="phClr">
+                <a:tint val="93000"/>
+                <a:satMod val="150000"/>
+                <a:shade val="98000"/>
+                <a:lumMod val="102000"/>
+              </a:schemeClr>
+            </a:gs>
+            <a:gs pos="50000">
+              <a:schemeClr val="phClr">
+                <a:tint val="98000"/>
+                <a:satMod val="130000"/>
+                <a:shade val="90000"/>
+                <a:lumMod val="103000"/>
+              </a:schemeClr>
+            </a:gs>
+            <a:gs pos="100000">
+              <a:schemeClr val="phClr">
+                <a:shade val="63000"/>
+                <a:satMod val="120000"/>
+              </a:schemeClr>
+            </a:gs>
+          </a:gsLst>
+          <a:lin ang="5400000" scaled="0"/>
+        </a:gradFill>
+      </a:bgFillStyleLst>
+    </a:fmtScheme>
+  </a:themeElements>
+  <a:objectDefaults/>
+  <a:extraClrSchemeLst/>
+  <a:extLst>
+    <a:ext uri="{05A4C25C-085E-4340-85A3-A5531E510DB2}">
+      <thm15:themeFamily xmlns:thm15="http://schemas.microsoft.com/office/thememl/2012/main" name="Office Theme" id="{62F939B6-93AF-4DB8-9C6B-D6C7DFDC589F}" vid="{4A3C46E8-61CC-4603-A589-7422A47A8E4A}"/>
+    </a:ext>
+  </a:extLst>
+</a:theme>
 </file>
--- a/SOFTWARE PROJECT LAB -1.pptx
+++ b/SOFTWARE PROJECT LAB -1.pptx
@@ -5760,6 +5760,13 @@
   <p:clrMapOvr>
     <a:masterClrMapping/>
   </p:clrMapOvr>
+  <p:timing>
+    <p:tnLst>
+      <p:par>
+        <p:cTn id="1" dur="indefinite" restart="never" nodeType="tmRoot"/>
+      </p:par>
+    </p:tnLst>
+  </p:timing>
 </p:sld>
 </file>
 
@@ -5825,7 +5832,11 @@
             </a:pPr>
             <a:r>
               <a:rPr lang="en-US" dirty="0" smtClean="0"/>
-              <a:t> ADDING FURTHER FEATURES FOR IMAGE PROCESSING INCLUDING EDGE DETECTION, GRAY-SCALING AND SMOOTHING</a:t>
+              <a:t> </a:t>
+            </a:r>
+            <a:r>
+              <a:rPr lang="en-US" dirty="0" smtClean="0"/>
+              <a:t>adding further features for image processing including edge detection, gray-scaling and smoothing</a:t>
             </a:r>
           </a:p>
           <a:p>
@@ -5836,8 +5847,9 @@
             </a:pPr>
             <a:r>
               <a:rPr lang="en-US" dirty="0" smtClean="0"/>
-              <a:t>ADDING USER MENU TO THE PROGRAM</a:t>
-            </a:r>
+              <a:t>adding user menu to the program</a:t>
+            </a:r>
+            <a:endParaRPr lang="en-US" dirty="0" smtClean="0"/>
           </a:p>
         </p:txBody>
       </p:sp>
@@ -6060,7 +6072,11 @@
             </a:br>
             <a:r>
               <a:rPr lang="en-US" b="1" dirty="0" smtClean="0"/>
-              <a:t>C, C++</a:t>
+              <a:t>C/ </a:t>
+            </a:r>
+            <a:r>
+              <a:rPr lang="en-US" b="1" dirty="0" smtClean="0"/>
+              <a:t>C++</a:t>
             </a:r>
             <a:endParaRPr lang="en-US" b="1" dirty="0"/>
           </a:p>
@@ -6076,6 +6092,13 @@
   <p:clrMapOvr>
     <a:masterClrMapping/>
   </p:clrMapOvr>
+  <p:timing>
+    <p:tnLst>
+      <p:par>
+        <p:cTn id="1" dur="indefinite" restart="never" nodeType="tmRoot"/>
+      </p:par>
+    </p:tnLst>
+  </p:timing>
 </p:sld>
 </file>
 
@@ -6987,10 +7010,10 @@
           <a:lstStyle/>
           <a:p>
             <a:r>
-              <a:rPr lang="en-US" dirty="0" smtClean="0"/>
+              <a:rPr lang="en-US" b="1" dirty="0" smtClean="0"/>
               <a:t>READING AN IMAGE</a:t>
             </a:r>
-            <a:endParaRPr lang="en-US" dirty="0"/>
+            <a:endParaRPr lang="en-US" b="1" dirty="0"/>
           </a:p>
         </p:txBody>
       </p:sp>
@@ -7681,7 +7704,7 @@
     </a:clrScheme>
     <a:fontScheme name="Organic">
       <a:majorFont>
-        <a:latin typeface="Garamond" panose="02020404030301010803"/>
+        <a:latin typeface="Garamond"/>
         <a:ea typeface=""/>
         <a:cs typeface=""/>
         <a:font script="Jpan" typeface="ＭＳ Ｐゴシック"/>
@@ -7716,7 +7739,7 @@
         <a:font script="Geor" typeface="Sylfaen"/>
       </a:majorFont>
       <a:minorFont>
-        <a:latin typeface="Garamond" panose="02020404030301010803"/>
+        <a:latin typeface="Garamond"/>
         <a:ea typeface=""/>
         <a:cs typeface=""/>
         <a:font script="Jpan" typeface="ＭＳ Ｐ明朝"/>
@@ -7865,7 +7888,7 @@
   <a:extraClrSchemeLst/>
   <a:extLst>
     <a:ext uri="{05A4C25C-085E-4340-85A3-A5531E510DB2}">
-      <thm15:themeFamily xmlns:thm15="http://schemas.microsoft.com/office/thememl/2012/main" name="Organic" id="{28CDC826-8792-45C0-861B-85EB3ADEDA33}" vid="{E4E49EB0-FB00-41F5-9359-4843D783A23D}"/>
+      <thm15:themeFamily xmlns:thm15="http://schemas.microsoft.com/office/thememl/2012/main" xmlns="" name="Organic" id="{28CDC826-8792-45C0-861B-85EB3ADEDA33}" vid="{E4E49EB0-FB00-41F5-9359-4843D783A23D}"/>
     </a:ext>
   </a:extLst>
 </a:theme>

--- a/SOFTWARE PROJECT LAB -1.pptx
+++ b/SOFTWARE PROJECT LAB -1.pptx
@@ -5,7 +5,7 @@
     <p:sldMasterId id="2147483648" r:id="rId1"/>
   </p:sldMasterIdLst>
   <p:notesMasterIdLst>
-    <p:notesMasterId r:id="rId13"/>
+    <p:notesMasterId r:id="rId16"/>
   </p:notesMasterIdLst>
   <p:sldIdLst>
     <p:sldId id="256" r:id="rId2"/>
@@ -18,7 +18,10 @@
     <p:sldId id="264" r:id="rId9"/>
     <p:sldId id="265" r:id="rId10"/>
     <p:sldId id="266" r:id="rId11"/>
-    <p:sldId id="262" r:id="rId12"/>
+    <p:sldId id="267" r:id="rId12"/>
+    <p:sldId id="268" r:id="rId13"/>
+    <p:sldId id="269" r:id="rId14"/>
+    <p:sldId id="262" r:id="rId15"/>
   </p:sldIdLst>
   <p:sldSz cx="12192000" cy="6858000"/>
   <p:notesSz cx="6858000" cy="9144000"/>
@@ -119,7 +122,7 @@
   </p:defaultTextStyle>
   <p:extLst>
     <p:ext uri="{EFAFB233-063F-42B5-8137-9DF3F51BA10A}">
-      <p15:sldGuideLst xmlns:p15="http://schemas.microsoft.com/office/powerpoint/2012/main"/>
+      <p15:sldGuideLst xmlns:p15="http://schemas.microsoft.com/office/powerpoint/2012/main" xmlns=""/>
     </p:ext>
   </p:extLst>
 </p:presentation>
@@ -207,7 +210,7 @@
           <a:p>
             <a:fld id="{97B222AC-AE83-4F10-813D-423883E1D47B}" type="datetimeFigureOut">
               <a:rPr lang="en-US" smtClean="0"/>
-              <a:t>3/11/2020</a:t>
+              <a:t>3/12/2020</a:t>
             </a:fld>
             <a:endParaRPr lang="en-US"/>
           </a:p>
@@ -783,7 +786,7 @@
           <a:p>
             <a:fld id="{40238DFA-E111-47B7-B40A-1D54CC4DC4CD}" type="datetime1">
               <a:rPr lang="en-US" smtClean="0"/>
-              <a:t>3/11/2020</a:t>
+              <a:t>3/12/2020</a:t>
             </a:fld>
             <a:endParaRPr lang="en-US" dirty="0"/>
           </a:p>
@@ -1111,7 +1114,7 @@
           <a:p>
             <a:fld id="{F063C0CC-977C-4252-B044-60CFE518587B}" type="datetime1">
               <a:rPr lang="en-US" smtClean="0"/>
-              <a:t>3/11/2020</a:t>
+              <a:t>3/12/2020</a:t>
             </a:fld>
             <a:endParaRPr lang="en-US" dirty="0"/>
           </a:p>
@@ -1355,7 +1358,7 @@
           <a:p>
             <a:fld id="{B1422DC1-AD17-4944-9003-EFD007690D0A}" type="datetime1">
               <a:rPr lang="en-US" smtClean="0"/>
-              <a:t>3/11/2020</a:t>
+              <a:t>3/12/2020</a:t>
             </a:fld>
             <a:endParaRPr lang="en-US" dirty="0"/>
           </a:p>
@@ -1697,7 +1700,7 @@
           <a:p>
             <a:fld id="{E18545D2-3E0D-4938-AA25-0382A569739B}" type="datetime1">
               <a:rPr lang="en-US" smtClean="0"/>
-              <a:t>3/11/2020</a:t>
+              <a:t>3/12/2020</a:t>
             </a:fld>
             <a:endParaRPr lang="en-US" dirty="0"/>
           </a:p>
@@ -2047,7 +2050,7 @@
           <a:p>
             <a:fld id="{1FB9E15F-D804-4FB8-B324-2D74DCB23BA3}" type="datetime1">
               <a:rPr lang="en-US" smtClean="0"/>
-              <a:t>3/11/2020</a:t>
+              <a:t>3/12/2020</a:t>
             </a:fld>
             <a:endParaRPr lang="en-US" dirty="0"/>
           </a:p>
@@ -2417,7 +2420,7 @@
           <a:p>
             <a:fld id="{5F10FD20-68BE-4437-9DE6-545CAB9E2591}" type="datetime1">
               <a:rPr lang="en-US" smtClean="0"/>
-              <a:t>3/11/2020</a:t>
+              <a:t>3/12/2020</a:t>
             </a:fld>
             <a:endParaRPr lang="en-US" dirty="0"/>
           </a:p>
@@ -2890,7 +2893,7 @@
           <a:p>
             <a:fld id="{79D50F07-4B4D-45B0-BD32-BBF4F8B3EDD4}" type="datetime1">
               <a:rPr lang="en-US" smtClean="0"/>
-              <a:t>3/11/2020</a:t>
+              <a:t>3/12/2020</a:t>
             </a:fld>
             <a:endParaRPr lang="en-US" dirty="0"/>
           </a:p>
@@ -3098,7 +3101,7 @@
           <a:p>
             <a:fld id="{3F5383E6-B98A-48BB-85BA-767815715D74}" type="datetime1">
               <a:rPr lang="en-US" smtClean="0"/>
-              <a:t>3/11/2020</a:t>
+              <a:t>3/12/2020</a:t>
             </a:fld>
             <a:endParaRPr lang="en-US" dirty="0"/>
           </a:p>
@@ -3312,7 +3315,7 @@
           <a:p>
             <a:fld id="{4B67787A-1745-418B-8BC7-65C417D0289F}" type="datetime1">
               <a:rPr lang="en-US" smtClean="0"/>
-              <a:t>3/11/2020</a:t>
+              <a:t>3/12/2020</a:t>
             </a:fld>
             <a:endParaRPr lang="en-US" dirty="0"/>
           </a:p>
@@ -3554,7 +3557,7 @@
           <a:p>
             <a:fld id="{4D895880-9CB1-4058-A583-50D547147BEC}" type="datetime1">
               <a:rPr lang="en-US" smtClean="0"/>
-              <a:t>3/11/2020</a:t>
+              <a:t>3/12/2020</a:t>
             </a:fld>
             <a:endParaRPr lang="en-US" dirty="0"/>
           </a:p>
@@ -3797,7 +3800,7 @@
           <a:p>
             <a:fld id="{1DCD2490-AFFC-4EAF-B91C-7D19AA4182CF}" type="datetime1">
               <a:rPr lang="en-US" smtClean="0"/>
-              <a:t>3/11/2020</a:t>
+              <a:t>3/12/2020</a:t>
             </a:fld>
             <a:endParaRPr lang="en-US" dirty="0"/>
           </a:p>
@@ -4105,7 +4108,7 @@
           <a:p>
             <a:fld id="{97A30C9E-52EF-448B-A767-82499E5273EA}" type="datetime1">
               <a:rPr lang="en-US" smtClean="0"/>
-              <a:t>3/11/2020</a:t>
+              <a:t>3/12/2020</a:t>
             </a:fld>
             <a:endParaRPr lang="en-US" dirty="0"/>
           </a:p>
@@ -4482,7 +4485,7 @@
           <a:p>
             <a:fld id="{DFEF93BC-D80F-4E5C-BD78-8A6C7B88EC09}" type="datetime1">
               <a:rPr lang="en-US" smtClean="0"/>
-              <a:t>3/11/2020</a:t>
+              <a:t>3/12/2020</a:t>
             </a:fld>
             <a:endParaRPr lang="en-US" dirty="0"/>
           </a:p>
@@ -4634,7 +4637,7 @@
           <a:p>
             <a:fld id="{02D6F11F-1986-40F9-8898-84FF6442DE8A}" type="datetime1">
               <a:rPr lang="en-US" smtClean="0"/>
-              <a:t>3/11/2020</a:t>
+              <a:t>3/12/2020</a:t>
             </a:fld>
             <a:endParaRPr lang="en-US" dirty="0"/>
           </a:p>
@@ -4763,7 +4766,7 @@
           <a:p>
             <a:fld id="{0C016015-D643-4180-8179-A9931FC0E77A}" type="datetime1">
               <a:rPr lang="en-US" smtClean="0"/>
-              <a:t>3/11/2020</a:t>
+              <a:t>3/12/2020</a:t>
             </a:fld>
             <a:endParaRPr lang="en-US" dirty="0"/>
           </a:p>
@@ -5014,7 +5017,7 @@
           <a:p>
             <a:fld id="{BF9370D3-E676-495A-9F1A-514AE823D41D}" type="datetime1">
               <a:rPr lang="en-US" smtClean="0"/>
-              <a:t>3/11/2020</a:t>
+              <a:t>3/12/2020</a:t>
             </a:fld>
             <a:endParaRPr lang="en-US" dirty="0"/>
           </a:p>
@@ -5332,7 +5335,7 @@
           <a:p>
             <a:fld id="{A2D3F368-EDD8-4AE7-A219-0737EC7AA614}" type="datetime1">
               <a:rPr lang="en-US" smtClean="0"/>
-              <a:t>3/11/2020</a:t>
+              <a:t>3/12/2020</a:t>
             </a:fld>
             <a:endParaRPr lang="en-US" dirty="0"/>
           </a:p>
@@ -5572,7 +5575,7 @@
           <a:p>
             <a:fld id="{9DB1FD19-3ED8-4EC3-A313-6E4ED055186E}" type="datetime1">
               <a:rPr lang="en-US" smtClean="0"/>
-              <a:t>3/11/2020</a:t>
+              <a:t>3/12/2020</a:t>
             </a:fld>
             <a:endParaRPr lang="en-US" dirty="0"/>
           </a:p>
@@ -6150,10 +6153,15 @@
             <p:ph type="subTitle" idx="1"/>
           </p:nvPr>
         </p:nvSpPr>
-        <p:spPr/>
+        <p:spPr>
+          <a:xfrm>
+            <a:off x="2692398" y="3464417"/>
+            <a:ext cx="6815669" cy="2034862"/>
+          </a:xfrm>
+        </p:spPr>
         <p:txBody>
           <a:bodyPr>
-            <a:normAutofit fontScale="85000" lnSpcReduction="20000"/>
+            <a:normAutofit fontScale="70000" lnSpcReduction="20000"/>
           </a:bodyPr>
           <a:lstStyle/>
           <a:p>
@@ -6171,8 +6179,22 @@
           <a:p>
             <a:r>
               <a:rPr lang="en-US" sz="3300" b="1" dirty="0" smtClean="0"/>
-              <a:t>ROLL: 1115</a:t>
-            </a:r>
+              <a:t>ROLL:BSSE 1115</a:t>
+            </a:r>
+          </a:p>
+          <a:p>
+            <a:r>
+              <a:rPr lang="en-US" sz="2600" dirty="0" smtClean="0"/>
+              <a:t>SUPERVISED BY :</a:t>
+            </a:r>
+          </a:p>
+          <a:p>
+            <a:r>
+              <a:rPr lang="en-US" sz="3300" b="1" dirty="0" smtClean="0"/>
+              <a:t>DR. AHMEDUL KABIR</a:t>
+            </a:r>
+          </a:p>
+          <a:p>
             <a:endParaRPr lang="en-US" sz="3300" b="1" dirty="0"/>
           </a:p>
         </p:txBody>
@@ -6198,7 +6220,7 @@
           <a:lstStyle/>
           <a:p>
             <a:fld id="{D57F1E4F-1CFF-5643-939E-217C01CDF565}" type="slidenum">
-              <a:rPr lang="en-US" sz="2800" smtClean="0"/>
+              <a:rPr lang="en-US" sz="3600" smtClean="0"/>
               <a:pPr/>
               <a:t>1</a:t>
             </a:fld>
@@ -6216,6 +6238,13 @@
   <p:clrMapOvr>
     <a:masterClrMapping/>
   </p:clrMapOvr>
+  <p:timing>
+    <p:tnLst>
+      <p:par>
+        <p:cTn id="1" dur="indefinite" restart="never" nodeType="tmRoot"/>
+      </p:par>
+    </p:tnLst>
+  </p:timing>
 </p:sld>
 </file>
 
@@ -6296,7 +6325,26 @@
             </a:pPr>
             <a:r>
               <a:rPr lang="en-US" sz="3200" dirty="0" smtClean="0"/>
-              <a:t>Adding user menu to the program</a:t>
+              <a:t>Adding user menu to the </a:t>
+            </a:r>
+            <a:r>
+              <a:rPr lang="en-US" sz="3200" dirty="0" smtClean="0"/>
+              <a:t>program</a:t>
+            </a:r>
+          </a:p>
+          <a:p>
+            <a:pPr>
+              <a:buClrTx/>
+              <a:buFont typeface="Wingdings" panose="05000000000000000000" pitchFamily="2" charset="2"/>
+              <a:buChar char="v"/>
+            </a:pPr>
+            <a:r>
+              <a:rPr lang="en-US" sz="3200" dirty="0"/>
+              <a:t> </a:t>
+            </a:r>
+            <a:r>
+              <a:rPr lang="en-US" sz="3200" dirty="0" smtClean="0"/>
+              <a:t>Exception Handling</a:t>
             </a:r>
             <a:endParaRPr lang="en-US" sz="3200" dirty="0" smtClean="0"/>
           </a:p>
@@ -6312,13 +6360,18 @@
             <p:ph type="sldNum" sz="quarter" idx="12"/>
           </p:nvPr>
         </p:nvSpPr>
-        <p:spPr/>
+        <p:spPr>
+          <a:xfrm>
+            <a:off x="10212947" y="5878848"/>
+            <a:ext cx="696530" cy="238617"/>
+          </a:xfrm>
+        </p:spPr>
         <p:txBody>
           <a:bodyPr/>
           <a:lstStyle/>
           <a:p>
             <a:fld id="{5D84065D-F351-4B03-BD91-D8A6B8D4B362}" type="slidenum">
-              <a:rPr lang="en-US" sz="2400" smtClean="0"/>
+              <a:rPr lang="en-US" sz="3600" smtClean="0"/>
               <a:t>10</a:t>
             </a:fld>
             <a:endParaRPr lang="en-US" dirty="0"/>
@@ -6378,6 +6431,579 @@
           <a:lstStyle/>
           <a:p>
             <a:r>
+              <a:rPr lang="en-SG" b="1" dirty="0" smtClean="0"/>
+              <a:t>EXAMPLE – EDGE DETECTION</a:t>
+            </a:r>
+            <a:endParaRPr lang="en-SG" b="1" dirty="0"/>
+          </a:p>
+        </p:txBody>
+      </p:sp>
+      <p:pic>
+        <p:nvPicPr>
+          <p:cNvPr id="5" name="Content Placeholder 4"/>
+          <p:cNvPicPr>
+            <a:picLocks noGrp="1" noChangeAspect="1"/>
+          </p:cNvPicPr>
+          <p:nvPr>
+            <p:ph idx="1"/>
+          </p:nvPr>
+        </p:nvPicPr>
+        <p:blipFill>
+          <a:blip r:embed="rId2">
+            <a:extLst>
+              <a:ext uri="{28A0092B-C50C-407E-A947-70E740481C1C}">
+                <a14:useLocalDpi xmlns:a14="http://schemas.microsoft.com/office/drawing/2010/main" val="0"/>
+              </a:ext>
+            </a:extLst>
+          </a:blip>
+          <a:stretch>
+            <a:fillRect/>
+          </a:stretch>
+        </p:blipFill>
+        <p:spPr>
+          <a:xfrm>
+            <a:off x="2932985" y="2531706"/>
+            <a:ext cx="6351787" cy="3317875"/>
+          </a:xfrm>
+        </p:spPr>
+      </p:pic>
+      <p:sp>
+        <p:nvSpPr>
+          <p:cNvPr id="4" name="Slide Number Placeholder 3"/>
+          <p:cNvSpPr>
+            <a:spLocks noGrp="1"/>
+          </p:cNvSpPr>
+          <p:nvPr>
+            <p:ph type="sldNum" sz="quarter" idx="12"/>
+          </p:nvPr>
+        </p:nvSpPr>
+        <p:spPr>
+          <a:xfrm>
+            <a:off x="10353901" y="5911403"/>
+            <a:ext cx="747688" cy="336997"/>
+          </a:xfrm>
+        </p:spPr>
+        <p:txBody>
+          <a:bodyPr/>
+          <a:lstStyle/>
+          <a:p>
+            <a:fld id="{5D84065D-F351-4B03-BD91-D8A6B8D4B362}" type="slidenum">
+              <a:rPr lang="en-US" sz="3600" smtClean="0"/>
+              <a:t>11</a:t>
+            </a:fld>
+            <a:endParaRPr lang="en-US" dirty="0"/>
+          </a:p>
+        </p:txBody>
+      </p:sp>
+    </p:spTree>
+    <p:extLst>
+      <p:ext uri="{BB962C8B-B14F-4D97-AF65-F5344CB8AC3E}">
+        <p14:creationId xmlns:p14="http://schemas.microsoft.com/office/powerpoint/2010/main" val="253731516"/>
+      </p:ext>
+    </p:extLst>
+  </p:cSld>
+  <p:clrMapOvr>
+    <a:masterClrMapping/>
+  </p:clrMapOvr>
+  <p:timing>
+    <p:tnLst>
+      <p:par>
+        <p:cTn id="1" dur="indefinite" restart="never" nodeType="tmRoot">
+          <p:childTnLst>
+            <p:seq concurrent="1" nextAc="seek">
+              <p:cTn id="2" dur="indefinite" nodeType="mainSeq">
+                <p:childTnLst>
+                  <p:par>
+                    <p:cTn id="3" fill="hold">
+                      <p:stCondLst>
+                        <p:cond delay="indefinite"/>
+                      </p:stCondLst>
+                      <p:childTnLst>
+                        <p:par>
+                          <p:cTn id="4" fill="hold">
+                            <p:stCondLst>
+                              <p:cond delay="0"/>
+                            </p:stCondLst>
+                            <p:childTnLst>
+                              <p:par>
+                                <p:cTn id="5" presetID="16" presetClass="entr" presetSubtype="21" fill="hold" nodeType="clickEffect">
+                                  <p:stCondLst>
+                                    <p:cond delay="0"/>
+                                  </p:stCondLst>
+                                  <p:childTnLst>
+                                    <p:set>
+                                      <p:cBhvr>
+                                        <p:cTn id="6" dur="1" fill="hold">
+                                          <p:stCondLst>
+                                            <p:cond delay="0"/>
+                                          </p:stCondLst>
+                                        </p:cTn>
+                                        <p:tgtEl>
+                                          <p:spTgt spid="5"/>
+                                        </p:tgtEl>
+                                        <p:attrNameLst>
+                                          <p:attrName>style.visibility</p:attrName>
+                                        </p:attrNameLst>
+                                      </p:cBhvr>
+                                      <p:to>
+                                        <p:strVal val="visible"/>
+                                      </p:to>
+                                    </p:set>
+                                    <p:animEffect transition="in" filter="barn(inVertical)">
+                                      <p:cBhvr>
+                                        <p:cTn id="7" dur="500"/>
+                                        <p:tgtEl>
+                                          <p:spTgt spid="5"/>
+                                        </p:tgtEl>
+                                      </p:cBhvr>
+                                    </p:animEffect>
+                                  </p:childTnLst>
+                                </p:cTn>
+                              </p:par>
+                            </p:childTnLst>
+                          </p:cTn>
+                        </p:par>
+                      </p:childTnLst>
+                    </p:cTn>
+                  </p:par>
+                </p:childTnLst>
+              </p:cTn>
+              <p:prevCondLst>
+                <p:cond evt="onPrev" delay="0">
+                  <p:tgtEl>
+                    <p:sldTgt/>
+                  </p:tgtEl>
+                </p:cond>
+              </p:prevCondLst>
+              <p:nextCondLst>
+                <p:cond evt="onNext" delay="0">
+                  <p:tgtEl>
+                    <p:sldTgt/>
+                  </p:tgtEl>
+                </p:cond>
+              </p:nextCondLst>
+            </p:seq>
+          </p:childTnLst>
+        </p:cTn>
+      </p:par>
+    </p:tnLst>
+  </p:timing>
+</p:sld>
+</file>
+
+<file path=ppt/slides/slide12.xml><?xml version="1.0" encoding="utf-8"?>
+<p:sld xmlns:a="http://schemas.openxmlformats.org/drawingml/2006/main" xmlns:r="http://schemas.openxmlformats.org/officeDocument/2006/relationships" xmlns:p="http://schemas.openxmlformats.org/presentationml/2006/main">
+  <p:cSld>
+    <p:spTree>
+      <p:nvGrpSpPr>
+        <p:cNvPr id="1" name=""/>
+        <p:cNvGrpSpPr/>
+        <p:nvPr/>
+      </p:nvGrpSpPr>
+      <p:grpSpPr>
+        <a:xfrm>
+          <a:off x="0" y="0"/>
+          <a:ext cx="0" cy="0"/>
+          <a:chOff x="0" y="0"/>
+          <a:chExt cx="0" cy="0"/>
+        </a:xfrm>
+      </p:grpSpPr>
+      <p:sp>
+        <p:nvSpPr>
+          <p:cNvPr id="2" name="Title 1"/>
+          <p:cNvSpPr>
+            <a:spLocks noGrp="1"/>
+          </p:cNvSpPr>
+          <p:nvPr>
+            <p:ph type="title"/>
+          </p:nvPr>
+        </p:nvSpPr>
+        <p:spPr/>
+        <p:txBody>
+          <a:bodyPr/>
+          <a:lstStyle/>
+          <a:p>
+            <a:r>
+              <a:rPr lang="en-SG" b="1" dirty="0" smtClean="0"/>
+              <a:t>EXAMPLE - SMOOTHING</a:t>
+            </a:r>
+            <a:endParaRPr lang="en-SG" b="1" dirty="0"/>
+          </a:p>
+        </p:txBody>
+      </p:sp>
+      <p:pic>
+        <p:nvPicPr>
+          <p:cNvPr id="5" name="Content Placeholder 4"/>
+          <p:cNvPicPr>
+            <a:picLocks noGrp="1" noChangeAspect="1"/>
+          </p:cNvPicPr>
+          <p:nvPr>
+            <p:ph idx="1"/>
+          </p:nvPr>
+        </p:nvPicPr>
+        <p:blipFill rotWithShape="1">
+          <a:blip r:embed="rId2">
+            <a:extLst>
+              <a:ext uri="{28A0092B-C50C-407E-A947-70E740481C1C}">
+                <a14:useLocalDpi xmlns:a14="http://schemas.microsoft.com/office/drawing/2010/main" val="0"/>
+              </a:ext>
+            </a:extLst>
+          </a:blip>
+          <a:srcRect l="5314" t="25121" r="4635" b="15216"/>
+          <a:stretch/>
+        </p:blipFill>
+        <p:spPr>
+          <a:xfrm>
+            <a:off x="2923504" y="2588654"/>
+            <a:ext cx="6074080" cy="2987897"/>
+          </a:xfrm>
+        </p:spPr>
+      </p:pic>
+      <p:sp>
+        <p:nvSpPr>
+          <p:cNvPr id="4" name="Slide Number Placeholder 3"/>
+          <p:cNvSpPr>
+            <a:spLocks noGrp="1"/>
+          </p:cNvSpPr>
+          <p:nvPr>
+            <p:ph type="sldNum" sz="quarter" idx="12"/>
+          </p:nvPr>
+        </p:nvSpPr>
+        <p:spPr>
+          <a:xfrm>
+            <a:off x="10353901" y="5969000"/>
+            <a:ext cx="709051" cy="251496"/>
+          </a:xfrm>
+        </p:spPr>
+        <p:txBody>
+          <a:bodyPr/>
+          <a:lstStyle/>
+          <a:p>
+            <a:fld id="{5D84065D-F351-4B03-BD91-D8A6B8D4B362}" type="slidenum">
+              <a:rPr lang="en-US" sz="3600" smtClean="0"/>
+              <a:t>12</a:t>
+            </a:fld>
+            <a:endParaRPr lang="en-US" sz="3600" dirty="0"/>
+          </a:p>
+        </p:txBody>
+      </p:sp>
+    </p:spTree>
+    <p:extLst>
+      <p:ext uri="{BB962C8B-B14F-4D97-AF65-F5344CB8AC3E}">
+        <p14:creationId xmlns:p14="http://schemas.microsoft.com/office/powerpoint/2010/main" val="3221358286"/>
+      </p:ext>
+    </p:extLst>
+  </p:cSld>
+  <p:clrMapOvr>
+    <a:masterClrMapping/>
+  </p:clrMapOvr>
+  <p:timing>
+    <p:tnLst>
+      <p:par>
+        <p:cTn id="1" dur="indefinite" restart="never" nodeType="tmRoot">
+          <p:childTnLst>
+            <p:seq concurrent="1" nextAc="seek">
+              <p:cTn id="2" dur="indefinite" nodeType="mainSeq">
+                <p:childTnLst>
+                  <p:par>
+                    <p:cTn id="3" fill="hold">
+                      <p:stCondLst>
+                        <p:cond delay="indefinite"/>
+                      </p:stCondLst>
+                      <p:childTnLst>
+                        <p:par>
+                          <p:cTn id="4" fill="hold">
+                            <p:stCondLst>
+                              <p:cond delay="0"/>
+                            </p:stCondLst>
+                            <p:childTnLst>
+                              <p:par>
+                                <p:cTn id="5" presetID="22" presetClass="entr" presetSubtype="4" fill="hold" nodeType="clickEffect">
+                                  <p:stCondLst>
+                                    <p:cond delay="0"/>
+                                  </p:stCondLst>
+                                  <p:childTnLst>
+                                    <p:set>
+                                      <p:cBhvr>
+                                        <p:cTn id="6" dur="1" fill="hold">
+                                          <p:stCondLst>
+                                            <p:cond delay="0"/>
+                                          </p:stCondLst>
+                                        </p:cTn>
+                                        <p:tgtEl>
+                                          <p:spTgt spid="5"/>
+                                        </p:tgtEl>
+                                        <p:attrNameLst>
+                                          <p:attrName>style.visibility</p:attrName>
+                                        </p:attrNameLst>
+                                      </p:cBhvr>
+                                      <p:to>
+                                        <p:strVal val="visible"/>
+                                      </p:to>
+                                    </p:set>
+                                    <p:animEffect transition="in" filter="wipe(down)">
+                                      <p:cBhvr>
+                                        <p:cTn id="7" dur="500"/>
+                                        <p:tgtEl>
+                                          <p:spTgt spid="5"/>
+                                        </p:tgtEl>
+                                      </p:cBhvr>
+                                    </p:animEffect>
+                                  </p:childTnLst>
+                                </p:cTn>
+                              </p:par>
+                            </p:childTnLst>
+                          </p:cTn>
+                        </p:par>
+                      </p:childTnLst>
+                    </p:cTn>
+                  </p:par>
+                </p:childTnLst>
+              </p:cTn>
+              <p:prevCondLst>
+                <p:cond evt="onPrev" delay="0">
+                  <p:tgtEl>
+                    <p:sldTgt/>
+                  </p:tgtEl>
+                </p:cond>
+              </p:prevCondLst>
+              <p:nextCondLst>
+                <p:cond evt="onNext" delay="0">
+                  <p:tgtEl>
+                    <p:sldTgt/>
+                  </p:tgtEl>
+                </p:cond>
+              </p:nextCondLst>
+            </p:seq>
+          </p:childTnLst>
+        </p:cTn>
+      </p:par>
+    </p:tnLst>
+  </p:timing>
+</p:sld>
+</file>
+
+<file path=ppt/slides/slide13.xml><?xml version="1.0" encoding="utf-8"?>
+<p:sld xmlns:a="http://schemas.openxmlformats.org/drawingml/2006/main" xmlns:r="http://schemas.openxmlformats.org/officeDocument/2006/relationships" xmlns:p="http://schemas.openxmlformats.org/presentationml/2006/main">
+  <p:cSld>
+    <p:spTree>
+      <p:nvGrpSpPr>
+        <p:cNvPr id="1" name=""/>
+        <p:cNvGrpSpPr/>
+        <p:nvPr/>
+      </p:nvGrpSpPr>
+      <p:grpSpPr>
+        <a:xfrm>
+          <a:off x="0" y="0"/>
+          <a:ext cx="0" cy="0"/>
+          <a:chOff x="0" y="0"/>
+          <a:chExt cx="0" cy="0"/>
+        </a:xfrm>
+      </p:grpSpPr>
+      <p:sp>
+        <p:nvSpPr>
+          <p:cNvPr id="2" name="Title 1"/>
+          <p:cNvSpPr>
+            <a:spLocks noGrp="1"/>
+          </p:cNvSpPr>
+          <p:nvPr>
+            <p:ph type="title"/>
+          </p:nvPr>
+        </p:nvSpPr>
+        <p:spPr/>
+        <p:txBody>
+          <a:bodyPr/>
+          <a:lstStyle/>
+          <a:p>
+            <a:r>
+              <a:rPr lang="en-SG" b="1" dirty="0" smtClean="0"/>
+              <a:t>EXAMPLE – MEDIAN FILTER</a:t>
+            </a:r>
+            <a:endParaRPr lang="en-SG" b="1" dirty="0"/>
+          </a:p>
+        </p:txBody>
+      </p:sp>
+      <p:pic>
+        <p:nvPicPr>
+          <p:cNvPr id="5" name="Content Placeholder 4"/>
+          <p:cNvPicPr>
+            <a:picLocks noGrp="1" noChangeAspect="1"/>
+          </p:cNvPicPr>
+          <p:nvPr>
+            <p:ph idx="1"/>
+          </p:nvPr>
+        </p:nvPicPr>
+        <p:blipFill>
+          <a:blip r:embed="rId2">
+            <a:extLst>
+              <a:ext uri="{28A0092B-C50C-407E-A947-70E740481C1C}">
+                <a14:useLocalDpi xmlns:a14="http://schemas.microsoft.com/office/drawing/2010/main" val="0"/>
+              </a:ext>
+            </a:extLst>
+          </a:blip>
+          <a:stretch>
+            <a:fillRect/>
+          </a:stretch>
+        </p:blipFill>
+        <p:spPr>
+          <a:xfrm>
+            <a:off x="2989905" y="2588654"/>
+            <a:ext cx="6064939" cy="2820473"/>
+          </a:xfrm>
+        </p:spPr>
+      </p:pic>
+      <p:sp>
+        <p:nvSpPr>
+          <p:cNvPr id="4" name="Slide Number Placeholder 3"/>
+          <p:cNvSpPr>
+            <a:spLocks noGrp="1"/>
+          </p:cNvSpPr>
+          <p:nvPr>
+            <p:ph type="sldNum" sz="quarter" idx="12"/>
+          </p:nvPr>
+        </p:nvSpPr>
+        <p:spPr/>
+        <p:txBody>
+          <a:bodyPr/>
+          <a:lstStyle/>
+          <a:p>
+            <a:fld id="{5D84065D-F351-4B03-BD91-D8A6B8D4B362}" type="slidenum">
+              <a:rPr lang="en-US" smtClean="0"/>
+              <a:t>13</a:t>
+            </a:fld>
+            <a:endParaRPr lang="en-US" dirty="0"/>
+          </a:p>
+        </p:txBody>
+      </p:sp>
+    </p:spTree>
+    <p:extLst>
+      <p:ext uri="{BB962C8B-B14F-4D97-AF65-F5344CB8AC3E}">
+        <p14:creationId xmlns:p14="http://schemas.microsoft.com/office/powerpoint/2010/main" val="2484374056"/>
+      </p:ext>
+    </p:extLst>
+  </p:cSld>
+  <p:clrMapOvr>
+    <a:masterClrMapping/>
+  </p:clrMapOvr>
+  <p:timing>
+    <p:tnLst>
+      <p:par>
+        <p:cTn id="1" dur="indefinite" restart="never" nodeType="tmRoot">
+          <p:childTnLst>
+            <p:seq concurrent="1" nextAc="seek">
+              <p:cTn id="2" dur="indefinite" nodeType="mainSeq">
+                <p:childTnLst>
+                  <p:par>
+                    <p:cTn id="3" fill="hold">
+                      <p:stCondLst>
+                        <p:cond delay="indefinite"/>
+                      </p:stCondLst>
+                      <p:childTnLst>
+                        <p:par>
+                          <p:cTn id="4" fill="hold">
+                            <p:stCondLst>
+                              <p:cond delay="0"/>
+                            </p:stCondLst>
+                            <p:childTnLst>
+                              <p:par>
+                                <p:cTn id="5" presetID="22" presetClass="entr" presetSubtype="4" fill="hold" nodeType="clickEffect">
+                                  <p:stCondLst>
+                                    <p:cond delay="0"/>
+                                  </p:stCondLst>
+                                  <p:childTnLst>
+                                    <p:set>
+                                      <p:cBhvr>
+                                        <p:cTn id="6" dur="1" fill="hold">
+                                          <p:stCondLst>
+                                            <p:cond delay="0"/>
+                                          </p:stCondLst>
+                                        </p:cTn>
+                                        <p:tgtEl>
+                                          <p:spTgt spid="5"/>
+                                        </p:tgtEl>
+                                        <p:attrNameLst>
+                                          <p:attrName>style.visibility</p:attrName>
+                                        </p:attrNameLst>
+                                      </p:cBhvr>
+                                      <p:to>
+                                        <p:strVal val="visible"/>
+                                      </p:to>
+                                    </p:set>
+                                    <p:animEffect transition="in" filter="wipe(down)">
+                                      <p:cBhvr>
+                                        <p:cTn id="7" dur="500"/>
+                                        <p:tgtEl>
+                                          <p:spTgt spid="5"/>
+                                        </p:tgtEl>
+                                      </p:cBhvr>
+                                    </p:animEffect>
+                                  </p:childTnLst>
+                                </p:cTn>
+                              </p:par>
+                            </p:childTnLst>
+                          </p:cTn>
+                        </p:par>
+                      </p:childTnLst>
+                    </p:cTn>
+                  </p:par>
+                </p:childTnLst>
+              </p:cTn>
+              <p:prevCondLst>
+                <p:cond evt="onPrev" delay="0">
+                  <p:tgtEl>
+                    <p:sldTgt/>
+                  </p:tgtEl>
+                </p:cond>
+              </p:prevCondLst>
+              <p:nextCondLst>
+                <p:cond evt="onNext" delay="0">
+                  <p:tgtEl>
+                    <p:sldTgt/>
+                  </p:tgtEl>
+                </p:cond>
+              </p:nextCondLst>
+            </p:seq>
+          </p:childTnLst>
+        </p:cTn>
+      </p:par>
+    </p:tnLst>
+  </p:timing>
+</p:sld>
+</file>
+
+<file path=ppt/slides/slide14.xml><?xml version="1.0" encoding="utf-8"?>
+<p:sld xmlns:a="http://schemas.openxmlformats.org/drawingml/2006/main" xmlns:r="http://schemas.openxmlformats.org/officeDocument/2006/relationships" xmlns:p="http://schemas.openxmlformats.org/presentationml/2006/main">
+  <p:cSld>
+    <p:spTree>
+      <p:nvGrpSpPr>
+        <p:cNvPr id="1" name=""/>
+        <p:cNvGrpSpPr/>
+        <p:nvPr/>
+      </p:nvGrpSpPr>
+      <p:grpSpPr>
+        <a:xfrm>
+          <a:off x="0" y="0"/>
+          <a:ext cx="0" cy="0"/>
+          <a:chOff x="0" y="0"/>
+          <a:chExt cx="0" cy="0"/>
+        </a:xfrm>
+      </p:grpSpPr>
+      <p:sp>
+        <p:nvSpPr>
+          <p:cNvPr id="2" name="Title 1"/>
+          <p:cNvSpPr>
+            <a:spLocks noGrp="1"/>
+          </p:cNvSpPr>
+          <p:nvPr>
+            <p:ph type="title"/>
+          </p:nvPr>
+        </p:nvSpPr>
+        <p:spPr/>
+        <p:txBody>
+          <a:bodyPr/>
+          <a:lstStyle/>
+          <a:p>
+            <a:r>
               <a:rPr lang="en-US" b="1" dirty="0" smtClean="0"/>
               <a:t>REFERENCE LINKS</a:t>
             </a:r>
@@ -6398,7 +7024,7 @@
         <p:spPr/>
         <p:txBody>
           <a:bodyPr>
-            <a:normAutofit/>
+            <a:normAutofit fontScale="85000" lnSpcReduction="20000"/>
           </a:bodyPr>
           <a:lstStyle/>
           <a:p>
@@ -6424,13 +7050,44 @@
               <a:rPr lang="en-US" dirty="0" smtClean="0">
                 <a:hlinkClick r:id="rId4"/>
               </a:rPr>
-              <a:t>http://homepages.inf.ed.ac.uk/rbf/BOOKS/PHILLIPS/cips2ed.pdf</a:t>
+              <a:t>http://</a:t>
+            </a:r>
+            <a:r>
+              <a:rPr lang="en-US" dirty="0" smtClean="0">
+                <a:hlinkClick r:id="rId4"/>
+              </a:rPr>
+              <a:t>homepages.inf.ed.ac.uk/rbf/BOOKS/PHILLIPS/cips2ed.pdf</a:t>
             </a:r>
             <a:endParaRPr lang="en-US" dirty="0" smtClean="0"/>
           </a:p>
           <a:p>
+            <a:r>
+              <a:rPr lang="en-US" dirty="0">
+                <a:hlinkClick r:id="rId5"/>
+              </a:rPr>
+              <a:t>https://</a:t>
+            </a:r>
+            <a:r>
+              <a:rPr lang="en-US" dirty="0" smtClean="0">
+                <a:hlinkClick r:id="rId5"/>
+              </a:rPr>
+              <a:t>image.slidesharecdn.com/smoothing-180424114019/95/smoothing-in-digital-image-processing-11-638.jpg?cb=1524570146</a:t>
+            </a:r>
             <a:endParaRPr lang="en-US" dirty="0" smtClean="0"/>
           </a:p>
+          <a:p>
+            <a:r>
+              <a:rPr lang="en-US" dirty="0"/>
+              <a:t>https://www.researchgate.net/profile/Josin_Hippolitus/publication/311770756/figure/fig2/AS:468112656080898@1488618162979/left-original-image-right-image-after-edge-detection.png</a:t>
+            </a:r>
+            <a:endParaRPr lang="en-US" dirty="0" smtClean="0"/>
+          </a:p>
+          <a:p>
+            <a:endParaRPr lang="en-US" dirty="0" smtClean="0"/>
+          </a:p>
+          <a:p>
+            <a:endParaRPr lang="en-US" dirty="0" smtClean="0"/>
+          </a:p>
         </p:txBody>
       </p:sp>
       <p:sp>
@@ -6443,14 +7100,19 @@
             <p:ph type="sldNum" sz="quarter" idx="12"/>
           </p:nvPr>
         </p:nvSpPr>
-        <p:spPr/>
+        <p:spPr>
+          <a:xfrm>
+            <a:off x="10353901" y="5950039"/>
+            <a:ext cx="734809" cy="298361"/>
+          </a:xfrm>
+        </p:spPr>
         <p:txBody>
           <a:bodyPr/>
           <a:lstStyle/>
           <a:p>
             <a:fld id="{5D84065D-F351-4B03-BD91-D8A6B8D4B362}" type="slidenum">
-              <a:rPr lang="en-US" sz="2400" smtClean="0"/>
-              <a:t>11</a:t>
+              <a:rPr lang="en-US" sz="3600" smtClean="0"/>
+              <a:t>14</a:t>
             </a:fld>
             <a:endParaRPr lang="en-US" dirty="0"/>
           </a:p>
@@ -6505,13 +7167,13 @@
         </p:nvSpPr>
         <p:spPr>
           <a:xfrm>
-            <a:off x="1115098" y="299551"/>
+            <a:off x="1166614" y="801827"/>
             <a:ext cx="9601196" cy="4916393"/>
           </a:xfrm>
         </p:spPr>
         <p:txBody>
           <a:bodyPr>
-            <a:normAutofit/>
+            <a:normAutofit fontScale="90000"/>
           </a:bodyPr>
           <a:lstStyle/>
           <a:p>
@@ -6549,7 +7211,44 @@
             </a:br>
             <a:r>
               <a:rPr lang="en-US" b="1" dirty="0" smtClean="0"/>
-              <a:t>C, C++</a:t>
+              <a:t>C/ </a:t>
+            </a:r>
+            <a:r>
+              <a:rPr lang="en-US" b="1" dirty="0" smtClean="0"/>
+              <a:t>C</a:t>
+            </a:r>
+            <a:r>
+              <a:rPr lang="en-US" b="1" dirty="0" smtClean="0"/>
+              <a:t>++</a:t>
+            </a:r>
+            <a:br>
+              <a:rPr lang="en-US" b="1" dirty="0" smtClean="0"/>
+            </a:br>
+            <a:r>
+              <a:rPr lang="en-US" b="1" dirty="0"/>
+              <a:t/>
+            </a:r>
+            <a:br>
+              <a:rPr lang="en-US" b="1" dirty="0"/>
+            </a:br>
+            <a:r>
+              <a:rPr lang="en-US" sz="4000" dirty="0" smtClean="0"/>
+              <a:t>GITHUB </a:t>
+            </a:r>
+            <a:r>
+              <a:rPr lang="en-US" sz="4000" dirty="0"/>
+              <a:t>LINK:</a:t>
+            </a:r>
+            <a:r>
+              <a:rPr lang="en-US" dirty="0"/>
+              <a:t/>
+            </a:r>
+            <a:br>
+              <a:rPr lang="en-US" dirty="0"/>
+            </a:br>
+            <a:r>
+              <a:rPr lang="en-US" b="1" dirty="0"/>
+              <a:t>https://github.com/jsureka/SPL1</a:t>
             </a:r>
             <a:endParaRPr lang="en-US" b="1" dirty="0"/>
           </a:p>
@@ -6565,13 +7264,18 @@
             <p:ph type="sldNum" sz="quarter" idx="12"/>
           </p:nvPr>
         </p:nvSpPr>
-        <p:spPr/>
+        <p:spPr>
+          <a:xfrm>
+            <a:off x="10366780" y="5891727"/>
+            <a:ext cx="542697" cy="279400"/>
+          </a:xfrm>
+        </p:spPr>
         <p:txBody>
           <a:bodyPr/>
           <a:lstStyle/>
           <a:p>
             <a:fld id="{5D84065D-F351-4B03-BD91-D8A6B8D4B362}" type="slidenum">
-              <a:rPr lang="en-US" sz="2800" smtClean="0"/>
+              <a:rPr lang="en-US" sz="3600" smtClean="0"/>
               <a:t>2</a:t>
             </a:fld>
             <a:endParaRPr lang="en-US" sz="2800" dirty="0"/>
@@ -6588,6 +7292,92 @@
   <p:clrMapOvr>
     <a:masterClrMapping/>
   </p:clrMapOvr>
+  <p:timing>
+    <p:tnLst>
+      <p:par>
+        <p:cTn id="1" dur="indefinite" restart="never" nodeType="tmRoot">
+          <p:childTnLst>
+            <p:seq concurrent="1" nextAc="seek">
+              <p:cTn id="2" dur="indefinite" nodeType="mainSeq">
+                <p:childTnLst>
+                  <p:par>
+                    <p:cTn id="3" fill="hold">
+                      <p:stCondLst>
+                        <p:cond delay="indefinite"/>
+                      </p:stCondLst>
+                      <p:childTnLst>
+                        <p:par>
+                          <p:cTn id="4" fill="hold">
+                            <p:stCondLst>
+                              <p:cond delay="0"/>
+                            </p:stCondLst>
+                            <p:childTnLst>
+                              <p:par>
+                                <p:cTn id="5" presetID="10" presetClass="entr" presetSubtype="0" fill="hold" grpId="0" nodeType="clickEffect">
+                                  <p:stCondLst>
+                                    <p:cond delay="0"/>
+                                  </p:stCondLst>
+                                  <p:childTnLst>
+                                    <p:set>
+                                      <p:cBhvr>
+                                        <p:cTn id="6" dur="1" fill="hold">
+                                          <p:stCondLst>
+                                            <p:cond delay="0"/>
+                                          </p:stCondLst>
+                                        </p:cTn>
+                                        <p:tgtEl>
+                                          <p:spTgt spid="2"/>
+                                        </p:tgtEl>
+                                        <p:attrNameLst>
+                                          <p:attrName>style.visibility</p:attrName>
+                                        </p:attrNameLst>
+                                      </p:cBhvr>
+                                      <p:to>
+                                        <p:strVal val="visible"/>
+                                      </p:to>
+                                    </p:set>
+                                    <p:animEffect transition="in" filter="fade">
+                                      <p:cBhvr>
+                                        <p:cTn id="7" dur="500"/>
+                                        <p:tgtEl>
+                                          <p:spTgt spid="2"/>
+                                        </p:tgtEl>
+                                      </p:cBhvr>
+                                    </p:animEffect>
+                                  </p:childTnLst>
+                                </p:cTn>
+                              </p:par>
+                            </p:childTnLst>
+                          </p:cTn>
+                        </p:par>
+                      </p:childTnLst>
+                    </p:cTn>
+                  </p:par>
+                </p:childTnLst>
+              </p:cTn>
+              <p:prevCondLst>
+                <p:cond evt="onPrev" delay="0">
+                  <p:tgtEl>
+                    <p:sldTgt/>
+                  </p:tgtEl>
+                </p:cond>
+              </p:prevCondLst>
+              <p:nextCondLst>
+                <p:cond evt="onNext" delay="0">
+                  <p:tgtEl>
+                    <p:sldTgt/>
+                  </p:tgtEl>
+                </p:cond>
+              </p:nextCondLst>
+            </p:seq>
+          </p:childTnLst>
+        </p:cTn>
+      </p:par>
+    </p:tnLst>
+    <p:bldLst>
+      <p:bldP spid="2" grpId="0"/>
+    </p:bldLst>
+  </p:timing>
 </p:sld>
 </file>
 
@@ -6667,16 +7457,16 @@
               <a:t>Wanted to explore the image </a:t>
             </a:r>
             <a:r>
-              <a:rPr lang="en-US" sz="3200" dirty="0" err="1" smtClean="0">
-                <a:latin typeface="Arial Narrow" panose="020B0606020202030204" pitchFamily="34" charset="0"/>
-              </a:rPr>
-              <a:t>manupulation</a:t>
-            </a:r>
-            <a:r>
               <a:rPr lang="en-US" sz="3200" dirty="0" smtClean="0">
                 <a:latin typeface="Arial Narrow" panose="020B0606020202030204" pitchFamily="34" charset="0"/>
               </a:rPr>
-              <a:t> side of the technology field</a:t>
+              <a:t>manipulation </a:t>
+            </a:r>
+            <a:r>
+              <a:rPr lang="en-US" sz="3200" dirty="0" smtClean="0">
+                <a:latin typeface="Arial Narrow" panose="020B0606020202030204" pitchFamily="34" charset="0"/>
+              </a:rPr>
+              <a:t>side of the technology field</a:t>
             </a:r>
           </a:p>
           <a:p>
@@ -6701,10 +7491,10 @@
               <a:t> Want to work on a bigger project which will require rigorous work on image </a:t>
             </a:r>
             <a:r>
-              <a:rPr lang="en-US" sz="3200" dirty="0" err="1" smtClean="0">
+              <a:rPr lang="en-US" sz="3200" dirty="0" smtClean="0">
                 <a:latin typeface="Arial Narrow" panose="020B0606020202030204" pitchFamily="34" charset="0"/>
               </a:rPr>
-              <a:t>manupulation</a:t>
+              <a:t>manipulation</a:t>
             </a:r>
             <a:endParaRPr lang="en-US" sz="3200" dirty="0">
               <a:latin typeface="Arial Narrow" panose="020B0606020202030204" pitchFamily="34" charset="0"/>
@@ -6722,13 +7512,18 @@
             <p:ph type="sldNum" sz="quarter" idx="12"/>
           </p:nvPr>
         </p:nvSpPr>
-        <p:spPr/>
+        <p:spPr>
+          <a:xfrm>
+            <a:off x="10379658" y="5878847"/>
+            <a:ext cx="542697" cy="279400"/>
+          </a:xfrm>
+        </p:spPr>
         <p:txBody>
           <a:bodyPr/>
           <a:lstStyle/>
           <a:p>
             <a:fld id="{5D84065D-F351-4B03-BD91-D8A6B8D4B362}" type="slidenum">
-              <a:rPr lang="en-US" sz="2800" smtClean="0"/>
+              <a:rPr lang="en-US" sz="3600" smtClean="0"/>
               <a:t>3</a:t>
             </a:fld>
             <a:endParaRPr lang="en-US" dirty="0"/>
@@ -6812,7 +7607,7 @@
         </p:nvSpPr>
         <p:spPr>
           <a:xfrm>
-            <a:off x="1295402" y="2357308"/>
+            <a:off x="1334039" y="2318671"/>
             <a:ext cx="9601196" cy="3318936"/>
           </a:xfrm>
         </p:spPr>
@@ -6852,14 +7647,7 @@
                 <a:latin typeface="Calibri" panose="020F0502020204030204" pitchFamily="34" charset="0"/>
                 <a:cs typeface="Calibri" panose="020F0502020204030204" pitchFamily="34" charset="0"/>
               </a:rPr>
-              <a:t>Menu </a:t>
-            </a:r>
-            <a:r>
-              <a:rPr lang="en-US" dirty="0" smtClean="0">
-                <a:latin typeface="Calibri" panose="020F0502020204030204" pitchFamily="34" charset="0"/>
-                <a:cs typeface="Calibri" panose="020F0502020204030204" pitchFamily="34" charset="0"/>
-              </a:rPr>
-              <a:t>containing a number of image processing tools</a:t>
+              <a:t>Menu containing a number of image processing tools</a:t>
             </a:r>
           </a:p>
           <a:p>
@@ -6873,14 +7661,7 @@
                 <a:latin typeface="Calibri" panose="020F0502020204030204" pitchFamily="34" charset="0"/>
                 <a:cs typeface="Calibri" panose="020F0502020204030204" pitchFamily="34" charset="0"/>
               </a:rPr>
-              <a:t>Increment </a:t>
-            </a:r>
-            <a:r>
-              <a:rPr lang="en-US" dirty="0" smtClean="0">
-                <a:latin typeface="Calibri" panose="020F0502020204030204" pitchFamily="34" charset="0"/>
-                <a:cs typeface="Calibri" panose="020F0502020204030204" pitchFamily="34" charset="0"/>
-              </a:rPr>
-              <a:t>or decrement options will be given for each image modification tool</a:t>
+              <a:t>Increment or decrement options will be given for each image modification tool</a:t>
             </a:r>
           </a:p>
           <a:p>
@@ -6908,8 +7689,19 @@
                 <a:latin typeface="Calibri" panose="020F0502020204030204" pitchFamily="34" charset="0"/>
                 <a:cs typeface="Calibri" panose="020F0502020204030204" pitchFamily="34" charset="0"/>
               </a:rPr>
-              <a:t>Primarily, the project will focus on the following image processing tools</a:t>
-            </a:r>
+              <a:t>Primarily, the project will focus on </a:t>
+            </a:r>
+            <a:r>
+              <a:rPr lang="en-US" dirty="0" smtClean="0">
+                <a:latin typeface="Calibri" panose="020F0502020204030204" pitchFamily="34" charset="0"/>
+                <a:cs typeface="Calibri" panose="020F0502020204030204" pitchFamily="34" charset="0"/>
+              </a:rPr>
+              <a:t>implementing :</a:t>
+            </a:r>
+            <a:endParaRPr lang="en-US" dirty="0" smtClean="0">
+              <a:latin typeface="Calibri" panose="020F0502020204030204" pitchFamily="34" charset="0"/>
+              <a:cs typeface="Calibri" panose="020F0502020204030204" pitchFamily="34" charset="0"/>
+            </a:endParaRPr>
           </a:p>
           <a:p>
             <a:pPr marL="0" indent="0">
@@ -6928,7 +7720,42 @@
                 <a:latin typeface="Calibri" panose="020F0502020204030204" pitchFamily="34" charset="0"/>
                 <a:cs typeface="Calibri" panose="020F0502020204030204" pitchFamily="34" charset="0"/>
               </a:rPr>
-              <a:t>    Smoothing, brightness control, Sharpening, Gray-Scaling , Edge Detection </a:t>
+              <a:t>    Smoothing, </a:t>
+            </a:r>
+            <a:r>
+              <a:rPr lang="en-US" dirty="0">
+                <a:latin typeface="Calibri" panose="020F0502020204030204" pitchFamily="34" charset="0"/>
+                <a:cs typeface="Calibri" panose="020F0502020204030204" pitchFamily="34" charset="0"/>
+              </a:rPr>
+              <a:t>Z</a:t>
+            </a:r>
+            <a:r>
+              <a:rPr lang="en-US" dirty="0" smtClean="0">
+                <a:latin typeface="Calibri" panose="020F0502020204030204" pitchFamily="34" charset="0"/>
+                <a:cs typeface="Calibri" panose="020F0502020204030204" pitchFamily="34" charset="0"/>
+              </a:rPr>
+              <a:t>ooming, Sharpening</a:t>
+            </a:r>
+            <a:r>
+              <a:rPr lang="en-US" dirty="0" smtClean="0">
+                <a:latin typeface="Calibri" panose="020F0502020204030204" pitchFamily="34" charset="0"/>
+                <a:cs typeface="Calibri" panose="020F0502020204030204" pitchFamily="34" charset="0"/>
+              </a:rPr>
+              <a:t>, </a:t>
+            </a:r>
+            <a:r>
+              <a:rPr lang="en-US" dirty="0" smtClean="0">
+                <a:latin typeface="Calibri" panose="020F0502020204030204" pitchFamily="34" charset="0"/>
+                <a:cs typeface="Calibri" panose="020F0502020204030204" pitchFamily="34" charset="0"/>
+              </a:rPr>
+              <a:t> Gray-Scaling  and Edge </a:t>
+            </a:r>
+            <a:r>
+              <a:rPr lang="en-US" dirty="0" smtClean="0">
+                <a:latin typeface="Calibri" panose="020F0502020204030204" pitchFamily="34" charset="0"/>
+                <a:cs typeface="Calibri" panose="020F0502020204030204" pitchFamily="34" charset="0"/>
+              </a:rPr>
+              <a:t>Detection </a:t>
             </a:r>
           </a:p>
         </p:txBody>
@@ -6943,16 +7770,21 @@
             <p:ph type="sldNum" sz="quarter" idx="12"/>
           </p:nvPr>
         </p:nvSpPr>
-        <p:spPr/>
+        <p:spPr>
+          <a:xfrm>
+            <a:off x="10405417" y="5853090"/>
+            <a:ext cx="542697" cy="279400"/>
+          </a:xfrm>
+        </p:spPr>
         <p:txBody>
           <a:bodyPr/>
           <a:lstStyle/>
           <a:p>
             <a:fld id="{5D84065D-F351-4B03-BD91-D8A6B8D4B362}" type="slidenum">
-              <a:rPr lang="en-US" sz="2400" smtClean="0"/>
+              <a:rPr lang="en-US" sz="3600" smtClean="0"/>
               <a:t>4</a:t>
             </a:fld>
-            <a:endParaRPr lang="en-US" dirty="0"/>
+            <a:endParaRPr lang="en-US" sz="1200" dirty="0"/>
           </a:p>
         </p:txBody>
       </p:sp>
@@ -7054,7 +7886,7 @@
         <p:spPr>
           <a:xfrm>
             <a:off x="746974" y="2427668"/>
-            <a:ext cx="5769735" cy="2123658"/>
+            <a:ext cx="5769735" cy="3416320"/>
           </a:xfrm>
           <a:prstGeom prst="rect">
             <a:avLst/>
@@ -7077,9 +7909,6 @@
               </a:rPr>
               <a:t>Reading the image data</a:t>
             </a:r>
-            <a:endParaRPr lang="en-US" sz="2800" dirty="0" smtClean="0">
-              <a:latin typeface="Imprint MT Shadow" panose="04020605060303030202" pitchFamily="82" charset="0"/>
-            </a:endParaRPr>
           </a:p>
           <a:p>
             <a:pPr marL="342900" indent="-342900">
@@ -7090,8 +7919,56 @@
               <a:rPr lang="en-US" sz="2800" dirty="0" smtClean="0">
                 <a:latin typeface="Imprint MT Shadow" panose="04020605060303030202" pitchFamily="82" charset="0"/>
               </a:rPr>
-              <a:t>Write the header in the output file</a:t>
-            </a:r>
+              <a:t>Write the header in the output </a:t>
+            </a:r>
+            <a:r>
+              <a:rPr lang="en-US" sz="2800" dirty="0" smtClean="0">
+                <a:latin typeface="Imprint MT Shadow" panose="04020605060303030202" pitchFamily="82" charset="0"/>
+              </a:rPr>
+              <a:t>file</a:t>
+            </a:r>
+          </a:p>
+          <a:p>
+            <a:pPr marL="342900" indent="-342900">
+              <a:buFont typeface="Wingdings" panose="05000000000000000000" pitchFamily="2" charset="2"/>
+              <a:buChar char="Ø"/>
+            </a:pPr>
+            <a:r>
+              <a:rPr lang="en-US" sz="2800" dirty="0" smtClean="0">
+                <a:latin typeface="Imprint MT Shadow" panose="04020605060303030202" pitchFamily="82" charset="0"/>
+              </a:rPr>
+              <a:t>Process the pixels as required</a:t>
+            </a:r>
+          </a:p>
+          <a:p>
+            <a:pPr marL="914400" lvl="1" indent="-457200">
+              <a:buFont typeface="Arial" pitchFamily="34" charset="0"/>
+              <a:buChar char="•"/>
+            </a:pPr>
+            <a:r>
+              <a:rPr lang="en-US" sz="2800" dirty="0" err="1" smtClean="0">
+                <a:latin typeface="Imprint MT Shadow" panose="04020605060303030202" pitchFamily="82" charset="0"/>
+              </a:rPr>
+              <a:t>GrayScaling</a:t>
+            </a:r>
+            <a:endParaRPr lang="en-US" sz="2800" dirty="0" smtClean="0">
+              <a:latin typeface="Imprint MT Shadow" panose="04020605060303030202" pitchFamily="82" charset="0"/>
+            </a:endParaRPr>
+          </a:p>
+          <a:p>
+            <a:pPr marL="914400" lvl="1" indent="-457200">
+              <a:buFont typeface="Arial" pitchFamily="34" charset="0"/>
+              <a:buChar char="•"/>
+            </a:pPr>
+            <a:r>
+              <a:rPr lang="en-US" sz="2800" dirty="0" smtClean="0">
+                <a:latin typeface="Imprint MT Shadow" panose="04020605060303030202" pitchFamily="82" charset="0"/>
+              </a:rPr>
+              <a:t>Darkening </a:t>
+            </a:r>
+            <a:endParaRPr lang="en-US" sz="2800" dirty="0" smtClean="0">
+              <a:latin typeface="Imprint MT Shadow" panose="04020605060303030202" pitchFamily="82" charset="0"/>
+            </a:endParaRPr>
           </a:p>
           <a:p>
             <a:pPr marL="342900" indent="-342900">
@@ -7130,10 +8007,10 @@
           <a:lstStyle/>
           <a:p>
             <a:fld id="{5D84065D-F351-4B03-BD91-D8A6B8D4B362}" type="slidenum">
-              <a:rPr lang="en-US" sz="2400" smtClean="0"/>
+              <a:rPr lang="en-US" sz="3600" smtClean="0"/>
               <a:t>5</a:t>
             </a:fld>
-            <a:endParaRPr lang="en-US" dirty="0"/>
+            <a:endParaRPr lang="en-US" sz="1200" dirty="0"/>
           </a:p>
         </p:txBody>
       </p:sp>
@@ -7329,9 +8206,67 @@
           </a:p>
         </p:txBody>
       </p:sp>
+      <p:sp>
+        <p:nvSpPr>
+          <p:cNvPr id="3" name="Slide Number Placeholder 2"/>
+          <p:cNvSpPr>
+            <a:spLocks noGrp="1"/>
+          </p:cNvSpPr>
+          <p:nvPr>
+            <p:ph type="sldNum" sz="quarter" idx="12"/>
+          </p:nvPr>
+        </p:nvSpPr>
+        <p:spPr/>
+        <p:txBody>
+          <a:bodyPr/>
+          <a:lstStyle/>
+          <a:p>
+            <a:fld id="{5D84065D-F351-4B03-BD91-D8A6B8D4B362}" type="slidenum">
+              <a:rPr lang="en-US" sz="3600" smtClean="0"/>
+              <a:t>6</a:t>
+            </a:fld>
+            <a:endParaRPr lang="en-US" sz="2400" dirty="0"/>
+          </a:p>
+        </p:txBody>
+      </p:sp>
+      <p:sp>
+        <p:nvSpPr>
+          <p:cNvPr id="4" name="Content Placeholder 3"/>
+          <p:cNvSpPr>
+            <a:spLocks noGrp="1"/>
+          </p:cNvSpPr>
+          <p:nvPr>
+            <p:ph idx="1"/>
+          </p:nvPr>
+        </p:nvSpPr>
+        <p:spPr/>
+        <p:txBody>
+          <a:bodyPr/>
+          <a:lstStyle/>
+          <a:p>
+            <a:r>
+              <a:rPr lang="en-US" dirty="0" smtClean="0"/>
+              <a:t>Taking  path as input until it takes </a:t>
+            </a:r>
+          </a:p>
+          <a:p>
+            <a:pPr marL="0" indent="0">
+              <a:buNone/>
+            </a:pPr>
+            <a:r>
+              <a:rPr lang="en-US" dirty="0"/>
+              <a:t> </a:t>
+            </a:r>
+            <a:r>
+              <a:rPr lang="en-US" dirty="0" smtClean="0"/>
+              <a:t>   a proper file path as input</a:t>
+            </a:r>
+          </a:p>
+        </p:txBody>
+      </p:sp>
       <p:pic>
         <p:nvPicPr>
-          <p:cNvPr id="7" name="Picture 6"/>
+          <p:cNvPr id="6" name="Picture 5"/>
           <p:cNvPicPr>
             <a:picLocks noChangeAspect="1"/>
           </p:cNvPicPr>
@@ -7345,61 +8280,19 @@
               </a:ext>
             </a:extLst>
           </a:blip>
-          <a:srcRect l="9860" t="20925" r="56978" b="45142"/>
+          <a:srcRect l="7962" t="17702" r="68236" b="63949"/>
           <a:stretch/>
         </p:blipFill>
         <p:spPr>
           <a:xfrm>
-            <a:off x="6096000" y="2691683"/>
-            <a:ext cx="4487212" cy="2581445"/>
+            <a:off x="5768787" y="2702860"/>
+            <a:ext cx="5486401" cy="2729752"/>
           </a:xfrm>
           <a:prstGeom prst="rect">
             <a:avLst/>
           </a:prstGeom>
         </p:spPr>
       </p:pic>
-      <p:sp>
-        <p:nvSpPr>
-          <p:cNvPr id="3" name="Slide Number Placeholder 2"/>
-          <p:cNvSpPr>
-            <a:spLocks noGrp="1"/>
-          </p:cNvSpPr>
-          <p:nvPr>
-            <p:ph type="sldNum" sz="quarter" idx="12"/>
-          </p:nvPr>
-        </p:nvSpPr>
-        <p:spPr/>
-        <p:txBody>
-          <a:bodyPr/>
-          <a:lstStyle/>
-          <a:p>
-            <a:fld id="{5D84065D-F351-4B03-BD91-D8A6B8D4B362}" type="slidenum">
-              <a:rPr lang="en-US" sz="2400" smtClean="0"/>
-              <a:t>6</a:t>
-            </a:fld>
-            <a:endParaRPr lang="en-US" sz="2400" dirty="0"/>
-          </a:p>
-        </p:txBody>
-      </p:sp>
-      <p:sp>
-        <p:nvSpPr>
-          <p:cNvPr id="4" name="Content Placeholder 3"/>
-          <p:cNvSpPr>
-            <a:spLocks noGrp="1"/>
-          </p:cNvSpPr>
-          <p:nvPr>
-            <p:ph idx="1"/>
-          </p:nvPr>
-        </p:nvSpPr>
-        <p:spPr/>
-        <p:txBody>
-          <a:bodyPr/>
-          <a:lstStyle/>
-          <a:p>
-            <a:endParaRPr lang="en-US"/>
-          </a:p>
-        </p:txBody>
-      </p:sp>
     </p:spTree>
     <p:extLst>
       <p:ext uri="{BB962C8B-B14F-4D97-AF65-F5344CB8AC3E}">
@@ -7431,7 +8324,7 @@
                             </p:stCondLst>
                             <p:childTnLst>
                               <p:par>
-                                <p:cTn id="5" presetID="16" presetClass="entr" presetSubtype="21" fill="hold" nodeType="clickEffect">
+                                <p:cTn id="5" presetID="10" presetClass="entr" presetSubtype="0" fill="hold" grpId="0" nodeType="clickEffect">
                                   <p:stCondLst>
                                     <p:cond delay="0"/>
                                   </p:stCondLst>
@@ -7444,7 +8337,11 @@
                                           </p:stCondLst>
                                         </p:cTn>
                                         <p:tgtEl>
-                                          <p:spTgt spid="7"/>
+                                          <p:spTgt spid="4">
+                                            <p:txEl>
+                                              <p:pRg st="0" end="0"/>
+                                            </p:txEl>
+                                          </p:spTgt>
                                         </p:tgtEl>
                                         <p:attrNameLst>
                                           <p:attrName>style.visibility</p:attrName>
@@ -7454,11 +8351,129 @@
                                         <p:strVal val="visible"/>
                                       </p:to>
                                     </p:set>
-                                    <p:animEffect transition="in" filter="barn(inVertical)">
+                                    <p:animEffect transition="in" filter="fade">
                                       <p:cBhvr>
                                         <p:cTn id="7" dur="500"/>
                                         <p:tgtEl>
-                                          <p:spTgt spid="7"/>
+                                          <p:spTgt spid="4">
+                                            <p:txEl>
+                                              <p:pRg st="0" end="0"/>
+                                            </p:txEl>
+                                          </p:spTgt>
+                                        </p:tgtEl>
+                                      </p:cBhvr>
+                                    </p:animEffect>
+                                  </p:childTnLst>
+                                </p:cTn>
+                              </p:par>
+                            </p:childTnLst>
+                          </p:cTn>
+                        </p:par>
+                      </p:childTnLst>
+                    </p:cTn>
+                  </p:par>
+                  <p:par>
+                    <p:cTn id="8" fill="hold">
+                      <p:stCondLst>
+                        <p:cond delay="indefinite"/>
+                      </p:stCondLst>
+                      <p:childTnLst>
+                        <p:par>
+                          <p:cTn id="9" fill="hold">
+                            <p:stCondLst>
+                              <p:cond delay="0"/>
+                            </p:stCondLst>
+                            <p:childTnLst>
+                              <p:par>
+                                <p:cTn id="10" presetID="10" presetClass="entr" presetSubtype="0" fill="hold" grpId="0" nodeType="clickEffect">
+                                  <p:stCondLst>
+                                    <p:cond delay="0"/>
+                                  </p:stCondLst>
+                                  <p:childTnLst>
+                                    <p:set>
+                                      <p:cBhvr>
+                                        <p:cTn id="11" dur="1" fill="hold">
+                                          <p:stCondLst>
+                                            <p:cond delay="0"/>
+                                          </p:stCondLst>
+                                        </p:cTn>
+                                        <p:tgtEl>
+                                          <p:spTgt spid="4">
+                                            <p:txEl>
+                                              <p:pRg st="1" end="1"/>
+                                            </p:txEl>
+                                          </p:spTgt>
+                                        </p:tgtEl>
+                                        <p:attrNameLst>
+                                          <p:attrName>style.visibility</p:attrName>
+                                        </p:attrNameLst>
+                                      </p:cBhvr>
+                                      <p:to>
+                                        <p:strVal val="visible"/>
+                                      </p:to>
+                                    </p:set>
+                                    <p:animEffect transition="in" filter="fade">
+                                      <p:cBhvr>
+                                        <p:cTn id="12" dur="500"/>
+                                        <p:tgtEl>
+                                          <p:spTgt spid="4">
+                                            <p:txEl>
+                                              <p:pRg st="1" end="1"/>
+                                            </p:txEl>
+                                          </p:spTgt>
+                                        </p:tgtEl>
+                                      </p:cBhvr>
+                                    </p:animEffect>
+                                  </p:childTnLst>
+                                </p:cTn>
+                              </p:par>
+                            </p:childTnLst>
+                          </p:cTn>
+                        </p:par>
+                      </p:childTnLst>
+                    </p:cTn>
+                  </p:par>
+                  <p:par>
+                    <p:cTn id="13" fill="hold">
+                      <p:stCondLst>
+                        <p:cond delay="indefinite"/>
+                      </p:stCondLst>
+                      <p:childTnLst>
+                        <p:par>
+                          <p:cTn id="14" fill="hold">
+                            <p:stCondLst>
+                              <p:cond delay="0"/>
+                            </p:stCondLst>
+                            <p:childTnLst>
+                              <p:par>
+                                <p:cTn id="15" presetID="22" presetClass="entr" presetSubtype="4" fill="hold" nodeType="clickEffect">
+                                  <p:stCondLst>
+                                    <p:cond delay="0"/>
+                                  </p:stCondLst>
+                                  <p:childTnLst>
+                                    <p:set>
+                                      <p:cBhvr>
+                                        <p:cTn id="16" dur="1" fill="hold">
+                                          <p:stCondLst>
+                                            <p:cond delay="0"/>
+                                          </p:stCondLst>
+                                        </p:cTn>
+                                        <p:tgtEl>
+                                          <p:spTgt spid="6"/>
+                                        </p:tgtEl>
+                                        <p:attrNameLst>
+                                          <p:attrName>style.visibility</p:attrName>
+                                        </p:attrNameLst>
+                                      </p:cBhvr>
+                                      <p:to>
+                                        <p:strVal val="visible"/>
+                                      </p:to>
+                                    </p:set>
+                                    <p:animEffect transition="in" filter="wipe(down)">
+                                      <p:cBhvr>
+                                        <p:cTn id="17" dur="500"/>
+                                        <p:tgtEl>
+                                          <p:spTgt spid="6"/>
                                         </p:tgtEl>
                                       </p:cBhvr>
                                     </p:animEffect>
@@ -7492,6 +8507,9 @@
         </p:cTn>
       </p:par>
     </p:tnLst>
+    <p:bldLst>
+      <p:bldP spid="4" grpId="0" build="p"/>
+    </p:bldLst>
   </p:timing>
 </p:sld>
 </file>
@@ -7529,10 +8547,10 @@
           <a:lstStyle/>
           <a:p>
             <a:r>
-              <a:rPr lang="en-US" dirty="0" smtClean="0"/>
+              <a:rPr lang="en-US" b="1" dirty="0" smtClean="0"/>
               <a:t>READING AN IMAGE</a:t>
             </a:r>
-            <a:endParaRPr lang="en-US" dirty="0"/>
+            <a:endParaRPr lang="en-US" b="1" dirty="0"/>
           </a:p>
         </p:txBody>
       </p:sp>
@@ -7558,7 +8576,7 @@
         </p:blipFill>
         <p:spPr>
           <a:xfrm>
-            <a:off x="6857194" y="2449961"/>
+            <a:off x="6857193" y="2449961"/>
             <a:ext cx="3703481" cy="3555341"/>
           </a:xfrm>
           <a:prstGeom prst="rect">
@@ -7578,7 +8596,7 @@
         </p:nvSpPr>
         <p:spPr>
           <a:xfrm>
-            <a:off x="10469811" y="5889864"/>
+            <a:off x="10560674" y="5865602"/>
             <a:ext cx="542697" cy="279400"/>
           </a:xfrm>
         </p:spPr>
@@ -7587,7 +8605,7 @@
           <a:lstStyle/>
           <a:p>
             <a:fld id="{5D84065D-F351-4B03-BD91-D8A6B8D4B362}" type="slidenum">
-              <a:rPr lang="en-US" sz="2400" smtClean="0"/>
+              <a:rPr lang="en-US" sz="3600" smtClean="0"/>
               <a:t>7</a:t>
             </a:fld>
             <a:endParaRPr lang="en-US" sz="2400" dirty="0"/>
@@ -7609,7 +8627,33 @@
           <a:bodyPr/>
           <a:lstStyle/>
           <a:p>
-            <a:endParaRPr lang="en-US"/>
+            <a:r>
+              <a:rPr lang="en-US" dirty="0" smtClean="0"/>
+              <a:t>Reading the baboon.bmp image as input </a:t>
+            </a:r>
+          </a:p>
+          <a:p>
+            <a:r>
+              <a:rPr lang="en-US" dirty="0" smtClean="0"/>
+              <a:t>Reading header info</a:t>
+            </a:r>
+          </a:p>
+          <a:p>
+            <a:r>
+              <a:rPr lang="en-US" dirty="0" smtClean="0"/>
+              <a:t>Reading pixel data</a:t>
+            </a:r>
+          </a:p>
+          <a:p>
+            <a:r>
+              <a:rPr lang="en-US" dirty="0" smtClean="0"/>
+              <a:t>Storing the </a:t>
+            </a:r>
+            <a:r>
+              <a:rPr lang="en-US" dirty="0" err="1" smtClean="0"/>
+              <a:t>datas</a:t>
+            </a:r>
+            <a:endParaRPr lang="en-US" dirty="0"/>
           </a:p>
         </p:txBody>
       </p:sp>
@@ -7626,9 +8670,332 @@
   <p:timing>
     <p:tnLst>
       <p:par>
-        <p:cTn id="1" dur="indefinite" restart="never" nodeType="tmRoot"/>
+        <p:cTn id="1" dur="indefinite" restart="never" nodeType="tmRoot">
+          <p:childTnLst>
+            <p:seq concurrent="1" nextAc="seek">
+              <p:cTn id="2" dur="indefinite" nodeType="mainSeq">
+                <p:childTnLst>
+                  <p:par>
+                    <p:cTn id="3" fill="hold">
+                      <p:stCondLst>
+                        <p:cond delay="indefinite"/>
+                      </p:stCondLst>
+                      <p:childTnLst>
+                        <p:par>
+                          <p:cTn id="4" fill="hold">
+                            <p:stCondLst>
+                              <p:cond delay="0"/>
+                            </p:stCondLst>
+                            <p:childTnLst>
+                              <p:par>
+                                <p:cTn id="5" presetID="6" presetClass="entr" presetSubtype="16" fill="hold" nodeType="clickEffect">
+                                  <p:stCondLst>
+                                    <p:cond delay="0"/>
+                                  </p:stCondLst>
+                                  <p:childTnLst>
+                                    <p:set>
+                                      <p:cBhvr>
+                                        <p:cTn id="6" dur="1" fill="hold">
+                                          <p:stCondLst>
+                                            <p:cond delay="0"/>
+                                          </p:stCondLst>
+                                        </p:cTn>
+                                        <p:tgtEl>
+                                          <p:spTgt spid="3"/>
+                                        </p:tgtEl>
+                                        <p:attrNameLst>
+                                          <p:attrName>style.visibility</p:attrName>
+                                        </p:attrNameLst>
+                                      </p:cBhvr>
+                                      <p:to>
+                                        <p:strVal val="visible"/>
+                                      </p:to>
+                                    </p:set>
+                                    <p:animEffect transition="in" filter="circle(in)">
+                                      <p:cBhvr>
+                                        <p:cTn id="7" dur="2000"/>
+                                        <p:tgtEl>
+                                          <p:spTgt spid="3"/>
+                                        </p:tgtEl>
+                                      </p:cBhvr>
+                                    </p:animEffect>
+                                  </p:childTnLst>
+                                </p:cTn>
+                              </p:par>
+                            </p:childTnLst>
+                          </p:cTn>
+                        </p:par>
+                      </p:childTnLst>
+                    </p:cTn>
+                  </p:par>
+                  <p:par>
+                    <p:cTn id="8" fill="hold">
+                      <p:stCondLst>
+                        <p:cond delay="indefinite"/>
+                      </p:stCondLst>
+                      <p:childTnLst>
+                        <p:par>
+                          <p:cTn id="9" fill="hold">
+                            <p:stCondLst>
+                              <p:cond delay="0"/>
+                            </p:stCondLst>
+                            <p:childTnLst>
+                              <p:par>
+                                <p:cTn id="10" presetID="10" presetClass="entr" presetSubtype="0" fill="hold" grpId="0" nodeType="clickEffect">
+                                  <p:stCondLst>
+                                    <p:cond delay="0"/>
+                                  </p:stCondLst>
+                                  <p:childTnLst>
+                                    <p:set>
+                                      <p:cBhvr>
+                                        <p:cTn id="11" dur="1" fill="hold">
+                                          <p:stCondLst>
+                                            <p:cond delay="0"/>
+                                          </p:stCondLst>
+                                        </p:cTn>
+                                        <p:tgtEl>
+                                          <p:spTgt spid="7">
+                                            <p:txEl>
+                                              <p:pRg st="0" end="0"/>
+                                            </p:txEl>
+                                          </p:spTgt>
+                                        </p:tgtEl>
+                                        <p:attrNameLst>
+                                          <p:attrName>style.visibility</p:attrName>
+                                        </p:attrNameLst>
+                                      </p:cBhvr>
+                                      <p:to>
+                                        <p:strVal val="visible"/>
+                                      </p:to>
+                                    </p:set>
+                                    <p:animEffect transition="in" filter="fade">
+                                      <p:cBhvr>
+                                        <p:cTn id="12" dur="500"/>
+                                        <p:tgtEl>
+                                          <p:spTgt spid="7">
+                                            <p:txEl>
+                                              <p:pRg st="0" end="0"/>
+                                            </p:txEl>
+                                          </p:spTgt>
+                                        </p:tgtEl>
+                                      </p:cBhvr>
+                                    </p:animEffect>
+                                  </p:childTnLst>
+                                </p:cTn>
+                              </p:par>
+                            </p:childTnLst>
+                          </p:cTn>
+                        </p:par>
+                      </p:childTnLst>
+                    </p:cTn>
+                  </p:par>
+                  <p:par>
+                    <p:cTn id="13" fill="hold">
+                      <p:stCondLst>
+                        <p:cond delay="indefinite"/>
+                      </p:stCondLst>
+                      <p:childTnLst>
+                        <p:par>
+                          <p:cTn id="14" fill="hold">
+                            <p:stCondLst>
+                              <p:cond delay="0"/>
+                            </p:stCondLst>
+                            <p:childTnLst>
+                              <p:par>
+                                <p:cTn id="15" presetID="10" presetClass="entr" presetSubtype="0" fill="hold" grpId="0" nodeType="clickEffect">
+                                  <p:stCondLst>
+                                    <p:cond delay="0"/>
+                                  </p:stCondLst>
+                                  <p:childTnLst>
+                                    <p:set>
+                                      <p:cBhvr>
+                                        <p:cTn id="16" dur="1" fill="hold">
+                                          <p:stCondLst>
+                                            <p:cond delay="0"/>
+                                          </p:stCondLst>
+                                        </p:cTn>
+                                        <p:tgtEl>
+                                          <p:spTgt spid="7">
+                                            <p:txEl>
+                                              <p:pRg st="1" end="1"/>
+                                            </p:txEl>
+                                          </p:spTgt>
+                                        </p:tgtEl>
+                                        <p:attrNameLst>
+                                          <p:attrName>style.visibility</p:attrName>
+                                        </p:attrNameLst>
+                                      </p:cBhvr>
+                                      <p:to>
+                                        <p:strVal val="visible"/>
+                                      </p:to>
+                                    </p:set>
+                                    <p:animEffect transition="in" filter="fade">
+                                      <p:cBhvr>
+                                        <p:cTn id="17" dur="500"/>
+                                        <p:tgtEl>
+                                          <p:spTgt spid="7">
+                                            <p:txEl>
+                                              <p:pRg st="1" end="1"/>
+                                            </p:txEl>
+                                          </p:spTgt>
+                                        </p:tgtEl>
+                                      </p:cBhvr>
+                                    </p:animEffect>
+                                  </p:childTnLst>
+                                </p:cTn>
+                              </p:par>
+                            </p:childTnLst>
+                          </p:cTn>
+                        </p:par>
+                      </p:childTnLst>
+                    </p:cTn>
+                  </p:par>
+                  <p:par>
+                    <p:cTn id="18" fill="hold">
+                      <p:stCondLst>
+                        <p:cond delay="indefinite"/>
+                      </p:stCondLst>
+                      <p:childTnLst>
+                        <p:par>
+                          <p:cTn id="19" fill="hold">
+                            <p:stCondLst>
+                              <p:cond delay="0"/>
+                            </p:stCondLst>
+                            <p:childTnLst>
+                              <p:par>
+                                <p:cTn id="20" presetID="10" presetClass="entr" presetSubtype="0" fill="hold" grpId="0" nodeType="clickEffect">
+                                  <p:stCondLst>
+                                    <p:cond delay="0"/>
+                                  </p:stCondLst>
+                                  <p:childTnLst>
+                                    <p:set>
+                                      <p:cBhvr>
+                                        <p:cTn id="21" dur="1" fill="hold">
+                                          <p:stCondLst>
+                                            <p:cond delay="0"/>
+                                          </p:stCondLst>
+                                        </p:cTn>
+                                        <p:tgtEl>
+                                          <p:spTgt spid="7">
+                                            <p:txEl>
+                                              <p:pRg st="2" end="2"/>
+                                            </p:txEl>
+                                          </p:spTgt>
+                                        </p:tgtEl>
+                                        <p:attrNameLst>
+                                          <p:attrName>style.visibility</p:attrName>
+                                        </p:attrNameLst>
+                                      </p:cBhvr>
+                                      <p:to>
+                                        <p:strVal val="visible"/>
+                                      </p:to>
+                                    </p:set>
+                                    <p:animEffect transition="in" filter="fade">
+                                      <p:cBhvr>
+                                        <p:cTn id="22" dur="500"/>
+                                        <p:tgtEl>
+                                          <p:spTgt spid="7">
+                                            <p:txEl>
+                                              <p:pRg st="2" end="2"/>
+                                            </p:txEl>
+                                          </p:spTgt>
+                                        </p:tgtEl>
+                                      </p:cBhvr>
+                                    </p:animEffect>
+                                  </p:childTnLst>
+                                </p:cTn>
+                              </p:par>
+                            </p:childTnLst>
+                          </p:cTn>
+                        </p:par>
+                      </p:childTnLst>
+                    </p:cTn>
+                  </p:par>
+                  <p:par>
+                    <p:cTn id="23" fill="hold">
+                      <p:stCondLst>
+                        <p:cond delay="indefinite"/>
+                      </p:stCondLst>
+                      <p:childTnLst>
+                        <p:par>
+                          <p:cTn id="24" fill="hold">
+                            <p:stCondLst>
+                              <p:cond delay="0"/>
+                            </p:stCondLst>
+                            <p:childTnLst>
+                              <p:par>
+                                <p:cTn id="25" presetID="10" presetClass="entr" presetSubtype="0" fill="hold" grpId="0" nodeType="clickEffect">
+                                  <p:stCondLst>
+                                    <p:cond delay="0"/>
+                                  </p:stCondLst>
+                                  <p:childTnLst>
+                                    <p:set>
+                                      <p:cBhvr>
+                                        <p:cTn id="26" dur="1" fill="hold">
+                                          <p:stCondLst>
+                                            <p:cond delay="0"/>
+                                          </p:stCondLst>
+                                        </p:cTn>
+                                        <p:tgtEl>
+                                          <p:spTgt spid="7">
+                                            <p:txEl>
+                                              <p:pRg st="3" end="3"/>
+                                            </p:txEl>
+                                          </p:spTgt>
+                                        </p:tgtEl>
+                                        <p:attrNameLst>
+                                          <p:attrName>style.visibility</p:attrName>
+                                        </p:attrNameLst>
+                                      </p:cBhvr>
+                                      <p:to>
+                                        <p:strVal val="visible"/>
+                                      </p:to>
+                                    </p:set>
+                                    <p:animEffect transition="in" filter="fade">
+                                      <p:cBhvr>
+                                        <p:cTn id="27" dur="500"/>
+                                        <p:tgtEl>
+                                          <p:spTgt spid="7">
+                                            <p:txEl>
+                                              <p:pRg st="3" end="3"/>
+                                            </p:txEl>
+                                          </p:spTgt>
+                                        </p:tgtEl>
+                                      </p:cBhvr>
+                                    </p:animEffect>
+                                  </p:childTnLst>
+                                </p:cTn>
+                              </p:par>
+                            </p:childTnLst>
+                          </p:cTn>
+                        </p:par>
+                      </p:childTnLst>
+                    </p:cTn>
+                  </p:par>
+                </p:childTnLst>
+              </p:cTn>
+              <p:prevCondLst>
+                <p:cond evt="onPrev" delay="0">
+                  <p:tgtEl>
+                    <p:sldTgt/>
+                  </p:tgtEl>
+                </p:cond>
+              </p:prevCondLst>
+              <p:nextCondLst>
+                <p:cond evt="onNext" delay="0">
+                  <p:tgtEl>
+                    <p:sldTgt/>
+                  </p:tgtEl>
+                </p:cond>
+              </p:nextCondLst>
+            </p:seq>
+          </p:childTnLst>
+        </p:cTn>
       </p:par>
     </p:tnLst>
+    <p:bldLst>
+      <p:bldP spid="7" grpId="0" build="p"/>
+    </p:bldLst>
   </p:timing>
 </p:sld>
 </file>
@@ -7717,13 +9084,60 @@
         </p:nvSpPr>
         <p:spPr/>
         <p:txBody>
-          <a:bodyPr/>
+          <a:bodyPr>
+            <a:normAutofit/>
+          </a:bodyPr>
           <a:lstStyle/>
           <a:p>
             <a:r>
               <a:rPr lang="en-US" dirty="0" smtClean="0"/>
-              <a:t>Algorithm :</a:t>
-            </a:r>
+              <a:t>Algorithm </a:t>
+            </a:r>
+            <a:r>
+              <a:rPr lang="en-US" dirty="0" smtClean="0"/>
+              <a:t>:</a:t>
+            </a:r>
+          </a:p>
+          <a:p>
+            <a:r>
+              <a:rPr lang="en-US" dirty="0" smtClean="0"/>
+              <a:t> pixels[</a:t>
+            </a:r>
+            <a:r>
+              <a:rPr lang="en-US" dirty="0" err="1" smtClean="0"/>
+              <a:t>totalsize</a:t>
+            </a:r>
+            <a:r>
+              <a:rPr lang="en-US" dirty="0" smtClean="0"/>
+              <a:t> ] </a:t>
+            </a:r>
+          </a:p>
+          <a:p>
+            <a:r>
+              <a:rPr lang="en-US" dirty="0" smtClean="0"/>
+              <a:t>While (index&lt;</a:t>
+            </a:r>
+            <a:r>
+              <a:rPr lang="en-US" dirty="0" err="1" smtClean="0"/>
+              <a:t>totalsize</a:t>
+            </a:r>
+            <a:r>
+              <a:rPr lang="en-US" dirty="0" smtClean="0"/>
+              <a:t>)</a:t>
+            </a:r>
+          </a:p>
+          <a:p>
+            <a:r>
+              <a:rPr lang="en-US" dirty="0" smtClean="0"/>
+              <a:t>Take Average of RGB i.e. (R+G+B)/3</a:t>
+            </a:r>
+          </a:p>
+          <a:p>
+            <a:r>
+              <a:rPr lang="en-US" dirty="0" smtClean="0"/>
+              <a:t>Index+=3</a:t>
+            </a:r>
+            <a:endParaRPr lang="en-US" dirty="0" smtClean="0"/>
           </a:p>
           <a:p>
             <a:pPr marL="0" indent="0">
@@ -7746,13 +9160,18 @@
             <p:ph type="sldNum" sz="quarter" idx="12"/>
           </p:nvPr>
         </p:nvSpPr>
-        <p:spPr/>
+        <p:spPr>
+          <a:xfrm>
+            <a:off x="10534026" y="5924281"/>
+            <a:ext cx="542697" cy="285482"/>
+          </a:xfrm>
+        </p:spPr>
         <p:txBody>
           <a:bodyPr/>
           <a:lstStyle/>
           <a:p>
             <a:fld id="{5D84065D-F351-4B03-BD91-D8A6B8D4B362}" type="slidenum">
-              <a:rPr lang="en-US" sz="2400" smtClean="0"/>
+              <a:rPr lang="en-US" sz="3600" smtClean="0"/>
               <a:t>8</a:t>
             </a:fld>
             <a:endParaRPr lang="en-US" sz="2400" dirty="0"/>
@@ -7772,9 +9191,454 @@
   <p:timing>
     <p:tnLst>
       <p:par>
-        <p:cTn id="1" dur="indefinite" restart="never" nodeType="tmRoot"/>
+        <p:cTn id="1" dur="indefinite" restart="never" nodeType="tmRoot">
+          <p:childTnLst>
+            <p:seq concurrent="1" nextAc="seek">
+              <p:cTn id="2" dur="indefinite" nodeType="mainSeq">
+                <p:childTnLst>
+                  <p:par>
+                    <p:cTn id="3" fill="hold">
+                      <p:stCondLst>
+                        <p:cond delay="indefinite"/>
+                      </p:stCondLst>
+                      <p:childTnLst>
+                        <p:par>
+                          <p:cTn id="4" fill="hold">
+                            <p:stCondLst>
+                              <p:cond delay="0"/>
+                            </p:stCondLst>
+                            <p:childTnLst>
+                              <p:par>
+                                <p:cTn id="5" presetID="10" presetClass="entr" presetSubtype="0" fill="hold" grpId="0" nodeType="clickEffect">
+                                  <p:stCondLst>
+                                    <p:cond delay="0"/>
+                                  </p:stCondLst>
+                                  <p:childTnLst>
+                                    <p:set>
+                                      <p:cBhvr>
+                                        <p:cTn id="6" dur="1" fill="hold">
+                                          <p:stCondLst>
+                                            <p:cond delay="0"/>
+                                          </p:stCondLst>
+                                        </p:cTn>
+                                        <p:tgtEl>
+                                          <p:spTgt spid="5">
+                                            <p:txEl>
+                                              <p:pRg st="0" end="0"/>
+                                            </p:txEl>
+                                          </p:spTgt>
+                                        </p:tgtEl>
+                                        <p:attrNameLst>
+                                          <p:attrName>style.visibility</p:attrName>
+                                        </p:attrNameLst>
+                                      </p:cBhvr>
+                                      <p:to>
+                                        <p:strVal val="visible"/>
+                                      </p:to>
+                                    </p:set>
+                                    <p:animEffect transition="in" filter="fade">
+                                      <p:cBhvr>
+                                        <p:cTn id="7" dur="500"/>
+                                        <p:tgtEl>
+                                          <p:spTgt spid="5">
+                                            <p:txEl>
+                                              <p:pRg st="0" end="0"/>
+                                            </p:txEl>
+                                          </p:spTgt>
+                                        </p:tgtEl>
+                                      </p:cBhvr>
+                                    </p:animEffect>
+                                  </p:childTnLst>
+                                </p:cTn>
+                              </p:par>
+                            </p:childTnLst>
+                          </p:cTn>
+                        </p:par>
+                      </p:childTnLst>
+                    </p:cTn>
+                  </p:par>
+                  <p:par>
+                    <p:cTn id="8" fill="hold">
+                      <p:stCondLst>
+                        <p:cond delay="indefinite"/>
+                      </p:stCondLst>
+                      <p:childTnLst>
+                        <p:par>
+                          <p:cTn id="9" fill="hold">
+                            <p:stCondLst>
+                              <p:cond delay="0"/>
+                            </p:stCondLst>
+                            <p:childTnLst>
+                              <p:par>
+                                <p:cTn id="10" presetID="10" presetClass="entr" presetSubtype="0" fill="hold" grpId="0" nodeType="clickEffect">
+                                  <p:stCondLst>
+                                    <p:cond delay="0"/>
+                                  </p:stCondLst>
+                                  <p:childTnLst>
+                                    <p:set>
+                                      <p:cBhvr>
+                                        <p:cTn id="11" dur="1" fill="hold">
+                                          <p:stCondLst>
+                                            <p:cond delay="0"/>
+                                          </p:stCondLst>
+                                        </p:cTn>
+                                        <p:tgtEl>
+                                          <p:spTgt spid="5">
+                                            <p:txEl>
+                                              <p:pRg st="1" end="1"/>
+                                            </p:txEl>
+                                          </p:spTgt>
+                                        </p:tgtEl>
+                                        <p:attrNameLst>
+                                          <p:attrName>style.visibility</p:attrName>
+                                        </p:attrNameLst>
+                                      </p:cBhvr>
+                                      <p:to>
+                                        <p:strVal val="visible"/>
+                                      </p:to>
+                                    </p:set>
+                                    <p:animEffect transition="in" filter="fade">
+                                      <p:cBhvr>
+                                        <p:cTn id="12" dur="500"/>
+                                        <p:tgtEl>
+                                          <p:spTgt spid="5">
+                                            <p:txEl>
+                                              <p:pRg st="1" end="1"/>
+                                            </p:txEl>
+                                          </p:spTgt>
+                                        </p:tgtEl>
+                                      </p:cBhvr>
+                                    </p:animEffect>
+                                  </p:childTnLst>
+                                </p:cTn>
+                              </p:par>
+                            </p:childTnLst>
+                          </p:cTn>
+                        </p:par>
+                      </p:childTnLst>
+                    </p:cTn>
+                  </p:par>
+                  <p:par>
+                    <p:cTn id="13" fill="hold">
+                      <p:stCondLst>
+                        <p:cond delay="indefinite"/>
+                      </p:stCondLst>
+                      <p:childTnLst>
+                        <p:par>
+                          <p:cTn id="14" fill="hold">
+                            <p:stCondLst>
+                              <p:cond delay="0"/>
+                            </p:stCondLst>
+                            <p:childTnLst>
+                              <p:par>
+                                <p:cTn id="15" presetID="10" presetClass="entr" presetSubtype="0" fill="hold" grpId="0" nodeType="clickEffect">
+                                  <p:stCondLst>
+                                    <p:cond delay="0"/>
+                                  </p:stCondLst>
+                                  <p:childTnLst>
+                                    <p:set>
+                                      <p:cBhvr>
+                                        <p:cTn id="16" dur="1" fill="hold">
+                                          <p:stCondLst>
+                                            <p:cond delay="0"/>
+                                          </p:stCondLst>
+                                        </p:cTn>
+                                        <p:tgtEl>
+                                          <p:spTgt spid="5">
+                                            <p:txEl>
+                                              <p:pRg st="2" end="2"/>
+                                            </p:txEl>
+                                          </p:spTgt>
+                                        </p:tgtEl>
+                                        <p:attrNameLst>
+                                          <p:attrName>style.visibility</p:attrName>
+                                        </p:attrNameLst>
+                                      </p:cBhvr>
+                                      <p:to>
+                                        <p:strVal val="visible"/>
+                                      </p:to>
+                                    </p:set>
+                                    <p:animEffect transition="in" filter="fade">
+                                      <p:cBhvr>
+                                        <p:cTn id="17" dur="500"/>
+                                        <p:tgtEl>
+                                          <p:spTgt spid="5">
+                                            <p:txEl>
+                                              <p:pRg st="2" end="2"/>
+                                            </p:txEl>
+                                          </p:spTgt>
+                                        </p:tgtEl>
+                                      </p:cBhvr>
+                                    </p:animEffect>
+                                  </p:childTnLst>
+                                </p:cTn>
+                              </p:par>
+                            </p:childTnLst>
+                          </p:cTn>
+                        </p:par>
+                      </p:childTnLst>
+                    </p:cTn>
+                  </p:par>
+                  <p:par>
+                    <p:cTn id="18" fill="hold">
+                      <p:stCondLst>
+                        <p:cond delay="indefinite"/>
+                      </p:stCondLst>
+                      <p:childTnLst>
+                        <p:par>
+                          <p:cTn id="19" fill="hold">
+                            <p:stCondLst>
+                              <p:cond delay="0"/>
+                            </p:stCondLst>
+                            <p:childTnLst>
+                              <p:par>
+                                <p:cTn id="20" presetID="10" presetClass="entr" presetSubtype="0" fill="hold" grpId="0" nodeType="clickEffect">
+                                  <p:stCondLst>
+                                    <p:cond delay="0"/>
+                                  </p:stCondLst>
+                                  <p:childTnLst>
+                                    <p:set>
+                                      <p:cBhvr>
+                                        <p:cTn id="21" dur="1" fill="hold">
+                                          <p:stCondLst>
+                                            <p:cond delay="0"/>
+                                          </p:stCondLst>
+                                        </p:cTn>
+                                        <p:tgtEl>
+                                          <p:spTgt spid="5">
+                                            <p:txEl>
+                                              <p:pRg st="3" end="3"/>
+                                            </p:txEl>
+                                          </p:spTgt>
+                                        </p:tgtEl>
+                                        <p:attrNameLst>
+                                          <p:attrName>style.visibility</p:attrName>
+                                        </p:attrNameLst>
+                                      </p:cBhvr>
+                                      <p:to>
+                                        <p:strVal val="visible"/>
+                                      </p:to>
+                                    </p:set>
+                                    <p:animEffect transition="in" filter="fade">
+                                      <p:cBhvr>
+                                        <p:cTn id="22" dur="500"/>
+                                        <p:tgtEl>
+                                          <p:spTgt spid="5">
+                                            <p:txEl>
+                                              <p:pRg st="3" end="3"/>
+                                            </p:txEl>
+                                          </p:spTgt>
+                                        </p:tgtEl>
+                                      </p:cBhvr>
+                                    </p:animEffect>
+                                  </p:childTnLst>
+                                </p:cTn>
+                              </p:par>
+                            </p:childTnLst>
+                          </p:cTn>
+                        </p:par>
+                      </p:childTnLst>
+                    </p:cTn>
+                  </p:par>
+                  <p:par>
+                    <p:cTn id="23" fill="hold">
+                      <p:stCondLst>
+                        <p:cond delay="indefinite"/>
+                      </p:stCondLst>
+                      <p:childTnLst>
+                        <p:par>
+                          <p:cTn id="24" fill="hold">
+                            <p:stCondLst>
+                              <p:cond delay="0"/>
+                            </p:stCondLst>
+                            <p:childTnLst>
+                              <p:par>
+                                <p:cTn id="25" presetID="10" presetClass="entr" presetSubtype="0" fill="hold" grpId="0" nodeType="clickEffect">
+                                  <p:stCondLst>
+                                    <p:cond delay="0"/>
+                                  </p:stCondLst>
+                                  <p:childTnLst>
+                                    <p:set>
+                                      <p:cBhvr>
+                                        <p:cTn id="26" dur="1" fill="hold">
+                                          <p:stCondLst>
+                                            <p:cond delay="0"/>
+                                          </p:stCondLst>
+                                        </p:cTn>
+                                        <p:tgtEl>
+                                          <p:spTgt spid="5">
+                                            <p:txEl>
+                                              <p:pRg st="4" end="4"/>
+                                            </p:txEl>
+                                          </p:spTgt>
+                                        </p:tgtEl>
+                                        <p:attrNameLst>
+                                          <p:attrName>style.visibility</p:attrName>
+                                        </p:attrNameLst>
+                                      </p:cBhvr>
+                                      <p:to>
+                                        <p:strVal val="visible"/>
+                                      </p:to>
+                                    </p:set>
+                                    <p:animEffect transition="in" filter="fade">
+                                      <p:cBhvr>
+                                        <p:cTn id="27" dur="500"/>
+                                        <p:tgtEl>
+                                          <p:spTgt spid="5">
+                                            <p:txEl>
+                                              <p:pRg st="4" end="4"/>
+                                            </p:txEl>
+                                          </p:spTgt>
+                                        </p:tgtEl>
+                                      </p:cBhvr>
+                                    </p:animEffect>
+                                  </p:childTnLst>
+                                </p:cTn>
+                              </p:par>
+                            </p:childTnLst>
+                          </p:cTn>
+                        </p:par>
+                      </p:childTnLst>
+                    </p:cTn>
+                  </p:par>
+                  <p:par>
+                    <p:cTn id="28" fill="hold">
+                      <p:stCondLst>
+                        <p:cond delay="indefinite"/>
+                      </p:stCondLst>
+                      <p:childTnLst>
+                        <p:par>
+                          <p:cTn id="29" fill="hold">
+                            <p:stCondLst>
+                              <p:cond delay="0"/>
+                            </p:stCondLst>
+                            <p:childTnLst>
+                              <p:par>
+                                <p:cTn id="30" presetID="10" presetClass="entr" presetSubtype="0" fill="hold" grpId="0" nodeType="clickEffect">
+                                  <p:stCondLst>
+                                    <p:cond delay="0"/>
+                                  </p:stCondLst>
+                                  <p:childTnLst>
+                                    <p:set>
+                                      <p:cBhvr>
+                                        <p:cTn id="31" dur="1" fill="hold">
+                                          <p:stCondLst>
+                                            <p:cond delay="0"/>
+                                          </p:stCondLst>
+                                        </p:cTn>
+                                        <p:tgtEl>
+                                          <p:spTgt spid="5">
+                                            <p:txEl>
+                                              <p:pRg st="5" end="5"/>
+                                            </p:txEl>
+                                          </p:spTgt>
+                                        </p:tgtEl>
+                                        <p:attrNameLst>
+                                          <p:attrName>style.visibility</p:attrName>
+                                        </p:attrNameLst>
+                                      </p:cBhvr>
+                                      <p:to>
+                                        <p:strVal val="visible"/>
+                                      </p:to>
+                                    </p:set>
+                                    <p:animEffect transition="in" filter="fade">
+                                      <p:cBhvr>
+                                        <p:cTn id="32" dur="500"/>
+                                        <p:tgtEl>
+                                          <p:spTgt spid="5">
+                                            <p:txEl>
+                                              <p:pRg st="5" end="5"/>
+                                            </p:txEl>
+                                          </p:spTgt>
+                                        </p:tgtEl>
+                                      </p:cBhvr>
+                                    </p:animEffect>
+                                  </p:childTnLst>
+                                </p:cTn>
+                              </p:par>
+                            </p:childTnLst>
+                          </p:cTn>
+                        </p:par>
+                      </p:childTnLst>
+                    </p:cTn>
+                  </p:par>
+                  <p:par>
+                    <p:cTn id="33" fill="hold">
+                      <p:stCondLst>
+                        <p:cond delay="indefinite"/>
+                      </p:stCondLst>
+                      <p:childTnLst>
+                        <p:par>
+                          <p:cTn id="34" fill="hold">
+                            <p:stCondLst>
+                              <p:cond delay="0"/>
+                            </p:stCondLst>
+                            <p:childTnLst>
+                              <p:par>
+                                <p:cTn id="35" presetID="22" presetClass="entr" presetSubtype="2" fill="hold" nodeType="clickEffect">
+                                  <p:stCondLst>
+                                    <p:cond delay="0"/>
+                                  </p:stCondLst>
+                                  <p:childTnLst>
+                                    <p:set>
+                                      <p:cBhvr>
+                                        <p:cTn id="36" dur="1" fill="hold">
+                                          <p:stCondLst>
+                                            <p:cond delay="0"/>
+                                          </p:stCondLst>
+                                        </p:cTn>
+                                        <p:tgtEl>
+                                          <p:spTgt spid="3"/>
+                                        </p:tgtEl>
+                                        <p:attrNameLst>
+                                          <p:attrName>style.visibility</p:attrName>
+                                        </p:attrNameLst>
+                                      </p:cBhvr>
+                                      <p:to>
+                                        <p:strVal val="visible"/>
+                                      </p:to>
+                                    </p:set>
+                                    <p:animEffect transition="in" filter="wipe(right)">
+                                      <p:cBhvr>
+                                        <p:cTn id="37" dur="500"/>
+                                        <p:tgtEl>
+                                          <p:spTgt spid="3"/>
+                                        </p:tgtEl>
+                                      </p:cBhvr>
+                                    </p:animEffect>
+                                  </p:childTnLst>
+                                </p:cTn>
+                              </p:par>
+                            </p:childTnLst>
+                          </p:cTn>
+                        </p:par>
+                      </p:childTnLst>
+                    </p:cTn>
+                  </p:par>
+                </p:childTnLst>
+              </p:cTn>
+              <p:prevCondLst>
+                <p:cond evt="onPrev" delay="0">
+                  <p:tgtEl>
+                    <p:sldTgt/>
+                  </p:tgtEl>
+                </p:cond>
+              </p:prevCondLst>
+              <p:nextCondLst>
+                <p:cond evt="onNext" delay="0">
+                  <p:tgtEl>
+                    <p:sldTgt/>
+                  </p:tgtEl>
+                </p:cond>
+              </p:nextCondLst>
+            </p:seq>
+          </p:childTnLst>
+        </p:cTn>
       </p:par>
     </p:tnLst>
+    <p:bldLst>
+      <p:bldP spid="5" grpId="0" build="p"/>
+    </p:bldLst>
   </p:timing>
 </p:sld>
 </file>
@@ -7850,18 +9714,13 @@
             </a:pPr>
             <a:r>
               <a:rPr lang="en-US" sz="3200" dirty="0" smtClean="0"/>
-              <a:t> Structure of a .bmp format image file</a:t>
-            </a:r>
-          </a:p>
-          <a:p>
-            <a:pPr>
-              <a:buFont typeface="Wingdings" panose="05000000000000000000" pitchFamily="2" charset="2"/>
-              <a:buChar char="Ø"/>
-            </a:pPr>
+              <a:t> Structure of a .bmp format image </a:t>
+            </a:r>
             <a:r>
               <a:rPr lang="en-US" sz="3200" dirty="0" smtClean="0"/>
-              <a:t> Ways to read the header info for .Bmp image file</a:t>
-            </a:r>
+              <a:t>file</a:t>
+            </a:r>
+            <a:endParaRPr lang="en-US" sz="3200" dirty="0" smtClean="0"/>
           </a:p>
           <a:p>
             <a:pPr>
@@ -7902,13 +9761,18 @@
             <p:ph type="sldNum" sz="quarter" idx="12"/>
           </p:nvPr>
         </p:nvSpPr>
-        <p:spPr/>
+        <p:spPr>
+          <a:xfrm>
+            <a:off x="10482690" y="5904606"/>
+            <a:ext cx="542697" cy="279400"/>
+          </a:xfrm>
+        </p:spPr>
         <p:txBody>
           <a:bodyPr/>
           <a:lstStyle/>
           <a:p>
             <a:fld id="{5D84065D-F351-4B03-BD91-D8A6B8D4B362}" type="slidenum">
-              <a:rPr lang="en-US" sz="2400" smtClean="0"/>
+              <a:rPr lang="en-US" sz="3600" smtClean="0"/>
               <a:t>9</a:t>
             </a:fld>
             <a:endParaRPr lang="en-US" dirty="0"/>
@@ -7978,7 +9842,7 @@
     </a:clrScheme>
     <a:fontScheme name="Organic">
       <a:majorFont>
-        <a:latin typeface="Garamond" panose="02020404030301010803"/>
+        <a:latin typeface="Garamond"/>
         <a:ea typeface=""/>
         <a:cs typeface=""/>
         <a:font script="Jpan" typeface="ＭＳ Ｐゴシック"/>
@@ -8013,7 +9877,7 @@
         <a:font script="Geor" typeface="Sylfaen"/>
       </a:majorFont>
       <a:minorFont>
-        <a:latin typeface="Garamond" panose="02020404030301010803"/>
+        <a:latin typeface="Garamond"/>
         <a:ea typeface=""/>
         <a:cs typeface=""/>
         <a:font script="Jpan" typeface="ＭＳ Ｐ明朝"/>
@@ -8162,7 +10026,7 @@
   <a:extraClrSchemeLst/>
   <a:extLst>
     <a:ext uri="{05A4C25C-085E-4340-85A3-A5531E510DB2}">
-      <thm15:themeFamily xmlns:thm15="http://schemas.microsoft.com/office/thememl/2012/main" name="Organic" id="{28CDC826-8792-45C0-861B-85EB3ADEDA33}" vid="{E4E49EB0-FB00-41F5-9359-4843D783A23D}"/>
+      <thm15:themeFamily xmlns:thm15="http://schemas.microsoft.com/office/thememl/2012/main" xmlns="" name="Organic" id="{28CDC826-8792-45C0-861B-85EB3ADEDA33}" vid="{E4E49EB0-FB00-41F5-9359-4843D783A23D}"/>
     </a:ext>
   </a:extLst>
 </a:theme>
@@ -8211,7 +10075,7 @@
     </a:clrScheme>
     <a:fontScheme name="Office">
       <a:majorFont>
-        <a:latin typeface="Calibri Light" panose="020F0302020204030204"/>
+        <a:latin typeface="Calibri Light"/>
         <a:ea typeface=""/>
         <a:cs typeface=""/>
         <a:font script="Jpan" typeface="ＭＳ Ｐゴシック"/>
@@ -8246,7 +10110,7 @@
         <a:font script="Geor" typeface="Sylfaen"/>
       </a:majorFont>
       <a:minorFont>
-        <a:latin typeface="Calibri" panose="020F0502020204030204"/>
+        <a:latin typeface="Calibri"/>
         <a:ea typeface=""/>
         <a:cs typeface=""/>
         <a:font script="Jpan" typeface="ＭＳ Ｐゴシック"/>
@@ -8423,7 +10287,7 @@
   <a:extraClrSchemeLst/>
   <a:extLst>
     <a:ext uri="{05A4C25C-085E-4340-85A3-A5531E510DB2}">
-      <thm15:themeFamily xmlns:thm15="http://schemas.microsoft.com/office/thememl/2012/main" name="Office Theme" id="{62F939B6-93AF-4DB8-9C6B-D6C7DFDC589F}" vid="{4A3C46E8-61CC-4603-A589-7422A47A8E4A}"/>
+      <thm15:themeFamily xmlns:thm15="http://schemas.microsoft.com/office/thememl/2012/main" xmlns="" name="Office Theme" id="{62F939B6-93AF-4DB8-9C6B-D6C7DFDC589F}" vid="{4A3C46E8-61CC-4603-A589-7422A47A8E4A}"/>
     </a:ext>
   </a:extLst>
 </a:theme>
